--- a/Lecture_1/ABilandzic_PH8124_SS2023.pptx
+++ b/Lecture_1/ABilandzic_PH8124_SS2023.pptx
@@ -5,10 +5,10 @@
     <p:sldMasterId id="2147484288" r:id="rId1"/>
   </p:sldMasterIdLst>
   <p:notesMasterIdLst>
-    <p:notesMasterId r:id="rId36"/>
+    <p:notesMasterId r:id="rId35"/>
   </p:notesMasterIdLst>
   <p:handoutMasterIdLst>
-    <p:handoutMasterId r:id="rId37"/>
+    <p:handoutMasterId r:id="rId36"/>
   </p:handoutMasterIdLst>
   <p:sldIdLst>
     <p:sldId id="785" r:id="rId2"/>
@@ -24,27 +24,26 @@
     <p:sldId id="1228" r:id="rId12"/>
     <p:sldId id="1225" r:id="rId13"/>
     <p:sldId id="1230" r:id="rId14"/>
-    <p:sldId id="1251" r:id="rId15"/>
-    <p:sldId id="1231" r:id="rId16"/>
-    <p:sldId id="1252" r:id="rId17"/>
-    <p:sldId id="1232" r:id="rId18"/>
-    <p:sldId id="1247" r:id="rId19"/>
-    <p:sldId id="1229" r:id="rId20"/>
-    <p:sldId id="1233" r:id="rId21"/>
-    <p:sldId id="1234" r:id="rId22"/>
-    <p:sldId id="1238" r:id="rId23"/>
-    <p:sldId id="1235" r:id="rId24"/>
-    <p:sldId id="1236" r:id="rId25"/>
-    <p:sldId id="1248" r:id="rId26"/>
-    <p:sldId id="1244" r:id="rId27"/>
-    <p:sldId id="1253" r:id="rId28"/>
-    <p:sldId id="1254" r:id="rId29"/>
-    <p:sldId id="1227" r:id="rId30"/>
-    <p:sldId id="1239" r:id="rId31"/>
-    <p:sldId id="1240" r:id="rId32"/>
-    <p:sldId id="1245" r:id="rId33"/>
-    <p:sldId id="1242" r:id="rId34"/>
-    <p:sldId id="1158" r:id="rId35"/>
+    <p:sldId id="1231" r:id="rId15"/>
+    <p:sldId id="1252" r:id="rId16"/>
+    <p:sldId id="1232" r:id="rId17"/>
+    <p:sldId id="1247" r:id="rId18"/>
+    <p:sldId id="1229" r:id="rId19"/>
+    <p:sldId id="1233" r:id="rId20"/>
+    <p:sldId id="1234" r:id="rId21"/>
+    <p:sldId id="1238" r:id="rId22"/>
+    <p:sldId id="1235" r:id="rId23"/>
+    <p:sldId id="1236" r:id="rId24"/>
+    <p:sldId id="1248" r:id="rId25"/>
+    <p:sldId id="1244" r:id="rId26"/>
+    <p:sldId id="1253" r:id="rId27"/>
+    <p:sldId id="1254" r:id="rId28"/>
+    <p:sldId id="1227" r:id="rId29"/>
+    <p:sldId id="1239" r:id="rId30"/>
+    <p:sldId id="1240" r:id="rId31"/>
+    <p:sldId id="1245" r:id="rId32"/>
+    <p:sldId id="1242" r:id="rId33"/>
+    <p:sldId id="1158" r:id="rId34"/>
   </p:sldIdLst>
   <p:sldSz cx="9144000" cy="6858000" type="screen4x3"/>
   <p:notesSz cx="6858000" cy="9144000"/>
@@ -337,7 +336,7 @@
           <a:p>
             <a:fld id="{F929CBCE-E64B-4074-AF48-7FACC033E4C9}" type="datetimeFigureOut">
               <a:rPr lang="en-US" smtClean="0"/>
-              <a:t>4/12/2023</a:t>
+              <a:t>4/14/2023</a:t>
             </a:fld>
             <a:endParaRPr lang="en-US"/>
           </a:p>
@@ -5484,13 +5483,8 @@
             </a:br>
             <a:r>
               <a:rPr lang="en-US" sz="2400" dirty="0" smtClean="0"/>
-              <a:t>Lecture 1, </a:t>
-            </a:r>
-            <a:r>
-              <a:rPr lang="en-US" sz="2400" dirty="0" smtClean="0"/>
-              <a:t>20.04.2023</a:t>
-            </a:r>
-            <a:endParaRPr lang="en-US" sz="2400" dirty="0" smtClean="0"/>
+              <a:t>Lecture 1, 20.04.2023</a:t>
+            </a:r>
           </a:p>
         </p:txBody>
       </p:sp>
@@ -5929,50 +5923,18 @@
                   <a:srgbClr val="FF0000"/>
                 </a:solidFill>
               </a:rPr>
-              <a:t>May </a:t>
-            </a:r>
+              <a:t>May 18th – Ascension Day</a:t>
+            </a:r>
+          </a:p>
+          <a:p>
+            <a:pPr lvl="1"/>
             <a:r>
               <a:rPr lang="da-DK" dirty="0" smtClean="0">
                 <a:solidFill>
                   <a:srgbClr val="FF0000"/>
                 </a:solidFill>
               </a:rPr>
-              <a:t>18th </a:t>
-            </a:r>
-            <a:r>
-              <a:rPr lang="da-DK" dirty="0" smtClean="0">
-                <a:solidFill>
-                  <a:srgbClr val="FF0000"/>
-                </a:solidFill>
-              </a:rPr>
-              <a:t>– Ascension Day</a:t>
-            </a:r>
-          </a:p>
-          <a:p>
-            <a:pPr lvl="1"/>
-            <a:r>
-              <a:rPr lang="da-DK" dirty="0" smtClean="0">
-                <a:solidFill>
-                  <a:srgbClr val="FF0000"/>
-                </a:solidFill>
-              </a:rPr>
-              <a:t>June </a:t>
-            </a:r>
-            <a:r>
-              <a:rPr lang="da-DK" dirty="0" smtClean="0">
-                <a:solidFill>
-                  <a:srgbClr val="FF0000"/>
-                </a:solidFill>
-              </a:rPr>
-              <a:t>8th </a:t>
-            </a:r>
-            <a:r>
-              <a:rPr lang="da-DK" dirty="0" smtClean="0">
-                <a:solidFill>
-                  <a:srgbClr val="FF0000"/>
-                </a:solidFill>
-              </a:rPr>
-              <a:t>– Corpus Christi</a:t>
+              <a:t>June 8th – Corpus Christi</a:t>
             </a:r>
           </a:p>
         </p:txBody>
@@ -6230,7 +6192,7 @@
       </p:sp>
       <p:pic>
         <p:nvPicPr>
-          <p:cNvPr id="6" name="Picture 5"/>
+          <p:cNvPr id="5" name="Picture 4"/>
           <p:cNvPicPr>
             <a:picLocks noChangeAspect="1"/>
           </p:cNvPicPr>
@@ -6244,8 +6206,8 @@
         </p:blipFill>
         <p:spPr>
           <a:xfrm>
-            <a:off x="381000" y="1981200"/>
-            <a:ext cx="8382000" cy="4168864"/>
+            <a:off x="685800" y="1895365"/>
+            <a:ext cx="7924800" cy="4505435"/>
           </a:xfrm>
           <a:prstGeom prst="rect">
             <a:avLst/>
@@ -6289,109 +6251,9 @@
           <a:chExt cx="0" cy="0"/>
         </a:xfrm>
       </p:grpSpPr>
-      <p:sp>
-        <p:nvSpPr>
-          <p:cNvPr id="2" name="Title 1"/>
-          <p:cNvSpPr>
-            <a:spLocks noGrp="1"/>
-          </p:cNvSpPr>
-          <p:nvPr>
-            <p:ph type="title"/>
-          </p:nvPr>
-        </p:nvSpPr>
-        <p:spPr>
-          <a:xfrm>
-            <a:off x="228600" y="381000"/>
-            <a:ext cx="8686800" cy="1066800"/>
-          </a:xfrm>
-        </p:spPr>
-        <p:txBody>
-          <a:bodyPr>
-            <a:normAutofit/>
-          </a:bodyPr>
-          <a:lstStyle/>
-          <a:p>
-            <a:r>
-              <a:rPr lang="da-DK" sz="3200" b="1" dirty="0" smtClean="0"/>
-              <a:t>Free advert (#1)</a:t>
-            </a:r>
-            <a:endParaRPr lang="en-US" sz="3200" dirty="0"/>
-          </a:p>
-        </p:txBody>
-      </p:sp>
-      <p:sp>
-        <p:nvSpPr>
-          <p:cNvPr id="3" name="Content Placeholder 2"/>
-          <p:cNvSpPr>
-            <a:spLocks noGrp="1"/>
-          </p:cNvSpPr>
-          <p:nvPr>
-            <p:ph idx="1"/>
-          </p:nvPr>
-        </p:nvSpPr>
-        <p:spPr>
-          <a:xfrm>
-            <a:off x="304800" y="1371600"/>
-            <a:ext cx="8686800" cy="990600"/>
-          </a:xfrm>
-        </p:spPr>
-        <p:txBody>
-          <a:bodyPr>
-            <a:normAutofit/>
-          </a:bodyPr>
-          <a:lstStyle/>
-          <a:p>
-            <a:r>
-              <a:rPr lang="en-GB" dirty="0" smtClean="0"/>
-              <a:t>Why </a:t>
-            </a:r>
-            <a:r>
-              <a:rPr lang="en-GB" dirty="0"/>
-              <a:t>Linux? Statistics for </a:t>
-            </a:r>
-            <a:r>
-              <a:rPr lang="en-GB" dirty="0" smtClean="0"/>
-              <a:t>supercomputers</a:t>
-            </a:r>
-            <a:r>
-              <a:rPr lang="en-GB" dirty="0"/>
-              <a:t>:</a:t>
-            </a:r>
-          </a:p>
-        </p:txBody>
-      </p:sp>
-      <p:sp>
-        <p:nvSpPr>
-          <p:cNvPr id="4" name="Slide Number Placeholder 3"/>
-          <p:cNvSpPr>
-            <a:spLocks noGrp="1"/>
-          </p:cNvSpPr>
-          <p:nvPr>
-            <p:ph type="sldNum" sz="quarter" idx="12"/>
-          </p:nvPr>
-        </p:nvSpPr>
-        <p:spPr/>
-        <p:txBody>
-          <a:bodyPr/>
-          <a:lstStyle/>
-          <a:p>
-            <a:pPr>
-              <a:defRPr/>
-            </a:pPr>
-            <a:fld id="{B3B39CE4-1B0F-442B-AED0-7E4EF4FD7138}" type="slidenum">
-              <a:rPr lang="en-US" smtClean="0"/>
-              <a:pPr>
-                <a:defRPr/>
-              </a:pPr>
-              <a:t>13</a:t>
-            </a:fld>
-            <a:endParaRPr lang="en-US" dirty="0"/>
-          </a:p>
-        </p:txBody>
-      </p:sp>
       <p:pic>
         <p:nvPicPr>
-          <p:cNvPr id="5" name="Picture 4"/>
+          <p:cNvPr id="6" name="Picture 5"/>
           <p:cNvPicPr>
             <a:picLocks noChangeAspect="1"/>
           </p:cNvPicPr>
@@ -6405,14 +6267,114 @@
         </p:blipFill>
         <p:spPr>
           <a:xfrm>
-            <a:off x="737402" y="1828800"/>
-            <a:ext cx="7720798" cy="5029200"/>
+            <a:off x="914400" y="1793655"/>
+            <a:ext cx="7543800" cy="4988145"/>
           </a:xfrm>
           <a:prstGeom prst="rect">
             <a:avLst/>
           </a:prstGeom>
         </p:spPr>
       </p:pic>
+      <p:sp>
+        <p:nvSpPr>
+          <p:cNvPr id="2" name="Title 1"/>
+          <p:cNvSpPr>
+            <a:spLocks noGrp="1"/>
+          </p:cNvSpPr>
+          <p:nvPr>
+            <p:ph type="title"/>
+          </p:nvPr>
+        </p:nvSpPr>
+        <p:spPr>
+          <a:xfrm>
+            <a:off x="228600" y="381000"/>
+            <a:ext cx="8686800" cy="1066800"/>
+          </a:xfrm>
+        </p:spPr>
+        <p:txBody>
+          <a:bodyPr>
+            <a:normAutofit/>
+          </a:bodyPr>
+          <a:lstStyle/>
+          <a:p>
+            <a:r>
+              <a:rPr lang="da-DK" sz="3200" b="1" dirty="0" smtClean="0"/>
+              <a:t>Free advert (#1)</a:t>
+            </a:r>
+            <a:endParaRPr lang="en-US" sz="3200" dirty="0"/>
+          </a:p>
+        </p:txBody>
+      </p:sp>
+      <p:sp>
+        <p:nvSpPr>
+          <p:cNvPr id="3" name="Content Placeholder 2"/>
+          <p:cNvSpPr>
+            <a:spLocks noGrp="1"/>
+          </p:cNvSpPr>
+          <p:nvPr>
+            <p:ph idx="1"/>
+          </p:nvPr>
+        </p:nvSpPr>
+        <p:spPr>
+          <a:xfrm>
+            <a:off x="304800" y="1371600"/>
+            <a:ext cx="8686800" cy="990600"/>
+          </a:xfrm>
+        </p:spPr>
+        <p:txBody>
+          <a:bodyPr>
+            <a:normAutofit/>
+          </a:bodyPr>
+          <a:lstStyle/>
+          <a:p>
+            <a:r>
+              <a:rPr lang="en-GB" dirty="0" smtClean="0"/>
+              <a:t>Why </a:t>
+            </a:r>
+            <a:r>
+              <a:rPr lang="en-GB" dirty="0"/>
+              <a:t>Linux? Statistics for </a:t>
+            </a:r>
+            <a:r>
+              <a:rPr lang="en-GB" dirty="0" smtClean="0"/>
+              <a:t>supercomputers</a:t>
+            </a:r>
+            <a:r>
+              <a:rPr lang="en-GB" dirty="0"/>
+              <a:t>:</a:t>
+            </a:r>
+          </a:p>
+        </p:txBody>
+      </p:sp>
+      <p:sp>
+        <p:nvSpPr>
+          <p:cNvPr id="4" name="Slide Number Placeholder 3"/>
+          <p:cNvSpPr>
+            <a:spLocks noGrp="1"/>
+          </p:cNvSpPr>
+          <p:nvPr>
+            <p:ph type="sldNum" sz="quarter" idx="12"/>
+          </p:nvPr>
+        </p:nvSpPr>
+        <p:spPr/>
+        <p:txBody>
+          <a:bodyPr/>
+          <a:lstStyle/>
+          <a:p>
+            <a:pPr>
+              <a:defRPr/>
+            </a:pPr>
+            <a:fld id="{B3B39CE4-1B0F-442B-AED0-7E4EF4FD7138}" type="slidenum">
+              <a:rPr lang="en-US" smtClean="0"/>
+              <a:pPr>
+                <a:defRPr/>
+              </a:pPr>
+              <a:t>13</a:t>
+            </a:fld>
+            <a:endParaRPr lang="en-US" dirty="0"/>
+          </a:p>
+        </p:txBody>
+      </p:sp>
     </p:spTree>
     <p:extLst>
       <p:ext uri="{BB962C8B-B14F-4D97-AF65-F5344CB8AC3E}">
@@ -6493,20 +6455,103 @@
         <p:spPr>
           <a:xfrm>
             <a:off x="304800" y="1371600"/>
-            <a:ext cx="8686800" cy="990600"/>
+            <a:ext cx="8686800" cy="3048000"/>
           </a:xfrm>
         </p:spPr>
         <p:txBody>
           <a:bodyPr>
-            <a:normAutofit/>
+            <a:normAutofit lnSpcReduction="10000"/>
           </a:bodyPr>
           <a:lstStyle/>
           <a:p>
             <a:r>
-              <a:rPr lang="en-GB" sz="2200" dirty="0" smtClean="0"/>
-              <a:t>The most powerful supercomputers (November, 2021):</a:t>
-            </a:r>
-            <a:endParaRPr lang="en-GB" sz="2200" dirty="0"/>
+              <a:rPr lang="en-GB" dirty="0" smtClean="0"/>
+              <a:t>Why </a:t>
+            </a:r>
+            <a:r>
+              <a:rPr lang="en-GB" dirty="0"/>
+              <a:t>Linux? </a:t>
+            </a:r>
+            <a:endParaRPr lang="en-GB" dirty="0" smtClean="0"/>
+          </a:p>
+          <a:p>
+            <a:r>
+              <a:rPr lang="en-GB" dirty="0"/>
+              <a:t>Linux is by far the leading operating system in computers used in scientific </a:t>
+            </a:r>
+            <a:r>
+              <a:rPr lang="en-GB" dirty="0" smtClean="0"/>
+              <a:t>research (CERN, NASA, etc.)</a:t>
+            </a:r>
+          </a:p>
+          <a:p>
+            <a:r>
+              <a:rPr lang="en-GB" b="1" dirty="0" smtClean="0">
+                <a:solidFill>
+                  <a:srgbClr val="C00000"/>
+                </a:solidFill>
+              </a:rPr>
+              <a:t>Linux kernel:</a:t>
+            </a:r>
+            <a:r>
+              <a:rPr lang="en-GB" b="1" dirty="0" smtClean="0"/>
+              <a:t> </a:t>
+            </a:r>
+            <a:r>
+              <a:rPr lang="en-GB" dirty="0" smtClean="0"/>
+              <a:t>developed by </a:t>
+            </a:r>
+            <a:r>
+              <a:rPr lang="en-GB" dirty="0"/>
+              <a:t>Linus </a:t>
+            </a:r>
+            <a:r>
+              <a:rPr lang="en-GB" dirty="0" smtClean="0"/>
+              <a:t>Torvalds in the early 90s</a:t>
+            </a:r>
+          </a:p>
+          <a:p>
+            <a:r>
+              <a:rPr lang="en-GB" b="1" dirty="0" smtClean="0">
+                <a:solidFill>
+                  <a:srgbClr val="C00000"/>
+                </a:solidFill>
+              </a:rPr>
+              <a:t>GNU (‘GNU’s not Unix’): </a:t>
+            </a:r>
+            <a:r>
+              <a:rPr lang="en-GB" dirty="0" smtClean="0"/>
+              <a:t>open source utilities </a:t>
+            </a:r>
+            <a:r>
+              <a:rPr lang="en-GB" dirty="0"/>
+              <a:t>to perform standard actions </a:t>
+            </a:r>
+            <a:r>
+              <a:rPr lang="en-GB" dirty="0" smtClean="0"/>
+              <a:t>on the computer </a:t>
+            </a:r>
+            <a:r>
+              <a:rPr lang="en-DE" dirty="0" smtClean="0"/>
+              <a:t>–</a:t>
+            </a:r>
+            <a:r>
+              <a:rPr lang="en-GB" dirty="0" smtClean="0"/>
+              <a:t> no licencing</a:t>
+            </a:r>
+          </a:p>
+          <a:p>
+            <a:pPr lvl="1"/>
+            <a:r>
+              <a:rPr lang="en-GB" dirty="0" smtClean="0"/>
+              <a:t>Linux kernel + GNU utilities = Linux operating system</a:t>
+            </a:r>
+          </a:p>
+          <a:p>
+            <a:r>
+              <a:rPr lang="en-GB" dirty="0" smtClean="0"/>
+              <a:t>Initially, the Linux OS was basically a free Unix </a:t>
+            </a:r>
           </a:p>
         </p:txBody>
       </p:sp>
@@ -6539,82 +6584,99 @@
           </a:p>
         </p:txBody>
       </p:sp>
-      <p:sp>
-        <p:nvSpPr>
-          <p:cNvPr id="7" name="Rectangle 6"/>
-          <p:cNvSpPr/>
-          <p:nvPr/>
-        </p:nvSpPr>
-        <p:spPr>
-          <a:xfrm>
-            <a:off x="3289349" y="6443246"/>
-            <a:ext cx="2273251" cy="338554"/>
-          </a:xfrm>
-          <a:prstGeom prst="rect">
-            <a:avLst/>
-          </a:prstGeom>
-        </p:spPr>
-        <p:txBody>
-          <a:bodyPr wrap="none">
-            <a:spAutoFit/>
-          </a:bodyPr>
-          <a:lstStyle/>
-          <a:p>
-            <a:r>
-              <a:rPr lang="en-GB" sz="1600" dirty="0" smtClean="0">
-                <a:effectLst/>
-                <a:hlinkClick r:id="rId2"/>
-              </a:rPr>
-              <a:t>https</a:t>
-            </a:r>
-            <a:r>
-              <a:rPr lang="en-GB" sz="1600" dirty="0">
-                <a:effectLst/>
-                <a:hlinkClick r:id="rId2"/>
-              </a:rPr>
-              <a:t>://</a:t>
-            </a:r>
-            <a:r>
-              <a:rPr lang="en-GB" sz="1600" dirty="0" smtClean="0">
-                <a:effectLst/>
-                <a:hlinkClick r:id="rId2"/>
-              </a:rPr>
-              <a:t>www.top500.org</a:t>
-            </a:r>
-            <a:endParaRPr lang="en-GB" sz="1600" dirty="0" smtClean="0">
-              <a:effectLst/>
-            </a:endParaRPr>
-          </a:p>
-        </p:txBody>
-      </p:sp>
       <p:pic>
         <p:nvPicPr>
-          <p:cNvPr id="9" name="Picture 8"/>
+          <p:cNvPr id="6" name="Picture 5"/>
           <p:cNvPicPr>
             <a:picLocks noChangeAspect="1"/>
           </p:cNvPicPr>
           <p:nvPr/>
         </p:nvPicPr>
         <p:blipFill>
-          <a:blip r:embed="rId3"/>
+          <a:blip r:embed="rId2"/>
           <a:stretch>
             <a:fillRect/>
           </a:stretch>
         </p:blipFill>
         <p:spPr>
           <a:xfrm>
-            <a:off x="685800" y="1783472"/>
-            <a:ext cx="7543800" cy="4693528"/>
+            <a:off x="1066800" y="4325235"/>
+            <a:ext cx="2024794" cy="2478056"/>
           </a:xfrm>
           <a:prstGeom prst="rect">
             <a:avLst/>
           </a:prstGeom>
         </p:spPr>
       </p:pic>
+      <p:sp>
+        <p:nvSpPr>
+          <p:cNvPr id="12" name="Rectangle 11"/>
+          <p:cNvSpPr/>
+          <p:nvPr/>
+        </p:nvSpPr>
+        <p:spPr>
+          <a:xfrm>
+            <a:off x="3733800" y="5029200"/>
+            <a:ext cx="4572000" cy="646331"/>
+          </a:xfrm>
+          <a:prstGeom prst="rect">
+            <a:avLst/>
+          </a:prstGeom>
+        </p:spPr>
+        <p:txBody>
+          <a:bodyPr>
+            <a:spAutoFit/>
+          </a:bodyPr>
+          <a:lstStyle/>
+          <a:p>
+            <a:r>
+              <a:rPr lang="en-GB" dirty="0" smtClean="0">
+                <a:solidFill>
+                  <a:srgbClr val="222222"/>
+                </a:solidFill>
+                <a:effectLst/>
+                <a:latin typeface="Arial" panose="020B0604020202020204" pitchFamily="34" charset="0"/>
+              </a:rPr>
+              <a:t>Penguin named Tux </a:t>
+            </a:r>
+            <a:r>
+              <a:rPr lang="en-GB" dirty="0">
+                <a:solidFill>
+                  <a:srgbClr val="222222"/>
+                </a:solidFill>
+                <a:effectLst/>
+                <a:latin typeface="Arial" panose="020B0604020202020204" pitchFamily="34" charset="0"/>
+              </a:rPr>
+              <a:t>is the most commonly used </a:t>
+            </a:r>
+            <a:r>
+              <a:rPr lang="en-GB" dirty="0" smtClean="0">
+                <a:solidFill>
+                  <a:srgbClr val="222222"/>
+                </a:solidFill>
+                <a:effectLst/>
+                <a:latin typeface="Arial" panose="020B0604020202020204" pitchFamily="34" charset="0"/>
+              </a:rPr>
+              <a:t>logo </a:t>
+            </a:r>
+            <a:r>
+              <a:rPr lang="en-GB" dirty="0">
+                <a:solidFill>
+                  <a:srgbClr val="222222"/>
+                </a:solidFill>
+                <a:effectLst/>
+                <a:latin typeface="Arial" panose="020B0604020202020204" pitchFamily="34" charset="0"/>
+              </a:rPr>
+              <a:t>for Linux</a:t>
+            </a:r>
+            <a:endParaRPr lang="en-US" dirty="0"/>
+          </a:p>
+        </p:txBody>
+      </p:sp>
     </p:spTree>
     <p:extLst>
       <p:ext uri="{BB962C8B-B14F-4D97-AF65-F5344CB8AC3E}">
-        <p14:creationId xmlns:p14="http://schemas.microsoft.com/office/powerpoint/2010/main" val="2935680030"/>
+        <p14:creationId xmlns:p14="http://schemas.microsoft.com/office/powerpoint/2010/main" val="391029610"/>
       </p:ext>
     </p:extLst>
   </p:cSld>
@@ -6680,119 +6742,6 @@
       </p:sp>
       <p:sp>
         <p:nvSpPr>
-          <p:cNvPr id="3" name="Content Placeholder 2"/>
-          <p:cNvSpPr>
-            <a:spLocks noGrp="1"/>
-          </p:cNvSpPr>
-          <p:nvPr>
-            <p:ph idx="1"/>
-          </p:nvPr>
-        </p:nvSpPr>
-        <p:spPr>
-          <a:xfrm>
-            <a:off x="304800" y="1371600"/>
-            <a:ext cx="8686800" cy="3048000"/>
-          </a:xfrm>
-        </p:spPr>
-        <p:txBody>
-          <a:bodyPr>
-            <a:normAutofit lnSpcReduction="10000"/>
-          </a:bodyPr>
-          <a:lstStyle/>
-          <a:p>
-            <a:r>
-              <a:rPr lang="en-GB" dirty="0" smtClean="0"/>
-              <a:t>Why </a:t>
-            </a:r>
-            <a:r>
-              <a:rPr lang="en-GB" dirty="0"/>
-              <a:t>Linux? </a:t>
-            </a:r>
-            <a:endParaRPr lang="en-GB" dirty="0" smtClean="0"/>
-          </a:p>
-          <a:p>
-            <a:r>
-              <a:rPr lang="en-GB" dirty="0"/>
-              <a:t>Linux is by far the leading operating system in computers used in scientific </a:t>
-            </a:r>
-            <a:r>
-              <a:rPr lang="en-GB" dirty="0" smtClean="0"/>
-              <a:t>research (CERN, NASA, etc.)</a:t>
-            </a:r>
-          </a:p>
-          <a:p>
-            <a:r>
-              <a:rPr lang="en-GB" b="1" dirty="0" smtClean="0">
-                <a:solidFill>
-                  <a:srgbClr val="C00000"/>
-                </a:solidFill>
-              </a:rPr>
-              <a:t>Linux kernel:</a:t>
-            </a:r>
-            <a:r>
-              <a:rPr lang="en-GB" b="1" dirty="0" smtClean="0"/>
-              <a:t> </a:t>
-            </a:r>
-            <a:r>
-              <a:rPr lang="en-GB" dirty="0" smtClean="0"/>
-              <a:t>developed by </a:t>
-            </a:r>
-            <a:r>
-              <a:rPr lang="en-GB" dirty="0"/>
-              <a:t>Linus </a:t>
-            </a:r>
-            <a:r>
-              <a:rPr lang="en-GB" dirty="0" smtClean="0"/>
-              <a:t>Torvalds in the early 90s</a:t>
-            </a:r>
-          </a:p>
-          <a:p>
-            <a:r>
-              <a:rPr lang="en-GB" b="1" dirty="0" smtClean="0">
-                <a:solidFill>
-                  <a:srgbClr val="C00000"/>
-                </a:solidFill>
-              </a:rPr>
-              <a:t>GNU (‘GNU’s not Unix’): </a:t>
-            </a:r>
-            <a:r>
-              <a:rPr lang="en-GB" dirty="0" smtClean="0"/>
-              <a:t>open source utilities </a:t>
-            </a:r>
-            <a:r>
-              <a:rPr lang="en-GB" dirty="0"/>
-              <a:t>to perform standard actions </a:t>
-            </a:r>
-            <a:r>
-              <a:rPr lang="en-GB" dirty="0" smtClean="0"/>
-              <a:t>on the computer - </a:t>
-            </a:r>
-            <a:r>
-              <a:rPr lang="en-GB" dirty="0"/>
-              <a:t>no </a:t>
-            </a:r>
-            <a:r>
-              <a:rPr lang="en-GB" dirty="0" smtClean="0"/>
-              <a:t>licencing</a:t>
-            </a:r>
-          </a:p>
-          <a:p>
-            <a:pPr lvl="1"/>
-            <a:r>
-              <a:rPr lang="en-GB" dirty="0" smtClean="0"/>
-              <a:t>Linux kernel + GNU utilities = Linux operating system</a:t>
-            </a:r>
-          </a:p>
-          <a:p>
-            <a:r>
-              <a:rPr lang="en-GB" dirty="0" smtClean="0"/>
-              <a:t>Initially, the Linux OS was basically a free Unix </a:t>
-            </a:r>
-          </a:p>
-        </p:txBody>
-      </p:sp>
-      <p:sp>
-        <p:nvSpPr>
           <p:cNvPr id="4" name="Slide Number Placeholder 3"/>
           <p:cNvSpPr>
             <a:spLocks noGrp="1"/>
@@ -6822,22 +6771,28 @@
       </p:sp>
       <p:pic>
         <p:nvPicPr>
-          <p:cNvPr id="6" name="Picture 5"/>
+          <p:cNvPr id="7" name="Picture 6"/>
           <p:cNvPicPr>
             <a:picLocks noChangeAspect="1"/>
           </p:cNvPicPr>
           <p:nvPr/>
         </p:nvPicPr>
         <p:blipFill>
-          <a:blip r:embed="rId2"/>
+          <a:blip r:embed="rId2">
+            <a:extLst>
+              <a:ext uri="{28A0092B-C50C-407E-A947-70E740481C1C}">
+                <a14:useLocalDpi xmlns:a14="http://schemas.microsoft.com/office/drawing/2010/main" val="0"/>
+              </a:ext>
+            </a:extLst>
+          </a:blip>
           <a:stretch>
             <a:fillRect/>
           </a:stretch>
         </p:blipFill>
         <p:spPr>
           <a:xfrm>
-            <a:off x="1066800" y="4325235"/>
-            <a:ext cx="2024794" cy="2478056"/>
+            <a:off x="990600" y="1676400"/>
+            <a:ext cx="7162800" cy="5146565"/>
           </a:xfrm>
           <a:prstGeom prst="rect">
             <a:avLst/>
@@ -6846,73 +6801,46 @@
       </p:pic>
       <p:sp>
         <p:nvSpPr>
-          <p:cNvPr id="12" name="Rectangle 11"/>
-          <p:cNvSpPr/>
-          <p:nvPr/>
+          <p:cNvPr id="9" name="Content Placeholder 2"/>
+          <p:cNvSpPr>
+            <a:spLocks noGrp="1"/>
+          </p:cNvSpPr>
+          <p:nvPr>
+            <p:ph idx="1"/>
+          </p:nvPr>
         </p:nvSpPr>
         <p:spPr>
           <a:xfrm>
-            <a:off x="3733800" y="5029200"/>
-            <a:ext cx="4572000" cy="646331"/>
-          </a:xfrm>
-          <a:prstGeom prst="rect">
-            <a:avLst/>
-          </a:prstGeom>
+            <a:off x="304800" y="1219200"/>
+            <a:ext cx="8686800" cy="990600"/>
+          </a:xfrm>
         </p:spPr>
         <p:txBody>
           <a:bodyPr>
-            <a:spAutoFit/>
+            <a:normAutofit/>
           </a:bodyPr>
           <a:lstStyle/>
           <a:p>
             <a:r>
-              <a:rPr lang="en-GB" dirty="0" smtClean="0">
-                <a:solidFill>
-                  <a:srgbClr val="222222"/>
-                </a:solidFill>
-                <a:effectLst/>
-                <a:latin typeface="Arial" panose="020B0604020202020204" pitchFamily="34" charset="0"/>
-              </a:rPr>
-              <a:t>Penguin named Tux </a:t>
-            </a:r>
-            <a:r>
-              <a:rPr lang="en-GB" dirty="0">
-                <a:solidFill>
-                  <a:srgbClr val="222222"/>
-                </a:solidFill>
-                <a:effectLst/>
-                <a:latin typeface="Arial" panose="020B0604020202020204" pitchFamily="34" charset="0"/>
-              </a:rPr>
-              <a:t>is the most commonly used </a:t>
-            </a:r>
-            <a:r>
-              <a:rPr lang="en-GB" dirty="0" smtClean="0">
-                <a:solidFill>
-                  <a:srgbClr val="222222"/>
-                </a:solidFill>
-                <a:effectLst/>
-                <a:latin typeface="Arial" panose="020B0604020202020204" pitchFamily="34" charset="0"/>
-              </a:rPr>
-              <a:t>logo </a:t>
-            </a:r>
-            <a:r>
-              <a:rPr lang="en-GB" dirty="0">
-                <a:solidFill>
-                  <a:srgbClr val="222222"/>
-                </a:solidFill>
-                <a:effectLst/>
-                <a:latin typeface="Arial" panose="020B0604020202020204" pitchFamily="34" charset="0"/>
-              </a:rPr>
-              <a:t>for Linux</a:t>
-            </a:r>
-            <a:endParaRPr lang="en-US" dirty="0"/>
+              <a:rPr lang="en-GB" sz="2200" dirty="0" smtClean="0"/>
+              <a:t>Unix family tree </a:t>
+            </a:r>
+            <a:r>
+              <a:rPr lang="en-DE" sz="2200" dirty="0" smtClean="0"/>
+              <a:t>–</a:t>
+            </a:r>
+            <a:r>
+              <a:rPr lang="en-GB" sz="2200" dirty="0" smtClean="0"/>
+              <a:t> Linux is one of its descendants </a:t>
+            </a:r>
+            <a:endParaRPr lang="en-GB" sz="2200" dirty="0"/>
           </a:p>
         </p:txBody>
       </p:sp>
     </p:spTree>
     <p:extLst>
       <p:ext uri="{BB962C8B-B14F-4D97-AF65-F5344CB8AC3E}">
-        <p14:creationId xmlns:p14="http://schemas.microsoft.com/office/powerpoint/2010/main" val="391029610"/>
+        <p14:creationId xmlns:p14="http://schemas.microsoft.com/office/powerpoint/2010/main" val="1055199234"/>
       </p:ext>
     </p:extLst>
   </p:cSld>
@@ -6978,6 +6906,149 @@
       </p:sp>
       <p:sp>
         <p:nvSpPr>
+          <p:cNvPr id="3" name="Content Placeholder 2"/>
+          <p:cNvSpPr>
+            <a:spLocks noGrp="1"/>
+          </p:cNvSpPr>
+          <p:nvPr>
+            <p:ph idx="1"/>
+          </p:nvPr>
+        </p:nvSpPr>
+        <p:spPr>
+          <a:xfrm>
+            <a:off x="304800" y="1371600"/>
+            <a:ext cx="8686800" cy="3505200"/>
+          </a:xfrm>
+        </p:spPr>
+        <p:txBody>
+          <a:bodyPr>
+            <a:normAutofit fontScale="92500" lnSpcReduction="10000"/>
+          </a:bodyPr>
+          <a:lstStyle/>
+          <a:p>
+            <a:r>
+              <a:rPr lang="en-GB" dirty="0" smtClean="0"/>
+              <a:t>Linux family tree: Common Linux kernel and plethora of different Linux distributions built on top of it</a:t>
+            </a:r>
+          </a:p>
+          <a:p>
+            <a:pPr lvl="1"/>
+            <a:r>
+              <a:rPr lang="en-GB" dirty="0" smtClean="0"/>
+              <a:t>Full-core: </a:t>
+            </a:r>
+            <a:r>
+              <a:rPr lang="en-GB" dirty="0" err="1"/>
+              <a:t>Debian</a:t>
+            </a:r>
+            <a:r>
+              <a:rPr lang="en-GB" dirty="0"/>
+              <a:t>, </a:t>
+            </a:r>
+            <a:r>
+              <a:rPr lang="en-GB" dirty="0" smtClean="0"/>
+              <a:t>Red Hat Enterprise, </a:t>
+            </a:r>
+            <a:r>
+              <a:rPr lang="en-GB" dirty="0" err="1" smtClean="0"/>
+              <a:t>openSUSE</a:t>
+            </a:r>
+            <a:r>
+              <a:rPr lang="en-GB" dirty="0" smtClean="0"/>
+              <a:t>, etc.</a:t>
+            </a:r>
+          </a:p>
+          <a:p>
+            <a:pPr lvl="1"/>
+            <a:r>
+              <a:rPr lang="en-GB" dirty="0" smtClean="0"/>
+              <a:t>Specific: Ubuntu, Fedora, CentOS, Linux Mint, etc.  </a:t>
+            </a:r>
+          </a:p>
+          <a:p>
+            <a:r>
+              <a:rPr lang="en-GB" dirty="0" smtClean="0"/>
+              <a:t>Specific distributions are derivatives of full-core distributions: </a:t>
+            </a:r>
+          </a:p>
+          <a:p>
+            <a:pPr lvl="1"/>
+            <a:r>
+              <a:rPr lang="en-GB" dirty="0" smtClean="0"/>
+              <a:t>Ubuntu is derivative of </a:t>
+            </a:r>
+            <a:r>
+              <a:rPr lang="en-GB" dirty="0" err="1" smtClean="0"/>
+              <a:t>Debian</a:t>
+            </a:r>
+            <a:r>
+              <a:rPr lang="en-GB" dirty="0" smtClean="0"/>
+              <a:t>, Fedora of Red Hat, etc. (see complete </a:t>
+            </a:r>
+            <a:r>
+              <a:rPr lang="en-GB" dirty="0"/>
+              <a:t>tree </a:t>
+            </a:r>
+            <a:r>
+              <a:rPr lang="en-GB" dirty="0" smtClean="0"/>
+              <a:t>at </a:t>
+            </a:r>
+            <a:r>
+              <a:rPr lang="en-GB" sz="1900" dirty="0">
+                <a:hlinkClick r:id="rId2"/>
+              </a:rPr>
+              <a:t>https://</a:t>
+            </a:r>
+            <a:r>
+              <a:rPr lang="en-GB" sz="1900" dirty="0" smtClean="0">
+                <a:hlinkClick r:id="rId2"/>
+              </a:rPr>
+              <a:t>distrowatch.com/images/other/distro-family-tree.png</a:t>
+            </a:r>
+            <a:r>
+              <a:rPr lang="en-GB" dirty="0" smtClean="0"/>
+              <a:t>)</a:t>
+            </a:r>
+          </a:p>
+          <a:p>
+            <a:r>
+              <a:rPr lang="en-GB" dirty="0" smtClean="0"/>
+              <a:t>The material presented in this course will be demonstrated on Ubuntu, but it applies also to any other Linux distribution</a:t>
+            </a:r>
+          </a:p>
+          <a:p>
+            <a:r>
+              <a:rPr lang="en-GB" dirty="0" smtClean="0"/>
+              <a:t>Regular updates on all distributions</a:t>
+            </a:r>
+            <a:r>
+              <a:rPr lang="en-GB" dirty="0"/>
+              <a:t>: </a:t>
+            </a:r>
+            <a:r>
+              <a:rPr lang="en-GB" sz="1900" dirty="0">
+                <a:hlinkClick r:id="rId3"/>
+              </a:rPr>
+              <a:t>https://</a:t>
+            </a:r>
+            <a:r>
+              <a:rPr lang="en-GB" sz="1900" dirty="0" smtClean="0">
+                <a:hlinkClick r:id="rId3"/>
+              </a:rPr>
+              <a:t>distrowatch.com</a:t>
+            </a:r>
+            <a:endParaRPr lang="en-GB" sz="1900" dirty="0" smtClean="0"/>
+          </a:p>
+          <a:p>
+            <a:pPr marL="109728" indent="0">
+              <a:buNone/>
+            </a:pPr>
+            <a:endParaRPr lang="en-GB" dirty="0"/>
+          </a:p>
+        </p:txBody>
+      </p:sp>
+      <p:sp>
+        <p:nvSpPr>
           <p:cNvPr id="4" name="Slide Number Placeholder 3"/>
           <p:cNvSpPr>
             <a:spLocks noGrp="1"/>
@@ -7007,76 +7078,49 @@
       </p:sp>
       <p:pic>
         <p:nvPicPr>
-          <p:cNvPr id="7" name="Picture 6"/>
+          <p:cNvPr id="3074" name="Picture 2" descr="The Ubuntu logo"/>
           <p:cNvPicPr>
-            <a:picLocks noChangeAspect="1"/>
+            <a:picLocks noChangeAspect="1" noChangeArrowheads="1"/>
           </p:cNvPicPr>
           <p:nvPr/>
         </p:nvPicPr>
         <p:blipFill>
-          <a:blip r:embed="rId2">
+          <a:blip r:embed="rId4">
             <a:extLst>
               <a:ext uri="{28A0092B-C50C-407E-A947-70E740481C1C}">
                 <a14:useLocalDpi xmlns:a14="http://schemas.microsoft.com/office/drawing/2010/main" val="0"/>
               </a:ext>
             </a:extLst>
           </a:blip>
+          <a:srcRect/>
           <a:stretch>
             <a:fillRect/>
           </a:stretch>
         </p:blipFill>
-        <p:spPr>
-          <a:xfrm>
-            <a:off x="990600" y="1676400"/>
-            <a:ext cx="7162800" cy="5146565"/>
+        <p:spPr bwMode="auto">
+          <a:xfrm>
+            <a:off x="2328333" y="4735830"/>
+            <a:ext cx="4377267" cy="1969770"/>
           </a:xfrm>
           <a:prstGeom prst="rect">
             <a:avLst/>
           </a:prstGeom>
+          <a:noFill/>
+          <a:extLst>
+            <a:ext uri="{909E8E84-426E-40DD-AFC4-6F175D3DCCD1}">
+              <a14:hiddenFill xmlns:a14="http://schemas.microsoft.com/office/drawing/2010/main">
+                <a:solidFill>
+                  <a:srgbClr val="FFFFFF"/>
+                </a:solidFill>
+              </a14:hiddenFill>
+            </a:ext>
+          </a:extLst>
         </p:spPr>
       </p:pic>
-      <p:sp>
-        <p:nvSpPr>
-          <p:cNvPr id="9" name="Content Placeholder 2"/>
-          <p:cNvSpPr>
-            <a:spLocks noGrp="1"/>
-          </p:cNvSpPr>
-          <p:nvPr>
-            <p:ph idx="1"/>
-          </p:nvPr>
-        </p:nvSpPr>
-        <p:spPr>
-          <a:xfrm>
-            <a:off x="304800" y="1219200"/>
-            <a:ext cx="8686800" cy="990600"/>
-          </a:xfrm>
-        </p:spPr>
-        <p:txBody>
-          <a:bodyPr>
-            <a:normAutofit/>
-          </a:bodyPr>
-          <a:lstStyle/>
-          <a:p>
-            <a:r>
-              <a:rPr lang="en-GB" sz="2200" dirty="0" smtClean="0"/>
-              <a:t>Unix family tree </a:t>
-            </a:r>
-            <a:r>
-              <a:rPr lang="en-DE" sz="2200" dirty="0" smtClean="0"/>
-              <a:t>–</a:t>
-            </a:r>
-            <a:r>
-              <a:rPr lang="en-GB" sz="2200" dirty="0" smtClean="0"/>
-              <a:t> Linux is one of its descendants </a:t>
-            </a:r>
-            <a:endParaRPr lang="en-GB" sz="2200" dirty="0"/>
-          </a:p>
-        </p:txBody>
-      </p:sp>
     </p:spTree>
     <p:extLst>
       <p:ext uri="{BB962C8B-B14F-4D97-AF65-F5344CB8AC3E}">
-        <p14:creationId xmlns:p14="http://schemas.microsoft.com/office/powerpoint/2010/main" val="1055199234"/>
+        <p14:creationId xmlns:p14="http://schemas.microsoft.com/office/powerpoint/2010/main" val="2652951255"/>
       </p:ext>
     </p:extLst>
   </p:cSld>
@@ -7134,7 +7178,7 @@
           <a:p>
             <a:r>
               <a:rPr lang="da-DK" sz="3200" b="1" dirty="0" smtClean="0"/>
-              <a:t>Free advert (#1)</a:t>
+              <a:t>Getting Ubuntu for Windows users</a:t>
             </a:r>
             <a:endParaRPr lang="en-US" sz="3200" dirty="0"/>
           </a:p>
@@ -7153,133 +7197,277 @@
         <p:spPr>
           <a:xfrm>
             <a:off x="304800" y="1371600"/>
-            <a:ext cx="8686800" cy="3505200"/>
+            <a:ext cx="8686800" cy="3048000"/>
           </a:xfrm>
         </p:spPr>
         <p:txBody>
           <a:bodyPr>
-            <a:normAutofit fontScale="92500" lnSpcReduction="10000"/>
+            <a:normAutofit/>
           </a:bodyPr>
           <a:lstStyle/>
           <a:p>
             <a:r>
               <a:rPr lang="en-GB" dirty="0" smtClean="0"/>
-              <a:t>Linux family tree: Common Linux kernel and plethora of different Linux distributions built on top of it</a:t>
-            </a:r>
-          </a:p>
-          <a:p>
-            <a:pPr lvl="1"/>
+              <a:t>If you have on your laptop only Windows, you could </a:t>
+            </a:r>
             <a:r>
               <a:rPr lang="en-GB" dirty="0" smtClean="0"/>
-              <a:t>Full-core: </a:t>
-            </a:r>
-            <a:r>
-              <a:rPr lang="en-GB" dirty="0" err="1"/>
-              <a:t>Debian</a:t>
-            </a:r>
-            <a:r>
-              <a:rPr lang="en-GB" dirty="0"/>
-              <a:t>, </a:t>
-            </a:r>
-            <a:r>
-              <a:rPr lang="en-GB" dirty="0" smtClean="0"/>
-              <a:t>Red Hat Enterprise, </a:t>
-            </a:r>
-            <a:r>
-              <a:rPr lang="en-GB" dirty="0" err="1" smtClean="0"/>
-              <a:t>openSUSE</a:t>
-            </a:r>
-            <a:r>
-              <a:rPr lang="en-GB" dirty="0" smtClean="0"/>
-              <a:t>, etc.</a:t>
-            </a:r>
-          </a:p>
-          <a:p>
-            <a:pPr lvl="1"/>
-            <a:r>
-              <a:rPr lang="en-GB" dirty="0" smtClean="0"/>
-              <a:t>Specific: Ubuntu, Fedora, CentOS, Scientific Linux, Linux Mint, etc.  </a:t>
-            </a:r>
-          </a:p>
-          <a:p>
-            <a:r>
-              <a:rPr lang="en-GB" dirty="0" smtClean="0"/>
-              <a:t>Specific distributions are derivatives of full-core distributions: </a:t>
-            </a:r>
-          </a:p>
-          <a:p>
-            <a:pPr lvl="1"/>
-            <a:r>
-              <a:rPr lang="en-GB" dirty="0" smtClean="0"/>
-              <a:t>Ubuntu is derivative of </a:t>
-            </a:r>
-            <a:r>
-              <a:rPr lang="en-GB" dirty="0" err="1" smtClean="0"/>
-              <a:t>Debian</a:t>
-            </a:r>
-            <a:r>
-              <a:rPr lang="en-GB" dirty="0" smtClean="0"/>
-              <a:t>, Fedora of Red Hat, etc. (see complete </a:t>
-            </a:r>
-            <a:r>
-              <a:rPr lang="en-GB" dirty="0"/>
-              <a:t>tree </a:t>
-            </a:r>
-            <a:r>
-              <a:rPr lang="en-GB" dirty="0" smtClean="0"/>
-              <a:t>at </a:t>
-            </a:r>
-            <a:r>
-              <a:rPr lang="en-GB" sz="1900" dirty="0">
-                <a:hlinkClick r:id="rId2"/>
-              </a:rPr>
-              <a:t>https://</a:t>
-            </a:r>
-            <a:r>
-              <a:rPr lang="en-GB" sz="1900" dirty="0" smtClean="0">
-                <a:hlinkClick r:id="rId2"/>
-              </a:rPr>
-              <a:t>distrowatch.com/images/other/distro-family-tree.png</a:t>
-            </a:r>
-            <a:r>
-              <a:rPr lang="en-GB" dirty="0" smtClean="0"/>
-              <a:t>)</a:t>
-            </a:r>
-          </a:p>
-          <a:p>
-            <a:r>
-              <a:rPr lang="en-GB" dirty="0" smtClean="0"/>
-              <a:t>The material presented in this course will be demonstrated on Ubuntu, but it applies also to any other Linux distribution</a:t>
-            </a:r>
-          </a:p>
-          <a:p>
-            <a:r>
-              <a:rPr lang="en-GB" dirty="0" smtClean="0"/>
-              <a:t>Regular updates on all distributions</a:t>
-            </a:r>
-            <a:r>
-              <a:rPr lang="en-GB" dirty="0"/>
-              <a:t>: </a:t>
-            </a:r>
-            <a:r>
-              <a:rPr lang="en-GB" sz="1900" dirty="0">
-                <a:hlinkClick r:id="rId3"/>
-              </a:rPr>
-              <a:t>https://</a:t>
-            </a:r>
-            <a:r>
-              <a:rPr lang="en-GB" sz="1900" dirty="0" smtClean="0">
-                <a:hlinkClick r:id="rId3"/>
-              </a:rPr>
-              <a:t>distrowatch.com</a:t>
-            </a:r>
-            <a:endParaRPr lang="en-GB" sz="1900" dirty="0" smtClean="0"/>
+              <a:t>either:</a:t>
+            </a:r>
           </a:p>
           <a:p>
             <a:pPr marL="109728" indent="0">
               <a:buNone/>
             </a:pPr>
-            <a:endParaRPr lang="en-GB" dirty="0"/>
+            <a:endParaRPr lang="en-GB" sz="800" dirty="0" smtClean="0"/>
+          </a:p>
+          <a:p>
+            <a:pPr lvl="1"/>
+            <a:r>
+              <a:rPr lang="en-GB" dirty="0" smtClean="0"/>
+              <a:t>on </a:t>
+            </a:r>
+            <a:r>
+              <a:rPr lang="en-GB" dirty="0"/>
+              <a:t>Windows 11, use </a:t>
+            </a:r>
+            <a:r>
+              <a:rPr lang="en-GB" dirty="0" smtClean="0">
+                <a:hlinkClick r:id="rId2"/>
+              </a:rPr>
+              <a:t>Windows </a:t>
+            </a:r>
+            <a:r>
+              <a:rPr lang="en-GB" dirty="0">
+                <a:hlinkClick r:id="rId2"/>
+              </a:rPr>
+              <a:t>Subsystem for </a:t>
+            </a:r>
+            <a:r>
+              <a:rPr lang="en-GB" dirty="0" smtClean="0">
+                <a:hlinkClick r:id="rId2"/>
+              </a:rPr>
+              <a:t>Linux</a:t>
+            </a:r>
+            <a:r>
+              <a:rPr lang="en-GB" dirty="0" smtClean="0"/>
+              <a:t> :</a:t>
+            </a:r>
+          </a:p>
+          <a:p>
+            <a:pPr marL="411480" lvl="1" indent="0">
+              <a:buNone/>
+            </a:pPr>
+            <a:endParaRPr lang="en-GB" sz="800" dirty="0" smtClean="0"/>
+          </a:p>
+          <a:p>
+            <a:pPr lvl="2"/>
+            <a:r>
+              <a:rPr lang="en-GB" sz="1600" dirty="0" smtClean="0"/>
+              <a:t> Open </a:t>
+            </a:r>
+            <a:r>
+              <a:rPr lang="en-GB" sz="1600" dirty="0"/>
+              <a:t>Windows PowerShell and list available Linux distributions with command: </a:t>
+            </a:r>
+            <a:r>
+              <a:rPr lang="en-GB" sz="1600" dirty="0" smtClean="0"/>
+              <a:t>   </a:t>
+            </a:r>
+          </a:p>
+          <a:p>
+            <a:pPr marL="704088" lvl="2" indent="0">
+              <a:buNone/>
+            </a:pPr>
+            <a:r>
+              <a:rPr lang="en-GB" sz="1600" b="1" dirty="0" smtClean="0">
+                <a:solidFill>
+                  <a:schemeClr val="tx1"/>
+                </a:solidFill>
+                <a:cs typeface="Helvetica" panose="020B0604020202020204" pitchFamily="34" charset="0"/>
+              </a:rPr>
+              <a:t>          </a:t>
+            </a:r>
+            <a:r>
+              <a:rPr lang="en-GB" sz="1600" b="1" dirty="0" err="1" smtClean="0">
+                <a:solidFill>
+                  <a:schemeClr val="tx1"/>
+                </a:solidFill>
+                <a:cs typeface="Helvetica" panose="020B0604020202020204" pitchFamily="34" charset="0"/>
+              </a:rPr>
+              <a:t>wsl</a:t>
+            </a:r>
+            <a:r>
+              <a:rPr lang="en-GB" sz="1600" b="1" dirty="0" smtClean="0">
+                <a:solidFill>
+                  <a:schemeClr val="tx1"/>
+                </a:solidFill>
+                <a:cs typeface="Helvetica" panose="020B0604020202020204" pitchFamily="34" charset="0"/>
+              </a:rPr>
+              <a:t> </a:t>
+            </a:r>
+            <a:r>
+              <a:rPr lang="en-GB" sz="1600" b="1" dirty="0">
+                <a:solidFill>
+                  <a:schemeClr val="tx1"/>
+                </a:solidFill>
+                <a:cs typeface="Helvetica" panose="020B0604020202020204" pitchFamily="34" charset="0"/>
+              </a:rPr>
+              <a:t>--list </a:t>
+            </a:r>
+            <a:r>
+              <a:rPr lang="en-DE" sz="1600" b="1" dirty="0">
+                <a:solidFill>
+                  <a:schemeClr val="tx1"/>
+                </a:solidFill>
+                <a:cs typeface="Helvetica" panose="020B0604020202020204" pitchFamily="34" charset="0"/>
+              </a:rPr>
+              <a:t>–</a:t>
+            </a:r>
+            <a:r>
+              <a:rPr lang="en-GB" sz="1600" b="1" dirty="0" smtClean="0">
+                <a:solidFill>
+                  <a:schemeClr val="tx1"/>
+                </a:solidFill>
+                <a:cs typeface="Helvetica" panose="020B0604020202020204" pitchFamily="34" charset="0"/>
+              </a:rPr>
+              <a:t>online</a:t>
+            </a:r>
+            <a:endParaRPr lang="en-GB" sz="1600" b="1" dirty="0">
+              <a:solidFill>
+                <a:schemeClr val="tx1"/>
+              </a:solidFill>
+              <a:cs typeface="Helvetica" panose="020B0604020202020204" pitchFamily="34" charset="0"/>
+            </a:endParaRPr>
+          </a:p>
+          <a:p>
+            <a:pPr marL="704088" lvl="2" indent="0">
+              <a:buNone/>
+            </a:pPr>
+            <a:endParaRPr lang="en-GB" sz="800" dirty="0" smtClean="0"/>
+          </a:p>
+          <a:p>
+            <a:pPr lvl="2"/>
+            <a:r>
+              <a:rPr lang="en-GB" sz="1600" dirty="0" smtClean="0"/>
+              <a:t> Pick </a:t>
+            </a:r>
+            <a:r>
+              <a:rPr lang="en-GB" sz="1600" dirty="0"/>
+              <a:t>up your </a:t>
+            </a:r>
+            <a:r>
+              <a:rPr lang="en-GB" sz="1600" dirty="0" smtClean="0"/>
+              <a:t>favourite </a:t>
+            </a:r>
+            <a:r>
+              <a:rPr lang="en-GB" sz="1600" dirty="0"/>
+              <a:t>Linux distribution, and install </a:t>
+            </a:r>
+            <a:r>
+              <a:rPr lang="en-GB" sz="1600" dirty="0" smtClean="0"/>
+              <a:t>it as follows:            </a:t>
+            </a:r>
+          </a:p>
+          <a:p>
+            <a:pPr marL="704088" lvl="2" indent="0">
+              <a:buNone/>
+            </a:pPr>
+            <a:r>
+              <a:rPr lang="en-GB" sz="1600" dirty="0" smtClean="0"/>
+              <a:t>          </a:t>
+            </a:r>
+            <a:r>
+              <a:rPr lang="en-GB" sz="1600" b="1" dirty="0" err="1" smtClean="0">
+                <a:solidFill>
+                  <a:schemeClr val="tx1"/>
+                </a:solidFill>
+              </a:rPr>
+              <a:t>wsl</a:t>
+            </a:r>
+            <a:r>
+              <a:rPr lang="en-GB" sz="1600" b="1" dirty="0" smtClean="0">
+                <a:solidFill>
+                  <a:schemeClr val="tx1"/>
+                </a:solidFill>
+              </a:rPr>
+              <a:t> </a:t>
+            </a:r>
+            <a:r>
+              <a:rPr lang="en-GB" sz="1600" b="1" dirty="0">
+                <a:solidFill>
+                  <a:schemeClr val="tx1"/>
+                </a:solidFill>
+              </a:rPr>
+              <a:t>--install </a:t>
+            </a:r>
+            <a:r>
+              <a:rPr lang="en-GB" sz="1600" b="1" dirty="0" smtClean="0">
+                <a:solidFill>
+                  <a:schemeClr val="tx1"/>
+                </a:solidFill>
+              </a:rPr>
+              <a:t>Ubuntu-22.04</a:t>
+            </a:r>
+          </a:p>
+          <a:p>
+            <a:pPr marL="704088" lvl="2" indent="0">
+              <a:buNone/>
+            </a:pPr>
+            <a:endParaRPr lang="en-GB" sz="800" dirty="0">
+              <a:solidFill>
+                <a:srgbClr val="002060"/>
+              </a:solidFill>
+            </a:endParaRPr>
+          </a:p>
+          <a:p>
+            <a:pPr lvl="2"/>
+            <a:r>
+              <a:rPr lang="en-GB" sz="1600" dirty="0" smtClean="0">
+                <a:solidFill>
+                  <a:srgbClr val="002060"/>
+                </a:solidFill>
+              </a:rPr>
+              <a:t>The </a:t>
+            </a:r>
+            <a:r>
+              <a:rPr lang="en-GB" sz="1600" dirty="0">
+                <a:solidFill>
+                  <a:srgbClr val="002060"/>
+                </a:solidFill>
+              </a:rPr>
+              <a:t>rest is easy </a:t>
+            </a:r>
+            <a:r>
+              <a:rPr lang="en-GB" sz="1600" dirty="0"/>
+              <a:t>(pick up your account, etc</a:t>
+            </a:r>
+            <a:r>
+              <a:rPr lang="en-GB" sz="1600" dirty="0" smtClean="0"/>
+              <a:t>.)</a:t>
+            </a:r>
+            <a:endParaRPr lang="en-GB" sz="2000" b="1" dirty="0" smtClean="0">
+              <a:solidFill>
+                <a:schemeClr val="tx1"/>
+              </a:solidFill>
+            </a:endParaRPr>
+          </a:p>
+          <a:p>
+            <a:pPr marL="704088" lvl="2" indent="0">
+              <a:buNone/>
+            </a:pPr>
+            <a:endParaRPr lang="en-GB" sz="2000" b="1" dirty="0" smtClean="0">
+              <a:solidFill>
+                <a:schemeClr val="tx1"/>
+              </a:solidFill>
+              <a:cs typeface="Helvetica" panose="020B0604020202020204" pitchFamily="34" charset="0"/>
+            </a:endParaRPr>
+          </a:p>
+          <a:p>
+            <a:pPr marL="411480" lvl="1" indent="0">
+              <a:buNone/>
+            </a:pPr>
+            <a:endParaRPr lang="en-GB" sz="1600" dirty="0"/>
           </a:p>
         </p:txBody>
       </p:sp>
@@ -7312,51 +7500,484 @@
           </a:p>
         </p:txBody>
       </p:sp>
-      <p:pic>
-        <p:nvPicPr>
-          <p:cNvPr id="3074" name="Picture 2" descr="The Ubuntu logo"/>
-          <p:cNvPicPr>
-            <a:picLocks noChangeAspect="1" noChangeArrowheads="1"/>
-          </p:cNvPicPr>
+      <p:sp>
+        <p:nvSpPr>
+          <p:cNvPr id="8" name="Content Placeholder 2"/>
+          <p:cNvSpPr txBox="1">
+            <a:spLocks/>
+          </p:cNvSpPr>
           <p:nvPr/>
-        </p:nvPicPr>
-        <p:blipFill>
-          <a:blip r:embed="rId4">
-            <a:extLst>
-              <a:ext uri="{28A0092B-C50C-407E-A947-70E740481C1C}">
-                <a14:useLocalDpi xmlns:a14="http://schemas.microsoft.com/office/drawing/2010/main" val="0"/>
-              </a:ext>
-            </a:extLst>
-          </a:blip>
-          <a:srcRect/>
-          <a:stretch>
-            <a:fillRect/>
-          </a:stretch>
-        </p:blipFill>
-        <p:spPr bwMode="auto">
-          <a:xfrm>
-            <a:off x="2328333" y="4735830"/>
-            <a:ext cx="4377267" cy="1969770"/>
+        </p:nvSpPr>
+        <p:spPr>
+          <a:xfrm>
+            <a:off x="304800" y="4572000"/>
+            <a:ext cx="8686800" cy="1295400"/>
           </a:xfrm>
           <a:prstGeom prst="rect">
             <a:avLst/>
           </a:prstGeom>
-          <a:noFill/>
+        </p:spPr>
+        <p:txBody>
+          <a:bodyPr vert="horz">
+            <a:normAutofit/>
+          </a:bodyPr>
+          <a:lstStyle>
+            <a:lvl1pPr marL="365760" indent="-256032" algn="l" rtl="0" eaLnBrk="1" latinLnBrk="0" hangingPunct="1">
+              <a:spcBef>
+                <a:spcPts val="300"/>
+              </a:spcBef>
+              <a:buClr>
+                <a:schemeClr val="tx1"/>
+              </a:buClr>
+              <a:buSzPct val="125000"/>
+              <a:buFont typeface="Arial" panose="020B0604020202020204" pitchFamily="34" charset="0"/>
+              <a:buChar char="•"/>
+              <a:defRPr kumimoji="0" sz="2400" kern="1200">
+                <a:solidFill>
+                  <a:schemeClr val="tx1"/>
+                </a:solidFill>
+                <a:latin typeface="Helvetica" pitchFamily="34" charset="0"/>
+                <a:ea typeface="+mn-ea"/>
+                <a:cs typeface="+mn-cs"/>
+              </a:defRPr>
+            </a:lvl1pPr>
+            <a:lvl2pPr marL="658368" indent="-246888" algn="l" rtl="0" eaLnBrk="1" latinLnBrk="0" hangingPunct="1">
+              <a:spcBef>
+                <a:spcPts val="300"/>
+              </a:spcBef>
+              <a:buClr>
+                <a:schemeClr val="accent2"/>
+              </a:buClr>
+              <a:buSzPct val="90000"/>
+              <a:buFont typeface="Courier New" panose="02070309020205020404" pitchFamily="49" charset="0"/>
+              <a:buChar char="o"/>
+              <a:defRPr kumimoji="0" sz="2200" kern="1200">
+                <a:solidFill>
+                  <a:schemeClr val="accent2"/>
+                </a:solidFill>
+                <a:latin typeface="Helvetica" pitchFamily="34" charset="0"/>
+                <a:ea typeface="+mn-ea"/>
+                <a:cs typeface="+mn-cs"/>
+              </a:defRPr>
+            </a:lvl2pPr>
+            <a:lvl3pPr marL="923544" indent="-219456" algn="l" rtl="0" eaLnBrk="1" latinLnBrk="0" hangingPunct="1">
+              <a:spcBef>
+                <a:spcPts val="300"/>
+              </a:spcBef>
+              <a:buClr>
+                <a:schemeClr val="accent1"/>
+              </a:buClr>
+              <a:buFont typeface="Wingdings 2"/>
+              <a:buChar char=""/>
+              <a:defRPr kumimoji="0" sz="1800" kern="1200">
+                <a:solidFill>
+                  <a:schemeClr val="accent1"/>
+                </a:solidFill>
+                <a:latin typeface="Helvetica" pitchFamily="34" charset="0"/>
+                <a:ea typeface="+mn-ea"/>
+                <a:cs typeface="+mn-cs"/>
+              </a:defRPr>
+            </a:lvl3pPr>
+            <a:lvl4pPr marL="1179576" indent="-201168" algn="l" rtl="0" eaLnBrk="1" latinLnBrk="0" hangingPunct="1">
+              <a:spcBef>
+                <a:spcPts val="300"/>
+              </a:spcBef>
+              <a:buClr>
+                <a:schemeClr val="accent1"/>
+              </a:buClr>
+              <a:buFont typeface="Wingdings 2"/>
+              <a:buChar char=""/>
+              <a:defRPr kumimoji="0" sz="1400" kern="1200">
+                <a:solidFill>
+                  <a:schemeClr val="accent1"/>
+                </a:solidFill>
+                <a:latin typeface="Helvetica" pitchFamily="34" charset="0"/>
+                <a:ea typeface="+mn-ea"/>
+                <a:cs typeface="+mn-cs"/>
+              </a:defRPr>
+            </a:lvl4pPr>
+            <a:lvl5pPr marL="1389888" indent="-182880" algn="l" rtl="0" eaLnBrk="1" latinLnBrk="0" hangingPunct="1">
+              <a:spcBef>
+                <a:spcPts val="300"/>
+              </a:spcBef>
+              <a:buClr>
+                <a:schemeClr val="accent3"/>
+              </a:buClr>
+              <a:buFont typeface="Georgia"/>
+              <a:buChar char="▫"/>
+              <a:defRPr kumimoji="0" sz="1400" kern="1200">
+                <a:solidFill>
+                  <a:schemeClr val="accent3"/>
+                </a:solidFill>
+                <a:latin typeface="Helvetica" pitchFamily="34" charset="0"/>
+                <a:ea typeface="+mn-ea"/>
+                <a:cs typeface="+mn-cs"/>
+              </a:defRPr>
+            </a:lvl5pPr>
+            <a:lvl6pPr marL="1609344" indent="-182880" algn="l" rtl="0" eaLnBrk="1" latinLnBrk="0" hangingPunct="1">
+              <a:spcBef>
+                <a:spcPts val="300"/>
+              </a:spcBef>
+              <a:buClr>
+                <a:schemeClr val="accent3"/>
+              </a:buClr>
+              <a:buFont typeface="Georgia"/>
+              <a:buChar char="▫"/>
+              <a:defRPr kumimoji="0" sz="1800" kern="1200">
+                <a:solidFill>
+                  <a:schemeClr val="accent3"/>
+                </a:solidFill>
+                <a:latin typeface="+mn-lt"/>
+                <a:ea typeface="+mn-ea"/>
+                <a:cs typeface="+mn-cs"/>
+              </a:defRPr>
+            </a:lvl6pPr>
+            <a:lvl7pPr marL="1828800" indent="-182880" algn="l" rtl="0" eaLnBrk="1" latinLnBrk="0" hangingPunct="1">
+              <a:spcBef>
+                <a:spcPts val="300"/>
+              </a:spcBef>
+              <a:buClr>
+                <a:schemeClr val="accent3"/>
+              </a:buClr>
+              <a:buFont typeface="Georgia"/>
+              <a:buChar char="▫"/>
+              <a:defRPr kumimoji="0" sz="1600" kern="1200">
+                <a:solidFill>
+                  <a:schemeClr val="accent3"/>
+                </a:solidFill>
+                <a:latin typeface="+mn-lt"/>
+                <a:ea typeface="+mn-ea"/>
+                <a:cs typeface="+mn-cs"/>
+              </a:defRPr>
+            </a:lvl7pPr>
+            <a:lvl8pPr marL="2029968" indent="-182880" algn="l" rtl="0" eaLnBrk="1" latinLnBrk="0" hangingPunct="1">
+              <a:spcBef>
+                <a:spcPts val="300"/>
+              </a:spcBef>
+              <a:buClr>
+                <a:schemeClr val="accent3"/>
+              </a:buClr>
+              <a:buFont typeface="Georgia"/>
+              <a:buChar char="◦"/>
+              <a:defRPr kumimoji="0" sz="1500" kern="1200">
+                <a:solidFill>
+                  <a:schemeClr val="accent3"/>
+                </a:solidFill>
+                <a:latin typeface="+mn-lt"/>
+                <a:ea typeface="+mn-ea"/>
+                <a:cs typeface="+mn-cs"/>
+              </a:defRPr>
+            </a:lvl8pPr>
+            <a:lvl9pPr marL="2240280" indent="-182880" algn="l" rtl="0" eaLnBrk="1" latinLnBrk="0" hangingPunct="1">
+              <a:spcBef>
+                <a:spcPts val="300"/>
+              </a:spcBef>
+              <a:buClr>
+                <a:schemeClr val="accent3"/>
+              </a:buClr>
+              <a:buFont typeface="Georgia"/>
+              <a:buChar char="◦"/>
+              <a:defRPr kumimoji="0" sz="1400" kern="1200" baseline="0">
+                <a:solidFill>
+                  <a:schemeClr val="accent3"/>
+                </a:solidFill>
+                <a:latin typeface="+mn-lt"/>
+                <a:ea typeface="+mn-ea"/>
+                <a:cs typeface="+mn-cs"/>
+              </a:defRPr>
+            </a:lvl9pPr>
+          </a:lstStyle>
+          <a:p>
+            <a:pPr lvl="1" fontAlgn="auto">
+              <a:spcAft>
+                <a:spcPts val="0"/>
+              </a:spcAft>
+            </a:pPr>
+            <a:r>
+              <a:rPr lang="en-GB" dirty="0" smtClean="0">
+                <a:effectLst/>
+              </a:rPr>
+              <a:t>or, install </a:t>
+            </a:r>
+            <a:r>
+              <a:rPr lang="en-GB" dirty="0" err="1" smtClean="0">
+                <a:effectLst/>
+              </a:rPr>
+              <a:t>PuTTY</a:t>
+            </a:r>
+            <a:r>
+              <a:rPr lang="en-GB" dirty="0" smtClean="0">
+                <a:effectLst/>
+              </a:rPr>
+              <a:t> </a:t>
+            </a:r>
+            <a:r>
+              <a:rPr lang="en-GB" dirty="0">
+                <a:effectLst/>
+              </a:rPr>
+              <a:t>(</a:t>
+            </a:r>
+            <a:r>
+              <a:rPr lang="en-GB" sz="1800" dirty="0">
+                <a:effectLst/>
+              </a:rPr>
+              <a:t> </a:t>
+            </a:r>
+            <a:r>
+              <a:rPr lang="en-GB" sz="1800" dirty="0">
+                <a:effectLst/>
+                <a:hlinkClick r:id="rId3"/>
+              </a:rPr>
+              <a:t>https://www.putty.org</a:t>
+            </a:r>
+            <a:r>
+              <a:rPr lang="en-GB" sz="1800" dirty="0" smtClean="0">
+                <a:effectLst/>
+                <a:hlinkClick r:id="rId3"/>
+              </a:rPr>
+              <a:t>/</a:t>
+            </a:r>
+            <a:r>
+              <a:rPr lang="en-GB" sz="1800" dirty="0" smtClean="0">
+                <a:effectLst/>
+              </a:rPr>
+              <a:t> </a:t>
+            </a:r>
+            <a:r>
+              <a:rPr lang="en-GB" dirty="0">
+                <a:effectLst/>
+              </a:rPr>
+              <a:t>) and then use it to connect </a:t>
+            </a:r>
+            <a:r>
+              <a:rPr lang="en-GB" dirty="0" smtClean="0">
+                <a:effectLst/>
+              </a:rPr>
+              <a:t>and work remotely on </a:t>
+            </a:r>
+            <a:r>
+              <a:rPr lang="en-GB" dirty="0">
+                <a:effectLst/>
+              </a:rPr>
+              <a:t>some </a:t>
+            </a:r>
+            <a:r>
+              <a:rPr lang="en-GB" dirty="0" smtClean="0">
+                <a:effectLst/>
+              </a:rPr>
+              <a:t>computer </a:t>
+            </a:r>
+            <a:r>
+              <a:rPr lang="en-GB" dirty="0">
+                <a:effectLst/>
+              </a:rPr>
+              <a:t>running Linux</a:t>
+            </a:r>
+            <a:r>
+              <a:rPr lang="en-GB" dirty="0" smtClean="0">
+                <a:effectLst/>
+              </a:rPr>
+              <a:t>, on which </a:t>
+            </a:r>
+            <a:r>
+              <a:rPr lang="en-GB" dirty="0">
+                <a:effectLst/>
+              </a:rPr>
+              <a:t>you </a:t>
+            </a:r>
+            <a:r>
+              <a:rPr lang="en-GB" dirty="0" smtClean="0">
+                <a:effectLst/>
+              </a:rPr>
+              <a:t>have an account with </a:t>
+            </a:r>
+            <a:r>
+              <a:rPr lang="en-GB" dirty="0">
+                <a:effectLst/>
+              </a:rPr>
+              <a:t>access </a:t>
+            </a:r>
+            <a:r>
+              <a:rPr lang="en-GB" dirty="0" smtClean="0">
+                <a:effectLst/>
+              </a:rPr>
+              <a:t>rights</a:t>
+            </a:r>
+          </a:p>
+        </p:txBody>
+      </p:sp>
+      <p:sp>
+        <p:nvSpPr>
+          <p:cNvPr id="5" name="Rectangle 1"/>
+          <p:cNvSpPr>
+            <a:spLocks noChangeArrowheads="1"/>
+          </p:cNvSpPr>
+          <p:nvPr/>
+        </p:nvSpPr>
+        <p:spPr bwMode="auto">
+          <a:xfrm>
+            <a:off x="0" y="0"/>
+            <a:ext cx="9144000" cy="0"/>
+          </a:xfrm>
+          <a:prstGeom prst="rect">
+            <a:avLst/>
+          </a:prstGeom>
+          <a:solidFill>
+            <a:srgbClr val="FFFFFF"/>
+          </a:solidFill>
+          <a:ln>
+            <a:noFill/>
+          </a:ln>
+          <a:effectLst/>
           <a:extLst>
-            <a:ext uri="{909E8E84-426E-40DD-AFC4-6F175D3DCCD1}">
-              <a14:hiddenFill xmlns:a14="http://schemas.microsoft.com/office/drawing/2010/main">
-                <a:solidFill>
-                  <a:srgbClr val="FFFFFF"/>
-                </a:solidFill>
-              </a14:hiddenFill>
+            <a:ext uri="{91240B29-F687-4F45-9708-019B960494DF}">
+              <a14:hiddenLine xmlns:a14="http://schemas.microsoft.com/office/drawing/2010/main" w="9525">
+                <a:solidFill>
+                  <a:schemeClr val="tx1"/>
+                </a:solidFill>
+                <a:miter lim="800000"/>
+                <a:headEnd/>
+                <a:tailEnd/>
+              </a14:hiddenLine>
+            </a:ext>
+            <a:ext uri="{AF507438-7753-43E0-B8FC-AC1667EBCBE1}">
+              <a14:hiddenEffects xmlns:a14="http://schemas.microsoft.com/office/drawing/2010/main">
+                <a:effectLst>
+                  <a:outerShdw dist="35921" dir="2700000" algn="ctr" rotWithShape="0">
+                    <a:schemeClr val="bg2"/>
+                  </a:outerShdw>
+                </a:effectLst>
+              </a14:hiddenEffects>
             </a:ext>
           </a:extLst>
         </p:spPr>
-      </p:pic>
+        <p:txBody>
+          <a:bodyPr vert="horz" wrap="none" lIns="91440" tIns="45720" rIns="91440" bIns="45720" numCol="1" anchor="ctr" anchorCtr="0" compatLnSpc="1">
+            <a:prstTxWarp prst="textNoShape">
+              <a:avLst/>
+            </a:prstTxWarp>
+            <a:spAutoFit/>
+          </a:bodyPr>
+          <a:lstStyle/>
+          <a:p>
+            <a:pPr marL="0" marR="0" lvl="0" indent="0" algn="l" defTabSz="914400" rtl="0" eaLnBrk="0" fontAlgn="base" latinLnBrk="0" hangingPunct="0">
+              <a:lnSpc>
+                <a:spcPct val="100000"/>
+              </a:lnSpc>
+              <a:spcBef>
+                <a:spcPct val="0"/>
+              </a:spcBef>
+              <a:spcAft>
+                <a:spcPct val="0"/>
+              </a:spcAft>
+              <a:buClrTx/>
+              <a:buSzTx/>
+              <a:buFontTx/>
+              <a:buNone/>
+              <a:tabLst/>
+            </a:pPr>
+            <a:endParaRPr kumimoji="0" lang="en-US" altLang="en-US" sz="1800" b="0" i="0" u="none" strike="noStrike" cap="none" normalizeH="0" baseline="0" smtClean="0">
+              <a:ln>
+                <a:noFill/>
+              </a:ln>
+              <a:solidFill>
+                <a:schemeClr val="tx1"/>
+              </a:solidFill>
+              <a:effectLst/>
+              <a:latin typeface="Arial" panose="020B0604020202020204" pitchFamily="34" charset="0"/>
+            </a:endParaRPr>
+          </a:p>
+          <a:p>
+            <a:pPr marL="0" marR="0" lvl="0" indent="0" algn="l" defTabSz="914400" rtl="0" eaLnBrk="0" fontAlgn="base" latinLnBrk="0" hangingPunct="0">
+              <a:lnSpc>
+                <a:spcPct val="100000"/>
+              </a:lnSpc>
+              <a:spcBef>
+                <a:spcPct val="0"/>
+              </a:spcBef>
+              <a:spcAft>
+                <a:spcPct val="0"/>
+              </a:spcAft>
+              <a:buClrTx/>
+              <a:buSzTx/>
+              <a:buFontTx/>
+              <a:buAutoNum type="arabicPeriod"/>
+              <a:tabLst/>
+            </a:pPr>
+            <a:r>
+              <a:rPr kumimoji="0" lang="en-US" altLang="en-US" sz="1800" b="0" i="0" u="none" strike="noStrike" cap="none" normalizeH="0" baseline="0" smtClean="0">
+                <a:ln>
+                  <a:noFill/>
+                </a:ln>
+                <a:solidFill>
+                  <a:srgbClr val="222222"/>
+                </a:solidFill>
+                <a:effectLst/>
+                <a:latin typeface="Arial" panose="020B0604020202020204" pitchFamily="34" charset="0"/>
+                <a:cs typeface="Arial" panose="020B0604020202020204" pitchFamily="34" charset="0"/>
+              </a:rPr>
+              <a:t>open Windows PowerShell and list available Linux distributions with: </a:t>
+            </a:r>
+            <a:r>
+              <a:rPr kumimoji="0" lang="en-US" altLang="en-US" sz="1000" b="0" i="0" u="none" strike="noStrike" cap="none" normalizeH="0" baseline="0" smtClean="0">
+                <a:ln>
+                  <a:noFill/>
+                </a:ln>
+                <a:solidFill>
+                  <a:srgbClr val="222222"/>
+                </a:solidFill>
+                <a:effectLst/>
+                <a:latin typeface="Arial Unicode MS"/>
+                <a:cs typeface="Arial" panose="020B0604020202020204" pitchFamily="34" charset="0"/>
+              </a:rPr>
+              <a:t>wsl --list --online</a:t>
+            </a:r>
+            <a:endParaRPr kumimoji="0" lang="en-US" altLang="en-US" sz="600" b="0" i="0" u="none" strike="noStrike" cap="none" normalizeH="0" baseline="0" smtClean="0">
+              <a:ln>
+                <a:noFill/>
+              </a:ln>
+              <a:solidFill>
+                <a:srgbClr val="222222"/>
+              </a:solidFill>
+              <a:effectLst/>
+              <a:latin typeface="Arial" panose="020B0604020202020204" pitchFamily="34" charset="0"/>
+              <a:cs typeface="Arial" panose="020B0604020202020204" pitchFamily="34" charset="0"/>
+            </a:endParaRPr>
+          </a:p>
+          <a:p>
+            <a:pPr marL="0" marR="0" lvl="0" indent="0" algn="l" defTabSz="914400" rtl="0" eaLnBrk="0" fontAlgn="base" latinLnBrk="0" hangingPunct="0">
+              <a:lnSpc>
+                <a:spcPct val="100000"/>
+              </a:lnSpc>
+              <a:spcBef>
+                <a:spcPct val="0"/>
+              </a:spcBef>
+              <a:spcAft>
+                <a:spcPct val="0"/>
+              </a:spcAft>
+              <a:buClrTx/>
+              <a:buSzTx/>
+              <a:buFontTx/>
+              <a:buNone/>
+              <a:tabLst/>
+            </a:pPr>
+            <a:endParaRPr kumimoji="0" lang="en-US" altLang="en-US" sz="1800" b="0" i="0" u="none" strike="noStrike" cap="none" normalizeH="0" baseline="0" smtClean="0">
+              <a:ln>
+                <a:noFill/>
+              </a:ln>
+              <a:solidFill>
+                <a:schemeClr val="tx1"/>
+              </a:solidFill>
+              <a:effectLst/>
+              <a:latin typeface="Arial" panose="020B0604020202020204" pitchFamily="34" charset="0"/>
+            </a:endParaRPr>
+          </a:p>
+        </p:txBody>
+      </p:sp>
     </p:spTree>
     <p:extLst>
       <p:ext uri="{BB962C8B-B14F-4D97-AF65-F5344CB8AC3E}">
-        <p14:creationId xmlns:p14="http://schemas.microsoft.com/office/powerpoint/2010/main" val="2652951255"/>
+        <p14:creationId xmlns:p14="http://schemas.microsoft.com/office/powerpoint/2010/main" val="3793262592"/>
       </p:ext>
     </p:extLst>
   </p:cSld>
@@ -7414,7 +8035,7 @@
           <a:p>
             <a:r>
               <a:rPr lang="da-DK" sz="3200" b="1" dirty="0" smtClean="0"/>
-              <a:t>Getting Ubuntu for Windows users</a:t>
+              <a:t>Free advert (#2)</a:t>
             </a:r>
             <a:endParaRPr lang="en-US" sz="3200" dirty="0"/>
           </a:p>
@@ -7433,7 +8054,7 @@
         <p:spPr>
           <a:xfrm>
             <a:off x="304800" y="1371600"/>
-            <a:ext cx="8686800" cy="2286000"/>
+            <a:ext cx="8686800" cy="990600"/>
           </a:xfrm>
         </p:spPr>
         <p:txBody>
@@ -7443,58 +8064,26 @@
           <a:lstStyle/>
           <a:p>
             <a:r>
+              <a:rPr lang="da-DK" dirty="0" smtClean="0"/>
+              <a:t>Is this a right course for you?</a:t>
+            </a:r>
+            <a:endParaRPr lang="en-US" dirty="0" smtClean="0"/>
+          </a:p>
+          <a:p>
+            <a:pPr lvl="1"/>
+            <a:r>
               <a:rPr lang="en-GB" dirty="0" smtClean="0"/>
-              <a:t>If you have on your laptop only Windows, you could either:</a:t>
-            </a:r>
+              <a:t>If, after you have opened a terminal in Linux </a:t>
+            </a:r>
+            <a:r>
+              <a:rPr lang="en-DE" dirty="0" smtClean="0"/>
+              <a:t>…</a:t>
+            </a:r>
+            <a:endParaRPr lang="en-US" dirty="0"/>
           </a:p>
           <a:p>
             <a:pPr lvl="1"/>
-            <a:r>
-              <a:rPr lang="en-GB" dirty="0"/>
-              <a:t>install </a:t>
-            </a:r>
-            <a:r>
-              <a:rPr lang="en-GB" dirty="0" smtClean="0"/>
-              <a:t>Ubuntu on Windows from the following link </a:t>
-            </a:r>
-          </a:p>
-          <a:p>
-            <a:pPr marL="411480" lvl="1" indent="0">
-              <a:buNone/>
-            </a:pPr>
-            <a:r>
-              <a:rPr lang="en-GB" sz="1050" dirty="0"/>
-              <a:t> </a:t>
-            </a:r>
-            <a:r>
-              <a:rPr lang="en-GB" sz="1050" dirty="0" smtClean="0"/>
-              <a:t>      </a:t>
-            </a:r>
-            <a:r>
-              <a:rPr lang="en-GB" sz="1600" dirty="0" smtClean="0">
-                <a:hlinkClick r:id="rId2"/>
-              </a:rPr>
-              <a:t>https</a:t>
-            </a:r>
-            <a:r>
-              <a:rPr lang="en-GB" sz="1600" dirty="0">
-                <a:hlinkClick r:id="rId2"/>
-              </a:rPr>
-              <a:t>://</a:t>
-            </a:r>
-            <a:r>
-              <a:rPr lang="en-GB" sz="1600" dirty="0" smtClean="0">
-                <a:hlinkClick r:id="rId2"/>
-              </a:rPr>
-              <a:t>www.microsoft.com/en-us/p/ubuntu/9nblggh4msv6?activetab=pivot:overviewtab</a:t>
-            </a:r>
-            <a:endParaRPr lang="en-GB" sz="1600" dirty="0" smtClean="0"/>
-          </a:p>
-          <a:p>
-            <a:pPr marL="411480" lvl="1" indent="0">
-              <a:buNone/>
-            </a:pPr>
-            <a:endParaRPr lang="en-GB" sz="1600" dirty="0"/>
+            <a:endParaRPr lang="en-GB" dirty="0"/>
           </a:p>
         </p:txBody>
       </p:sp>
@@ -7527,33 +8116,9 @@
           </a:p>
         </p:txBody>
       </p:sp>
-      <p:pic>
-        <p:nvPicPr>
-          <p:cNvPr id="6" name="Picture 5"/>
-          <p:cNvPicPr>
-            <a:picLocks noChangeAspect="1"/>
-          </p:cNvPicPr>
-          <p:nvPr/>
-        </p:nvPicPr>
-        <p:blipFill>
-          <a:blip r:embed="rId3"/>
-          <a:stretch>
-            <a:fillRect/>
-          </a:stretch>
-        </p:blipFill>
-        <p:spPr>
-          <a:xfrm>
-            <a:off x="31954" y="2590800"/>
-            <a:ext cx="9043401" cy="1905000"/>
-          </a:xfrm>
-          <a:prstGeom prst="rect">
-            <a:avLst/>
-          </a:prstGeom>
-        </p:spPr>
-      </p:pic>
-      <p:sp>
-        <p:nvSpPr>
-          <p:cNvPr id="8" name="Content Placeholder 2"/>
+      <p:sp>
+        <p:nvSpPr>
+          <p:cNvPr id="6" name="Content Placeholder 2"/>
           <p:cNvSpPr txBox="1">
             <a:spLocks/>
           </p:cNvSpPr>
@@ -7561,8 +8126,8 @@
         </p:nvSpPr>
         <p:spPr>
           <a:xfrm>
-            <a:off x="304800" y="4648200"/>
-            <a:ext cx="8686800" cy="1295400"/>
+            <a:off x="304800" y="5715000"/>
+            <a:ext cx="8686800" cy="990600"/>
           </a:xfrm>
           <a:prstGeom prst="rect">
             <a:avLst/>
@@ -7739,122 +8304,68 @@
             </a:lvl9pPr>
           </a:lstStyle>
           <a:p>
+            <a:pPr marL="411480" lvl="1" indent="0" fontAlgn="auto">
+              <a:spcAft>
+                <a:spcPts val="0"/>
+              </a:spcAft>
+              <a:buNone/>
+            </a:pPr>
+            <a:r>
+              <a:rPr lang="en-DE" dirty="0" smtClean="0">
+                <a:effectLst/>
+              </a:rPr>
+              <a:t>…</a:t>
+            </a:r>
+            <a:r>
+              <a:rPr lang="en-GB" dirty="0" smtClean="0">
+                <a:effectLst/>
+              </a:rPr>
+              <a:t> you have asked yourself: ‘What now?’, then this is the right course for you! </a:t>
+            </a:r>
+            <a:endParaRPr lang="en-US" dirty="0" smtClean="0">
+              <a:effectLst/>
+            </a:endParaRPr>
+          </a:p>
+          <a:p>
             <a:pPr lvl="1" fontAlgn="auto">
               <a:spcAft>
                 <a:spcPts val="0"/>
               </a:spcAft>
             </a:pPr>
-            <a:r>
-              <a:rPr lang="en-GB" dirty="0">
-                <a:effectLst/>
-              </a:rPr>
-              <a:t>i</a:t>
-            </a:r>
-            <a:r>
-              <a:rPr lang="en-GB" dirty="0" smtClean="0">
-                <a:effectLst/>
-              </a:rPr>
-              <a:t>nstall </a:t>
-            </a:r>
-            <a:r>
-              <a:rPr lang="en-GB" dirty="0" err="1" smtClean="0">
-                <a:effectLst/>
-              </a:rPr>
-              <a:t>PuTTY</a:t>
-            </a:r>
-            <a:r>
-              <a:rPr lang="en-GB" dirty="0" smtClean="0">
-                <a:effectLst/>
-              </a:rPr>
-              <a:t> </a:t>
-            </a:r>
-            <a:r>
-              <a:rPr lang="en-GB" dirty="0">
-                <a:effectLst/>
-              </a:rPr>
-              <a:t>(</a:t>
-            </a:r>
-            <a:r>
-              <a:rPr lang="en-GB" sz="1800" dirty="0">
-                <a:effectLst/>
-              </a:rPr>
-              <a:t> </a:t>
-            </a:r>
-            <a:r>
-              <a:rPr lang="en-GB" sz="1800" dirty="0">
-                <a:effectLst/>
-                <a:hlinkClick r:id="rId4"/>
-              </a:rPr>
-              <a:t>https://www.putty.org</a:t>
-            </a:r>
-            <a:r>
-              <a:rPr lang="en-GB" sz="1800" dirty="0" smtClean="0">
-                <a:effectLst/>
-                <a:hlinkClick r:id="rId4"/>
-              </a:rPr>
-              <a:t>/</a:t>
-            </a:r>
-            <a:r>
-              <a:rPr lang="en-GB" sz="1800" dirty="0" smtClean="0">
-                <a:effectLst/>
-              </a:rPr>
-              <a:t> </a:t>
-            </a:r>
-            <a:r>
-              <a:rPr lang="en-GB" dirty="0">
-                <a:effectLst/>
-              </a:rPr>
-              <a:t>) and then use it to connect to some </a:t>
-            </a:r>
-            <a:r>
-              <a:rPr lang="en-GB" dirty="0" smtClean="0">
-                <a:effectLst/>
-              </a:rPr>
-              <a:t>computer </a:t>
-            </a:r>
-            <a:r>
-              <a:rPr lang="en-GB" dirty="0">
-                <a:effectLst/>
-              </a:rPr>
-              <a:t>running Linux</a:t>
-            </a:r>
-            <a:r>
-              <a:rPr lang="en-GB" dirty="0" smtClean="0">
-                <a:effectLst/>
-              </a:rPr>
-              <a:t>, on which </a:t>
-            </a:r>
-            <a:r>
-              <a:rPr lang="en-GB" dirty="0">
-                <a:effectLst/>
-              </a:rPr>
-              <a:t>you </a:t>
-            </a:r>
-            <a:r>
-              <a:rPr lang="en-GB" dirty="0" smtClean="0">
-                <a:effectLst/>
-              </a:rPr>
-              <a:t>have an account with </a:t>
-            </a:r>
-            <a:r>
-              <a:rPr lang="en-GB" dirty="0">
-                <a:effectLst/>
-              </a:rPr>
-              <a:t>access </a:t>
-            </a:r>
-            <a:r>
-              <a:rPr lang="en-GB" dirty="0" smtClean="0">
-                <a:effectLst/>
-              </a:rPr>
-              <a:t>rights</a:t>
-            </a:r>
-          </a:p>
-        </p:txBody>
-      </p:sp>
+            <a:endParaRPr lang="en-GB" dirty="0">
+              <a:effectLst/>
+            </a:endParaRPr>
+          </a:p>
+        </p:txBody>
+      </p:sp>
+      <p:pic>
+        <p:nvPicPr>
+          <p:cNvPr id="7" name="Picture 6"/>
+          <p:cNvPicPr>
+            <a:picLocks noChangeAspect="1"/>
+          </p:cNvPicPr>
+          <p:nvPr/>
+        </p:nvPicPr>
+        <p:blipFill>
+          <a:blip r:embed="rId2"/>
+          <a:stretch>
+            <a:fillRect/>
+          </a:stretch>
+        </p:blipFill>
+        <p:spPr>
+          <a:xfrm>
+            <a:off x="1371600" y="2279466"/>
+            <a:ext cx="6248400" cy="3435534"/>
+          </a:xfrm>
+          <a:prstGeom prst="rect">
+            <a:avLst/>
+          </a:prstGeom>
+        </p:spPr>
+      </p:pic>
     </p:spTree>
     <p:extLst>
       <p:ext uri="{BB962C8B-B14F-4D97-AF65-F5344CB8AC3E}">
-        <p14:creationId xmlns:p14="http://schemas.microsoft.com/office/powerpoint/2010/main" val="3793262592"/>
+        <p14:creationId xmlns:p14="http://schemas.microsoft.com/office/powerpoint/2010/main" val="730343136"/>
       </p:ext>
     </p:extLst>
   </p:cSld>
@@ -7931,7 +8442,7 @@
         <p:spPr>
           <a:xfrm>
             <a:off x="304800" y="1371600"/>
-            <a:ext cx="8686800" cy="990600"/>
+            <a:ext cx="8686800" cy="4648200"/>
           </a:xfrm>
         </p:spPr>
         <p:txBody>
@@ -7941,8 +8452,8 @@
           <a:lstStyle/>
           <a:p>
             <a:r>
-              <a:rPr lang="da-DK" dirty="0" smtClean="0"/>
-              <a:t>Is this a right course for you?</a:t>
+              <a:rPr lang="en-GB" dirty="0" smtClean="0"/>
+              <a:t>What can we do in the terminal?</a:t>
             </a:r>
             <a:endParaRPr lang="en-US" dirty="0" smtClean="0"/>
           </a:p>
@@ -7950,11 +8461,53 @@
             <a:pPr lvl="1"/>
             <a:r>
               <a:rPr lang="en-GB" dirty="0" smtClean="0"/>
-              <a:t>If, after you have opened a terminal in Linux </a:t>
+              <a:t>Not that much with the mouse</a:t>
             </a:r>
             <a:r>
               <a:rPr lang="en-DE" dirty="0" smtClean="0"/>
               <a:t>…</a:t>
+            </a:r>
+            <a:endParaRPr lang="en-GB" dirty="0" smtClean="0"/>
+          </a:p>
+          <a:p>
+            <a:r>
+              <a:rPr lang="en-GB" dirty="0"/>
+              <a:t>Next, you can start typing and pressing ‘Enter’, </a:t>
+            </a:r>
+            <a:r>
+              <a:rPr lang="en-GB" dirty="0" smtClean="0"/>
+              <a:t>but most </a:t>
+            </a:r>
+            <a:r>
+              <a:rPr lang="en-GB" dirty="0"/>
+              <a:t>likely whatever you have typed in the terminal will produce </a:t>
+            </a:r>
+            <a:r>
+              <a:rPr lang="en-GB" dirty="0" smtClean="0"/>
+              <a:t>only </a:t>
+            </a:r>
+            <a:r>
+              <a:rPr lang="en-GB" dirty="0"/>
+              <a:t>error </a:t>
+            </a:r>
+            <a:r>
+              <a:rPr lang="en-GB" dirty="0" smtClean="0"/>
+              <a:t>messages</a:t>
+            </a:r>
+          </a:p>
+          <a:p>
+            <a:pPr lvl="1"/>
+            <a:r>
+              <a:rPr lang="en-GB" dirty="0" smtClean="0"/>
+              <a:t>Still</a:t>
+            </a:r>
+            <a:r>
+              <a:rPr lang="en-GB" dirty="0"/>
+              <a:t>, that is something, as it clearly means that there is some secret/magic language which is trying to respond to, or to interpret, your command input, as soon as you have typed something in the terminal and pressed ‘Enter’. What is that secret built-in language available in the terminal</a:t>
+            </a:r>
+            <a:r>
+              <a:rPr lang="en-GB" dirty="0" smtClean="0"/>
+              <a:t>?</a:t>
             </a:r>
             <a:endParaRPr lang="en-US" dirty="0"/>
           </a:p>
@@ -7993,262 +8546,10 @@
           </a:p>
         </p:txBody>
       </p:sp>
-      <p:pic>
-        <p:nvPicPr>
-          <p:cNvPr id="5" name="Picture 4"/>
-          <p:cNvPicPr>
-            <a:picLocks noChangeAspect="1"/>
-          </p:cNvPicPr>
-          <p:nvPr/>
-        </p:nvPicPr>
-        <p:blipFill>
-          <a:blip r:embed="rId2" cstate="print">
-            <a:extLst>
-              <a:ext uri="{28A0092B-C50C-407E-A947-70E740481C1C}">
-                <a14:useLocalDpi xmlns:a14="http://schemas.microsoft.com/office/drawing/2010/main" val="0"/>
-              </a:ext>
-            </a:extLst>
-          </a:blip>
-          <a:stretch>
-            <a:fillRect/>
-          </a:stretch>
-        </p:blipFill>
-        <p:spPr>
-          <a:xfrm>
-            <a:off x="1371600" y="2247305"/>
-            <a:ext cx="6175524" cy="3467695"/>
-          </a:xfrm>
-          <a:prstGeom prst="rect">
-            <a:avLst/>
-          </a:prstGeom>
-        </p:spPr>
-      </p:pic>
-      <p:sp>
-        <p:nvSpPr>
-          <p:cNvPr id="6" name="Content Placeholder 2"/>
-          <p:cNvSpPr txBox="1">
-            <a:spLocks/>
-          </p:cNvSpPr>
-          <p:nvPr/>
-        </p:nvSpPr>
-        <p:spPr>
-          <a:xfrm>
-            <a:off x="304800" y="5715000"/>
-            <a:ext cx="8686800" cy="990600"/>
-          </a:xfrm>
-          <a:prstGeom prst="rect">
-            <a:avLst/>
-          </a:prstGeom>
-        </p:spPr>
-        <p:txBody>
-          <a:bodyPr vert="horz">
-            <a:normAutofit/>
-          </a:bodyPr>
-          <a:lstStyle>
-            <a:lvl1pPr marL="365760" indent="-256032" algn="l" rtl="0" eaLnBrk="1" latinLnBrk="0" hangingPunct="1">
-              <a:spcBef>
-                <a:spcPts val="300"/>
-              </a:spcBef>
-              <a:buClr>
-                <a:schemeClr val="tx1"/>
-              </a:buClr>
-              <a:buSzPct val="125000"/>
-              <a:buFont typeface="Arial" panose="020B0604020202020204" pitchFamily="34" charset="0"/>
-              <a:buChar char="•"/>
-              <a:defRPr kumimoji="0" sz="2400" kern="1200">
-                <a:solidFill>
-                  <a:schemeClr val="tx1"/>
-                </a:solidFill>
-                <a:latin typeface="Helvetica" pitchFamily="34" charset="0"/>
-                <a:ea typeface="+mn-ea"/>
-                <a:cs typeface="+mn-cs"/>
-              </a:defRPr>
-            </a:lvl1pPr>
-            <a:lvl2pPr marL="658368" indent="-246888" algn="l" rtl="0" eaLnBrk="1" latinLnBrk="0" hangingPunct="1">
-              <a:spcBef>
-                <a:spcPts val="300"/>
-              </a:spcBef>
-              <a:buClr>
-                <a:schemeClr val="accent2"/>
-              </a:buClr>
-              <a:buSzPct val="90000"/>
-              <a:buFont typeface="Courier New" panose="02070309020205020404" pitchFamily="49" charset="0"/>
-              <a:buChar char="o"/>
-              <a:defRPr kumimoji="0" sz="2200" kern="1200">
-                <a:solidFill>
-                  <a:schemeClr val="accent2"/>
-                </a:solidFill>
-                <a:latin typeface="Helvetica" pitchFamily="34" charset="0"/>
-                <a:ea typeface="+mn-ea"/>
-                <a:cs typeface="+mn-cs"/>
-              </a:defRPr>
-            </a:lvl2pPr>
-            <a:lvl3pPr marL="923544" indent="-219456" algn="l" rtl="0" eaLnBrk="1" latinLnBrk="0" hangingPunct="1">
-              <a:spcBef>
-                <a:spcPts val="300"/>
-              </a:spcBef>
-              <a:buClr>
-                <a:schemeClr val="accent1"/>
-              </a:buClr>
-              <a:buFont typeface="Wingdings 2"/>
-              <a:buChar char=""/>
-              <a:defRPr kumimoji="0" sz="1800" kern="1200">
-                <a:solidFill>
-                  <a:schemeClr val="accent1"/>
-                </a:solidFill>
-                <a:latin typeface="Helvetica" pitchFamily="34" charset="0"/>
-                <a:ea typeface="+mn-ea"/>
-                <a:cs typeface="+mn-cs"/>
-              </a:defRPr>
-            </a:lvl3pPr>
-            <a:lvl4pPr marL="1179576" indent="-201168" algn="l" rtl="0" eaLnBrk="1" latinLnBrk="0" hangingPunct="1">
-              <a:spcBef>
-                <a:spcPts val="300"/>
-              </a:spcBef>
-              <a:buClr>
-                <a:schemeClr val="accent1"/>
-              </a:buClr>
-              <a:buFont typeface="Wingdings 2"/>
-              <a:buChar char=""/>
-              <a:defRPr kumimoji="0" sz="1400" kern="1200">
-                <a:solidFill>
-                  <a:schemeClr val="accent1"/>
-                </a:solidFill>
-                <a:latin typeface="Helvetica" pitchFamily="34" charset="0"/>
-                <a:ea typeface="+mn-ea"/>
-                <a:cs typeface="+mn-cs"/>
-              </a:defRPr>
-            </a:lvl4pPr>
-            <a:lvl5pPr marL="1389888" indent="-182880" algn="l" rtl="0" eaLnBrk="1" latinLnBrk="0" hangingPunct="1">
-              <a:spcBef>
-                <a:spcPts val="300"/>
-              </a:spcBef>
-              <a:buClr>
-                <a:schemeClr val="accent3"/>
-              </a:buClr>
-              <a:buFont typeface="Georgia"/>
-              <a:buChar char="▫"/>
-              <a:defRPr kumimoji="0" sz="1400" kern="1200">
-                <a:solidFill>
-                  <a:schemeClr val="accent3"/>
-                </a:solidFill>
-                <a:latin typeface="Helvetica" pitchFamily="34" charset="0"/>
-                <a:ea typeface="+mn-ea"/>
-                <a:cs typeface="+mn-cs"/>
-              </a:defRPr>
-            </a:lvl5pPr>
-            <a:lvl6pPr marL="1609344" indent="-182880" algn="l" rtl="0" eaLnBrk="1" latinLnBrk="0" hangingPunct="1">
-              <a:spcBef>
-                <a:spcPts val="300"/>
-              </a:spcBef>
-              <a:buClr>
-                <a:schemeClr val="accent3"/>
-              </a:buClr>
-              <a:buFont typeface="Georgia"/>
-              <a:buChar char="▫"/>
-              <a:defRPr kumimoji="0" sz="1800" kern="1200">
-                <a:solidFill>
-                  <a:schemeClr val="accent3"/>
-                </a:solidFill>
-                <a:latin typeface="+mn-lt"/>
-                <a:ea typeface="+mn-ea"/>
-                <a:cs typeface="+mn-cs"/>
-              </a:defRPr>
-            </a:lvl6pPr>
-            <a:lvl7pPr marL="1828800" indent="-182880" algn="l" rtl="0" eaLnBrk="1" latinLnBrk="0" hangingPunct="1">
-              <a:spcBef>
-                <a:spcPts val="300"/>
-              </a:spcBef>
-              <a:buClr>
-                <a:schemeClr val="accent3"/>
-              </a:buClr>
-              <a:buFont typeface="Georgia"/>
-              <a:buChar char="▫"/>
-              <a:defRPr kumimoji="0" sz="1600" kern="1200">
-                <a:solidFill>
-                  <a:schemeClr val="accent3"/>
-                </a:solidFill>
-                <a:latin typeface="+mn-lt"/>
-                <a:ea typeface="+mn-ea"/>
-                <a:cs typeface="+mn-cs"/>
-              </a:defRPr>
-            </a:lvl7pPr>
-            <a:lvl8pPr marL="2029968" indent="-182880" algn="l" rtl="0" eaLnBrk="1" latinLnBrk="0" hangingPunct="1">
-              <a:spcBef>
-                <a:spcPts val="300"/>
-              </a:spcBef>
-              <a:buClr>
-                <a:schemeClr val="accent3"/>
-              </a:buClr>
-              <a:buFont typeface="Georgia"/>
-              <a:buChar char="◦"/>
-              <a:defRPr kumimoji="0" sz="1500" kern="1200">
-                <a:solidFill>
-                  <a:schemeClr val="accent3"/>
-                </a:solidFill>
-                <a:latin typeface="+mn-lt"/>
-                <a:ea typeface="+mn-ea"/>
-                <a:cs typeface="+mn-cs"/>
-              </a:defRPr>
-            </a:lvl8pPr>
-            <a:lvl9pPr marL="2240280" indent="-182880" algn="l" rtl="0" eaLnBrk="1" latinLnBrk="0" hangingPunct="1">
-              <a:spcBef>
-                <a:spcPts val="300"/>
-              </a:spcBef>
-              <a:buClr>
-                <a:schemeClr val="accent3"/>
-              </a:buClr>
-              <a:buFont typeface="Georgia"/>
-              <a:buChar char="◦"/>
-              <a:defRPr kumimoji="0" sz="1400" kern="1200" baseline="0">
-                <a:solidFill>
-                  <a:schemeClr val="accent3"/>
-                </a:solidFill>
-                <a:latin typeface="+mn-lt"/>
-                <a:ea typeface="+mn-ea"/>
-                <a:cs typeface="+mn-cs"/>
-              </a:defRPr>
-            </a:lvl9pPr>
-          </a:lstStyle>
-          <a:p>
-            <a:pPr marL="411480" lvl="1" indent="0" fontAlgn="auto">
-              <a:spcAft>
-                <a:spcPts val="0"/>
-              </a:spcAft>
-              <a:buNone/>
-            </a:pPr>
-            <a:r>
-              <a:rPr lang="en-DE" dirty="0" smtClean="0">
-                <a:effectLst/>
-              </a:rPr>
-              <a:t>…</a:t>
-            </a:r>
-            <a:r>
-              <a:rPr lang="en-GB" dirty="0" smtClean="0">
-                <a:effectLst/>
-              </a:rPr>
-              <a:t> you have asked yourself: ‘What now?’, then this is the right course for you! </a:t>
-            </a:r>
-            <a:endParaRPr lang="en-US" dirty="0" smtClean="0">
-              <a:effectLst/>
-            </a:endParaRPr>
-          </a:p>
-          <a:p>
-            <a:pPr lvl="1" fontAlgn="auto">
-              <a:spcAft>
-                <a:spcPts val="0"/>
-              </a:spcAft>
-            </a:pPr>
-            <a:endParaRPr lang="en-GB" dirty="0">
-              <a:effectLst/>
-            </a:endParaRPr>
-          </a:p>
-        </p:txBody>
-      </p:sp>
     </p:spTree>
     <p:extLst>
       <p:ext uri="{BB962C8B-B14F-4D97-AF65-F5344CB8AC3E}">
-        <p14:creationId xmlns:p14="http://schemas.microsoft.com/office/powerpoint/2010/main" val="730343136"/>
+        <p14:creationId xmlns:p14="http://schemas.microsoft.com/office/powerpoint/2010/main" val="3587298211"/>
       </p:ext>
     </p:extLst>
   </p:cSld>
@@ -8481,19 +8782,19 @@
         </p:nvSpPr>
         <p:spPr>
           <a:xfrm>
-            <a:off x="228600" y="381000"/>
-            <a:ext cx="8686800" cy="1066800"/>
+            <a:off x="304800" y="533400"/>
+            <a:ext cx="8839200" cy="838200"/>
           </a:xfrm>
         </p:spPr>
         <p:txBody>
           <a:bodyPr>
-            <a:normAutofit/>
+            <a:noAutofit/>
           </a:bodyPr>
           <a:lstStyle/>
           <a:p>
             <a:r>
               <a:rPr lang="da-DK" sz="3200" b="1" dirty="0" smtClean="0"/>
-              <a:t>Free advert (#2)</a:t>
+              <a:t>Linux shells</a:t>
             </a:r>
             <a:endParaRPr lang="en-US" sz="3200" dirty="0"/>
           </a:p>
@@ -8512,62 +8813,127 @@
         <p:spPr>
           <a:xfrm>
             <a:off x="304800" y="1371600"/>
-            <a:ext cx="8686800" cy="4648200"/>
+            <a:ext cx="8686800" cy="5029200"/>
           </a:xfrm>
         </p:spPr>
         <p:txBody>
           <a:bodyPr>
-            <a:normAutofit/>
+            <a:normAutofit lnSpcReduction="10000"/>
           </a:bodyPr>
           <a:lstStyle/>
           <a:p>
             <a:r>
-              <a:rPr lang="en-GB" dirty="0" smtClean="0"/>
-              <a:t>What can we do in the terminal?</a:t>
-            </a:r>
-            <a:endParaRPr lang="en-US" dirty="0" smtClean="0"/>
+              <a:rPr lang="en-US" dirty="0" smtClean="0"/>
+              <a:t>Loosely speaking, shell is </a:t>
+            </a:r>
+            <a:r>
+              <a:rPr lang="en-US" dirty="0"/>
+              <a:t>any program that </a:t>
+            </a:r>
+            <a:r>
+              <a:rPr lang="en-US" dirty="0" smtClean="0"/>
+              <a:t>user employs </a:t>
+            </a:r>
+            <a:r>
+              <a:rPr lang="en-US" dirty="0"/>
+              <a:t>to type </a:t>
+            </a:r>
+            <a:r>
+              <a:rPr lang="en-US" dirty="0" smtClean="0"/>
+              <a:t>commands in the terminal (text window)</a:t>
+            </a:r>
+          </a:p>
+          <a:p>
+            <a:r>
+              <a:rPr lang="da-DK" dirty="0" smtClean="0"/>
+              <a:t>Example shells:</a:t>
+            </a:r>
           </a:p>
           <a:p>
             <a:pPr lvl="1"/>
             <a:r>
-              <a:rPr lang="en-GB" dirty="0" smtClean="0"/>
-              <a:t>Not that much with the mouse</a:t>
-            </a:r>
-            <a:r>
-              <a:rPr lang="en-DE" dirty="0" smtClean="0"/>
-              <a:t>…</a:t>
-            </a:r>
-            <a:endParaRPr lang="en-GB" dirty="0" smtClean="0"/>
-          </a:p>
-          <a:p>
-            <a:r>
-              <a:rPr lang="en-GB" dirty="0"/>
-              <a:t>Next, you can start typing and pressing ‘Enter’, but especially if you do it for the first time most likely whatever you have typed in the terminal will produce only the error </a:t>
-            </a:r>
-            <a:r>
-              <a:rPr lang="en-GB" dirty="0" smtClean="0"/>
-              <a:t>messages</a:t>
+              <a:rPr lang="da-DK" dirty="0"/>
+              <a:t>s</a:t>
+            </a:r>
+            <a:r>
+              <a:rPr lang="da-DK" dirty="0" smtClean="0"/>
+              <a:t>h</a:t>
             </a:r>
           </a:p>
           <a:p>
             <a:pPr lvl="1"/>
             <a:r>
-              <a:rPr lang="en-GB" dirty="0" smtClean="0"/>
-              <a:t>Still</a:t>
-            </a:r>
-            <a:r>
-              <a:rPr lang="en-GB" dirty="0"/>
-              <a:t>, that is something, as it clearly means that there is some secret/magic language which is trying to respond to, or to interpret, your command input, as soon as you have typed something in the terminal and pressed ‘Enter’. What is that secret built-in language available in the terminal</a:t>
-            </a:r>
-            <a:r>
-              <a:rPr lang="en-GB" dirty="0" smtClean="0"/>
-              <a:t>?</a:t>
-            </a:r>
-            <a:endParaRPr lang="en-US" dirty="0"/>
+              <a:rPr lang="da-DK" dirty="0"/>
+              <a:t>b</a:t>
+            </a:r>
+            <a:r>
+              <a:rPr lang="da-DK" dirty="0" smtClean="0"/>
+              <a:t>ash</a:t>
+            </a:r>
           </a:p>
           <a:p>
             <a:pPr lvl="1"/>
-            <a:endParaRPr lang="en-GB" dirty="0"/>
+            <a:r>
+              <a:rPr lang="da-DK" dirty="0" smtClean="0"/>
+              <a:t>zsh</a:t>
+            </a:r>
+          </a:p>
+          <a:p>
+            <a:pPr lvl="1"/>
+            <a:r>
+              <a:rPr lang="da-DK" dirty="0" smtClean="0"/>
+              <a:t>ksh</a:t>
+            </a:r>
+          </a:p>
+          <a:p>
+            <a:pPr lvl="1"/>
+            <a:r>
+              <a:rPr lang="da-DK" dirty="0" smtClean="0"/>
+              <a:t>csh</a:t>
+            </a:r>
+          </a:p>
+          <a:p>
+            <a:pPr lvl="1"/>
+            <a:r>
+              <a:rPr lang="da-DK" dirty="0" smtClean="0"/>
+              <a:t>fish</a:t>
+            </a:r>
+          </a:p>
+          <a:p>
+            <a:pPr lvl="1"/>
+            <a:r>
+              <a:rPr lang="da-DK" dirty="0" smtClean="0"/>
+              <a:t>PowerShell (developed by Microsoft!)</a:t>
+            </a:r>
+          </a:p>
+          <a:p>
+            <a:r>
+              <a:rPr lang="da-DK" dirty="0" smtClean="0"/>
+              <a:t>Since Bash is the default shell on most Linux distributions nowadays, we focus on it</a:t>
+            </a:r>
+          </a:p>
+          <a:p>
+            <a:pPr lvl="1"/>
+            <a:r>
+              <a:rPr lang="da-DK" dirty="0" smtClean="0"/>
+              <a:t>If not set by default, just type </a:t>
+            </a:r>
+            <a:r>
+              <a:rPr lang="da-DK" b="1" dirty="0" smtClean="0"/>
+              <a:t>bash</a:t>
+            </a:r>
+            <a:r>
+              <a:rPr lang="da-DK" dirty="0" smtClean="0"/>
+              <a:t> in the terminal, and you are in the </a:t>
+            </a:r>
+            <a:r>
+              <a:rPr lang="da-DK" dirty="0"/>
+              <a:t>B</a:t>
+            </a:r>
+            <a:r>
+              <a:rPr lang="da-DK" dirty="0" smtClean="0"/>
+              <a:t>ash wonderland </a:t>
+            </a:r>
           </a:p>
         </p:txBody>
       </p:sp>
@@ -8600,10 +8966,49 @@
           </a:p>
         </p:txBody>
       </p:sp>
+      <p:sp>
+        <p:nvSpPr>
+          <p:cNvPr id="5" name="AutoShape 2" descr="data:image/jpeg;base64,/9j/4AAQSkZJRgABAQAAAQABAAD/2wCEAAkGBxAPEBUPDxAQEBAPDxAQEA8PEBAQDw4PFREWFhUVFRUYHiggGBomHRYXITEhJSkrLi4uGB8zODMsNygtLisBCgoKDg0OGxAQFzIlHh8tListKy0tMS0tLS0tLS8tLi0tLS0vLSstLS0tLS0tLSstLS0wLS0tNzUtNzcrNy8tLv/AABEIAJ4BPwMBIgACEQEDEQH/xAAbAAACAwEBAQAAAAAAAAAAAAAAAQIEBQYDB//EAEMQAAEEAQMBBQMHCgUDBQAAAAEAAgMRBAUSITEGEyJBUTJhcRQVI4GRstEzUlNic4KSk6HBQkNUcrEHovAWY6Ph8f/EABkBAQEBAQEBAAAAAAAAAAAAAAABBAMCBf/EAC8RAAICAQIEBAUDBQAAAAAAAAABAhEDEiEEMUHwE1GR4SIyYYGxFEJiI0NSodH/2gAMAwEAAhEDEQA/APuKEIQAhCEAIQhACSaRQAkmkgEUJpKASCmkoUSSZQgEkmhCiKSaSgEkmkoASTSUKJJNCAikpJKAikpJKFEkmkoBJJpWEKAYSpdyfUJGVR71S0NxujPx+C8yp96k42psUghnVCbOqA2EIQtRxBCEIAQhCAEIQgEhBQgEkmUKASSaEKIpJpKAEk0kAkJpKFEkmkgEhMpKASSaShRJJpIBJKSShSKE0lAQkdQJ9FRdOvfUXVGT8P8AlYhn96zZZ06OkI2aJnS79Zpn96O/XHxDppNMTKbZllCf3qbZ/eqshNJsxutejOqpae+7+r+6us6rTB2rObVGuhCFsOAIQhACEIQAhCEAJJpFACSaRQAUk0lACRTSQokIKFAJJNBQokk0lAJJNCgEkmkoUSSaSASSkkoBJFNJQpXzot8bmjqWmviOQuNM67krj+1GnGN3fRj6N3tgf4HevwKx8XF1qXQ74WrplTv0d+sc5CXylfO8Q1aDaE69GzrEblLe0HTXzESOFRA3z/me4e73rpjbm6R4klFWzoNKiLYwT1f4vgPJXWdUJs6r6sVSSMbdmshCFrOIIQhACEIQAhCEAIQhAJCChAJBQhQCQhCFEUk0lAJCaSFEhMpKASSy4ceSW3meVtveA1pAa0BxAA49y9Pm1/8AqJv4m/guam3uonql5l9CofNr/wDUzfa38Ejpsn+pm/7PwU1S/wAfwKXmX1EmlROmyf6mb/s/BUs/Ela01kSurmjso1zR4XmWRpXp/B6UU+psd631XhmZrI2l3p6rEh1WM8FwBHUHghUdYzWTMMDHW5xF1zQXCfErTaPaxb7nSadqLZ2GSqYDV31I60vbHyWvBIPAJB+K4zE0zIa3YyTbH6bel9aW/h6RI1u0TvA61tZ1+xTFmyS/aWcIrqX58wDpR+KpS57zYLGOBFEG+QvX5kf+nd/BH+CkNFf+nP8ALj/Be34r6fg8rQupyc+jNJJbbbJpvUAelqo/Qz5O/ou2OiP/AE5/lsS+Y3/pv/iYsr4Nv9p2Wf6mLoXZ3HAD3u72Qc7Dw1p/2+f1rp6WPJAY3ljiHFoDg8DaaPlQV3Cyb4u/etGHTD4ao5zblvZbQ3qhNnVaDkaqEKMjw3r5kD6yaC0nIdrx+VN+qrJPG2zQsdRazNQztrbdQ8LgXPY9jQDI1vtCyDzx6qlLnfSBoJMjXlzQbc5he4xsDwzh0dWeTY4XCWZLY0w4aUlZvjI45FO4Lmgg7WkkWT6cL2Y8Hp5cLlflrW923Y+Nm8BjX7x+UL2uDjyHmxYB4pauBL+cSXVCHWS5wdt8w3wt+rhSGZN0XJw7irNdeQed5b5bA767IUo3X/8AlLyP5U/sh94rQZSwhcPg6zqUbAH40k8jy6y4BrY3hzfDwB4du43zyKtPO7TajC4Mdhs3Oe1jS0SuaXFhdxR5uq8tvnaA7dC4s9o9Uuvm4fl3M9skbBfn9hvolrGbq7oInQxNjm72Xvmx0WmMQF7K33/ipteddRaA7VC4sdodUsj5vBqZ7BTnDe0NcWmzwLIHPvUcXtFqr3MadPa3ewlznF4ax/ebRfurqPcgO2QuU0rVdRkyG97jtZAaZINrmmN/jJLST4qpoJ6GwQqseq6lGXnuJJnGcscx8bGxReJ20ROadzmkBniI43En0QHaoXHs1/UnUW4AFECRr3OaS7cAQw+nN2fRe+h6hnzZA76IxwGMk+HaN+1tcHkc2gOpQhCA8ioqRSXkpS0z2P35PvlXFS0z2P35PvlXLXPH8qPUuY0KG5G5etSJRJV8iOxS9tyRXl0yo5rP0ON5st5TwtFZGeG0uhLAgRhZv08Lujr4rqitDjgeStsbSKTtd4pI5t2TCahuRuXuzyTQkCherBzWvPqR59GN/us3QMovBN/4ir3aIHdIQCajbdc+qzez+K5jS3rtcQT+tfP9bXypt+L6muNaDrGOsA+5SZ1VfEdxSst6rdF2jgzUVLOl2tcQ7oK9oNa11W3c7yB4H1q6s7UQQd5LQG9Xv/JNbbbD23yTzR8l3yP4TzjScjEypDdNcG8vLiXzAsviVoe7w3u2ht+V0s3UtWjxoy6QiERvjm+kqOGJzjT4nOYfpHmya9Vbzxs3GUV4I9xnjdOSwTu8Jc00TyCBVhcT/wBRNzGQT+wzG1V78iRkNhhPsS7HGnAe/jlYYrVPS2fUm9GPUldd9+50Gha5jzOLIZWAR79zojIx8GOXAgmKQWbN80r+k9r8CR7Y4cmIFwmcIg55ETY7txqg1u0E8+a5LSdRxsnVGTt1KTNljxJWl8eHHFCI3dGPeDwb6WFk6Jpgk7PZboYw7IkdLucIy6ZzWz9A702g8BdvCjB8++130yPPPJG2u+33vf1LS+3ulzSjHjzI3SOdtjvftkPo17hTj8Cuj/zT+zb94r5HpHazRn4un4vyY5WQx8LG47IwZMeYcOkd6i+f6r64Pyp/Zt+8VqXIxvmUm6sdoLopLIshrSa9Aos1gkX3Et1YG08mul/0WnFM13LXNcASCWkGiOoU7VJyMyTVvzYZTQcTbSPZF0E36t0LYZXAuId4eW1V8efX+i0HyBoskAepNBDXAixVHmx0KAoO1Mgg93JsMe/2TvB3VVf+dUjrLQaMU11urZzVLRDwfTjrz0TtAZztUsO2RSW3oXtLWk7q+Neafzr/AOzMa60zi/ctC0WgM751H6Kb+Dp0/FeuLqAkO3u5G8E25tNv0VmOVrvZINEg0bojqFMFANCEIDyKSZSXkpR0z2P35PvlWyqWmnwfvyffKuLjD5Ue5cyKzu0ue/GwsnJjDS/HxZ5mB4JaXsjc4WBViwtFVNXwG5WPLjPLmsyIZIXObW5rZGFpIvi+VQcI/thmM0/5Y6WDc+fCiBk07Mx2QNmP0ji177mABFFtDg9bXth9s8uXHYI248s2VqT8HEygyWLFlja0udOYi4upu17du7kt6rbZ2SuFkE2blTxwzYk0IkbjNMRxnbmtBZGLBoA3Z8PFJZPYnHeJAJZ4zJnfOETonNa7Ey9tOdFx0dyS11jkr1tff09zzvXf19jWw2ZjYXiaTGkyPF3T2RyRQnwjbvYXOI5u6PSlxw7YZ0bM1jxi5D8bLxMPGyYmSR48mROWte17S5x+jLhdO93C62LSZBjSQPzMmR8wePlLjE2ePc3b9HsaGtqrHHWysfE7DRsxDguy8mSCo+5BbjRuxpGSCRsrHRxgl+4Akuu/Pqoq6l6Fc9oc9kOfGRivytMNmUNljgfC7HMwd3dk7h7O3cB52rGqavlt06PUGT40DW4TcjIEuNJNve6NrgI6lbt5JFG+oXueyDfk88PyvJ7zNeXZWURAZ52933ewgs2NbtoeFo6KZ7JsdiwYcuRPNFjTQygPEIMzYaMcUm1oBYCAfU0LKe3uPc09AlyH4sL8trG5D4mPmZGCGMe4XtAJPS66+SvoQowTaheb5KWdmansNDz/AKBSU1FblUWzH7QTyMyWiIOJcQPD1oNWjiDaPEA1x5PFWVWOoMDt4bbzxuPWlPvzMQy9pddHrXCxJrU3fPod3ySosYk4dIQ3o1vJ998K+zqvHExWxN2sHvJPVx9SvdvVaoJpbnKT8jTVPMbxwOvmCAS/o0UeD1/oriRC1NWjlF07OSnYWHvAdu3cSSIW950Y83u47x20g1xtVZ2M2R4adwcdkTZC7fP3LD4+9a+tzS4bbF3wuiycIXbW+yI+WiNgc0PJcCSOnmR9io5Wng7RtaSHubuoPDPF3kZc5/iJuuAasrDPEz6mPOmu+/8Apj6fhxxtt1DvGy7e8ijhhD99Rh8Y5LuDRW1p8LejGtY32i1rW13jhZdtNFt8iq814Q6ewU5sRYNu+nhpMW3lschNnlzi4EchauFjFtBwPh7sNJp/LWckP6nzFuTHjd79/c858ka27+yPTD0+FjjIyGNj3clwjja/nysBe/8Amn9m37xXsxlen1Lx/wA0/s2/eK3LkfNZhDR2ObujyOu8AcNYbNgAeQseSUGhNB3HI8DY6JY4NIcd19OjeennS0ToUXkXD4Vz093Hsj+qb9DiLHRguaJK3bdoJAN+nvWTwP4/7N/6nprfoil8xQ0QZrcNpslvhoOuh5DxH4UFW1LSGBoDJwDI4Nt76bdO54uzR46dArruzUQqi7hzS4miXtB6X7xx8CVI9mYDd7yHG6JBaOvAFdOR/CFHhbVaF6nqPERTvxH6Hnk6PG575BNtLn7y0Fo8QYAQT+6PgCfVQxtGYI2MfOSQS8lrqaS+Puxt+y/jyvSPszFTtxdb3SHh26gSQDZA5r7LI56q0NDi2sbbiI2bW9Pfz8fEVVid24L1PDzpKlkfp9DOOiRu+jGSdwa1tA9Swkm+f1ui9fmNnJOQ4l29zSSKG4jn3+zXvsq9JosbnOcS4F7nOsUCC6ro/UvKfs/C8MsvHdivCa3DdfP9ftKvg/wXqP1F/wBx+iKWRpEIBccjb9IHOoii4E8UD18X1cK3pODGyVzo5d5YwRPb1p3tWT6qMXZqFoIt5u6J2+GyORx1469Vd0vS2Y27YXHeQTuryFeQVhiaknpS+5MmZODSm39i8hCFqMJ5FJSKS8lM3TfY/fk++ValfTS6i4hpIaOrqHQe9VNNPg/fk++VYlaXNLQ4sJaQHiiWkjggHix71wh8p0fM4PC/6gSnBn1B8ONIIIw75LjSyuyseTcQY8lrmeCuLeBXB4W9ldsMeFsb54cyJsjYy578WQRwd5J3bRK7o0k+XPBF9QqMvYYz/KH5eWZp8rCdg99HjxY4ZEXB24taTvduA5J6cClV1v8A6eOzXB8+bueYYYnvOJE43FIXtdFZ+hB4Dg32q6rptZ43ov6326hx2ZZigyZ5NPDhKGwvEIeNtNMtEDh1+dAEkKMva5kUj5ZnSxQR6dHlPxZMUtmj3ZLo+8LrvyrZXTnzVyTsq18OfA6V23VJZZXEMAMHeQsjoc+Ktl3x1VDUuxDslsvfZhdJkadFgvkGO1oqPIdKJA0Or/Ftr3Xaiqu/Ir79S9D20xHtcQMgPZPDj9w/HkZkPknbui2xuo05oJs1wDdL2h7UwPwpdQDZmw44nLhJHskJhsPAaT+cC34grne23ZSWR0k8Imn+VZeDJNFAMfvIo8aCRgLBMdkluLTTqrrzS2OzOkyP004edE1jHtmhETRFG8YjiRGJBD4GybTZ28WnQdUVtJ7UZD5mR5TdPiMsTpnYseYX5+OzujI3dGWgP467aq75Ctwds8eTHblRwZ0kUhpmzDlLnjZuLwPzB03dL6WquH2MkbLDJNnSZDcSGeHHD4ImyBssfd/SyNNyENA8h0SzuwwlxMPF+UV83sDAX48c0U/0ezc6F5Ldw6tPO0+qOuhFfU9srt/gxta68iRr8RmaHQ48kgbiuJBkfQ8AFG7pWNL7UDIzpsJsEwbBHC9uTsd3UgkaXWTVNB42mzu56Us/G7BNZC6AZLiH6T817u6Fhu97u9rd18fs+7qtXTuz7sfKOSzIJZJjQQSwGJtPdA0tY8Pu28E23n4q7Dc1MlcprwcCHC+OvwXXShU8jFa7qFlz43NUjtjlpZxsWW0+YW7oDN79/wDhYKvyLj/9WsvN0qISkbfMdCR5D0XXYcDGMDY2hrasAe//AJWbh8bc9+h1ySVbdT1QzqhDeq+gZzTQhC0HIRFqBiF351X/AIF6IQHm2ECutjzs2ePP1UmtA6CvgpISi2CiGC93nVfVdqSEICEIQAhCEAIQhACEihANK0ihAStK1EoUAikmkoUy9P8AY/fk++VbVKAOjBa5jydzjbWOcCC4kchevf8A6kv8t/4LPF0qOr5li0bl4d/+rJ/Lf+CO/H5sn8t/4K6kSj3tFrw78ej/AOW/8Ejkt8w/+W/8E1IUWLRarfKm/rfwP/BHypv638D/AME1LzFFncjcq/ypnv8A4X/gvN+oRN4c8N/3WP8AlNS8xpZc3JFypfOkH6Vn2ps1GF3SRpr0N0prj5l0vyLRKRXj8sj/ADx/VQdqEPTvWA+m4I5R8xTMTUvyx+I+6Fu4Drjb8K+zhc7qM7XSktIcLHI5HQLc0d9x/BxWbC/6jOk18KLqG9UFNvVaziaKEIWg5ghCEAIQhACEIQAhCEAIQhACEIQAkmkUAJJpFACSaRUAJItJQoIQSkSgBFJWglCjpCSRKlglaLXmXKBkU1Cj3tczr3ilP6rWj+/91uOnAWLmlpcSbBcVm4iVxo641TswMhi3+xEVRySfnybR8GD8SVkZreDS3ezcrRjNA8i7d/uuysvDpLLfkdsr+A3ty4XtbFtyy7ykjY76x4T/AMBdf3y5jtYQ6WOuoY6/gXcf3Wji2pYznh2kZcC6vQPYd/u/sudxsf3rpNIbsBB86IWfhVUj3lexeIQ3qmUN6r6BnNBCELucwQhCAEIQgBCEIAQhCAEIQgBCEIAQhCASEFCASiVIopQpBCdIpQEUlOkqQpGkKVIpSgRpRcFMhRcEYPCRyqyzUrUjVWfDfouM76HtGFkauGyuaT5iufKl5T5zSLsLRy9Ehl5fGxx9SOftVT/0vj/mD4FzyPsKwyhlO6lA5/M1dgO1tvd6MFq9omY9jTuaW7nXXpwtiLRo2cNawD3L1+bx7l4jhyJ3Z7c41RWOpH0WFqupfSh7mkNIAvqBXqumOB8F5v0pruoaV6njySVWeYyimZ2BlNoEEG/NaHzkAqbuysR6FzP9j3NH2dE4uykQNl8jvcZHUpGOZckG4PqbuJkh7QfUK2w8qnjYYYAB0A9SrcbFvhqrc4Srof/Z"/>
+          <p:cNvSpPr>
+            <a:spLocks noChangeAspect="1" noChangeArrowheads="1"/>
+          </p:cNvSpPr>
+          <p:nvPr/>
+        </p:nvSpPr>
+        <p:spPr bwMode="auto">
+          <a:xfrm>
+            <a:off x="155575" y="-144463"/>
+            <a:ext cx="304800" cy="304801"/>
+          </a:xfrm>
+          <a:prstGeom prst="rect">
+            <a:avLst/>
+          </a:prstGeom>
+          <a:noFill/>
+          <a:extLst>
+            <a:ext uri="{909E8E84-426E-40DD-AFC4-6F175D3DCCD1}">
+              <a14:hiddenFill xmlns:a14="http://schemas.microsoft.com/office/drawing/2010/main">
+                <a:solidFill>
+                  <a:srgbClr val="FFFFFF"/>
+                </a:solidFill>
+              </a14:hiddenFill>
+            </a:ext>
+          </a:extLst>
+        </p:spPr>
+        <p:txBody>
+          <a:bodyPr vert="horz" wrap="square" lIns="91440" tIns="45720" rIns="91440" bIns="45720" numCol="1" anchor="t" anchorCtr="0" compatLnSpc="1">
+            <a:prstTxWarp prst="textNoShape">
+              <a:avLst/>
+            </a:prstTxWarp>
+          </a:bodyPr>
+          <a:lstStyle/>
+          <a:p>
+            <a:endParaRPr lang="en-US"/>
+          </a:p>
+        </p:txBody>
+      </p:sp>
     </p:spTree>
     <p:extLst>
       <p:ext uri="{BB962C8B-B14F-4D97-AF65-F5344CB8AC3E}">
-        <p14:creationId xmlns:p14="http://schemas.microsoft.com/office/powerpoint/2010/main" val="3587298211"/>
+        <p14:creationId xmlns:p14="http://schemas.microsoft.com/office/powerpoint/2010/main" val="436262983"/>
       </p:ext>
     </p:extLst>
   </p:cSld>
@@ -8661,7 +9066,7 @@
           <a:p>
             <a:r>
               <a:rPr lang="da-DK" sz="3200" b="1" dirty="0" smtClean="0"/>
-              <a:t>Linux shells</a:t>
+              <a:t>Why shell?</a:t>
             </a:r>
             <a:endParaRPr lang="en-US" sz="3200" dirty="0"/>
           </a:p>
@@ -8680,127 +9085,39 @@
         <p:spPr>
           <a:xfrm>
             <a:off x="304800" y="1371600"/>
-            <a:ext cx="8686800" cy="5029200"/>
+            <a:ext cx="8686800" cy="1600200"/>
           </a:xfrm>
         </p:spPr>
         <p:txBody>
           <a:bodyPr>
-            <a:normAutofit lnSpcReduction="10000"/>
+            <a:normAutofit/>
           </a:bodyPr>
           <a:lstStyle/>
           <a:p>
             <a:r>
-              <a:rPr lang="en-US" dirty="0" smtClean="0"/>
-              <a:t>Loosely speaking, shell is </a:t>
-            </a:r>
-            <a:r>
-              <a:rPr lang="en-US" dirty="0"/>
-              <a:t>any program that </a:t>
-            </a:r>
-            <a:r>
-              <a:rPr lang="en-US" dirty="0" smtClean="0"/>
-              <a:t>user employs </a:t>
-            </a:r>
-            <a:r>
-              <a:rPr lang="en-US" dirty="0"/>
-              <a:t>to type </a:t>
-            </a:r>
-            <a:r>
-              <a:rPr lang="en-US" dirty="0" smtClean="0"/>
-              <a:t>commands in the terminal (text window)</a:t>
-            </a:r>
-          </a:p>
-          <a:p>
-            <a:r>
-              <a:rPr lang="da-DK" dirty="0" smtClean="0"/>
-              <a:t>Example shells:</a:t>
+              <a:rPr lang="en-GB" dirty="0"/>
+              <a:t>The shell translates the commands you type </a:t>
+            </a:r>
+            <a:r>
+              <a:rPr lang="en-GB" dirty="0" smtClean="0"/>
+              <a:t>into </a:t>
+            </a:r>
+            <a:r>
+              <a:rPr lang="en-GB" dirty="0"/>
+              <a:t>a format which the computer can </a:t>
+            </a:r>
+            <a:r>
+              <a:rPr lang="en-GB" dirty="0" smtClean="0"/>
+              <a:t>understand</a:t>
             </a:r>
           </a:p>
           <a:p>
             <a:pPr lvl="1"/>
             <a:r>
-              <a:rPr lang="da-DK" dirty="0"/>
-              <a:t>s</a:t>
-            </a:r>
-            <a:r>
-              <a:rPr lang="da-DK" dirty="0" smtClean="0"/>
-              <a:t>h</a:t>
-            </a:r>
-          </a:p>
-          <a:p>
-            <a:pPr lvl="1"/>
-            <a:r>
-              <a:rPr lang="da-DK" dirty="0"/>
-              <a:t>b</a:t>
-            </a:r>
-            <a:r>
-              <a:rPr lang="da-DK" dirty="0" smtClean="0"/>
-              <a:t>ash</a:t>
-            </a:r>
-          </a:p>
-          <a:p>
-            <a:pPr lvl="1"/>
-            <a:r>
-              <a:rPr lang="da-DK" dirty="0" smtClean="0"/>
-              <a:t>zsh</a:t>
-            </a:r>
-          </a:p>
-          <a:p>
-            <a:pPr lvl="1"/>
-            <a:r>
-              <a:rPr lang="da-DK" dirty="0" smtClean="0"/>
-              <a:t>ksh</a:t>
-            </a:r>
-          </a:p>
-          <a:p>
-            <a:pPr lvl="1"/>
-            <a:r>
-              <a:rPr lang="da-DK" dirty="0" smtClean="0"/>
-              <a:t>csh</a:t>
-            </a:r>
-          </a:p>
-          <a:p>
-            <a:pPr lvl="1"/>
-            <a:r>
-              <a:rPr lang="da-DK" dirty="0" smtClean="0"/>
-              <a:t>fish</a:t>
-            </a:r>
-          </a:p>
-          <a:p>
-            <a:pPr lvl="1"/>
-            <a:r>
-              <a:rPr lang="da-DK" dirty="0" smtClean="0"/>
-              <a:t>PowerShell (developed by Microsoft!)</a:t>
-            </a:r>
-          </a:p>
-          <a:p>
-            <a:r>
-              <a:rPr lang="da-DK" dirty="0" smtClean="0"/>
-              <a:t>Since Bash is the default shell on most Linux distributions nowadays, we focus on it</a:t>
-            </a:r>
-          </a:p>
-          <a:p>
-            <a:pPr lvl="1"/>
-            <a:r>
-              <a:rPr lang="da-DK" dirty="0" smtClean="0"/>
-              <a:t>If not set by default, just type </a:t>
-            </a:r>
-            <a:r>
-              <a:rPr lang="da-DK" b="1" dirty="0" smtClean="0"/>
-              <a:t>bash</a:t>
-            </a:r>
-            <a:r>
-              <a:rPr lang="da-DK" dirty="0" smtClean="0"/>
-              <a:t> in the terminal, and you are in the </a:t>
-            </a:r>
-            <a:r>
-              <a:rPr lang="da-DK" dirty="0"/>
-              <a:t>B</a:t>
-            </a:r>
-            <a:r>
-              <a:rPr lang="da-DK" dirty="0" smtClean="0"/>
-              <a:t>ash wonderland </a:t>
-            </a:r>
+              <a:rPr lang="en-GB" dirty="0" smtClean="0"/>
+              <a:t>It works both ways: User is shielded from Linux kernel, and Linux kernel is shielded from user</a:t>
+            </a:r>
+            <a:endParaRPr lang="en-US" dirty="0" smtClean="0"/>
           </a:p>
         </p:txBody>
       </p:sp>
@@ -8872,10 +9189,51 @@
           </a:p>
         </p:txBody>
       </p:sp>
+      <p:pic>
+        <p:nvPicPr>
+          <p:cNvPr id="6" name="Picture 2" descr="SHELL.PNG"/>
+          <p:cNvPicPr>
+            <a:picLocks noChangeAspect="1" noChangeArrowheads="1"/>
+          </p:cNvPicPr>
+          <p:nvPr/>
+        </p:nvPicPr>
+        <p:blipFill>
+          <a:blip r:embed="rId2">
+            <a:extLst>
+              <a:ext uri="{28A0092B-C50C-407E-A947-70E740481C1C}">
+                <a14:useLocalDpi xmlns:a14="http://schemas.microsoft.com/office/drawing/2010/main" val="0"/>
+              </a:ext>
+            </a:extLst>
+          </a:blip>
+          <a:srcRect/>
+          <a:stretch>
+            <a:fillRect/>
+          </a:stretch>
+        </p:blipFill>
+        <p:spPr bwMode="auto">
+          <a:xfrm>
+            <a:off x="2393694" y="3048000"/>
+            <a:ext cx="4235706" cy="3495675"/>
+          </a:xfrm>
+          <a:prstGeom prst="rect">
+            <a:avLst/>
+          </a:prstGeom>
+          <a:noFill/>
+          <a:extLst>
+            <a:ext uri="{909E8E84-426E-40DD-AFC4-6F175D3DCCD1}">
+              <a14:hiddenFill xmlns:a14="http://schemas.microsoft.com/office/drawing/2010/main">
+                <a:solidFill>
+                  <a:srgbClr val="FFFFFF"/>
+                </a:solidFill>
+              </a14:hiddenFill>
+            </a:ext>
+          </a:extLst>
+        </p:spPr>
+      </p:pic>
     </p:spTree>
     <p:extLst>
       <p:ext uri="{BB962C8B-B14F-4D97-AF65-F5344CB8AC3E}">
-        <p14:creationId xmlns:p14="http://schemas.microsoft.com/office/powerpoint/2010/main" val="436262983"/>
+        <p14:creationId xmlns:p14="http://schemas.microsoft.com/office/powerpoint/2010/main" val="2973984211"/>
       </p:ext>
     </p:extLst>
   </p:cSld>
@@ -8932,10 +9290,24 @@
           <a:lstStyle/>
           <a:p>
             <a:r>
-              <a:rPr lang="da-DK" sz="3200" b="1" dirty="0" smtClean="0"/>
-              <a:t>Why shell?</a:t>
-            </a:r>
-            <a:endParaRPr lang="en-US" sz="3200" dirty="0"/>
+              <a:rPr lang="en-US" sz="3200" b="1" dirty="0" smtClean="0"/>
+              <a:t>A </a:t>
+            </a:r>
+            <a:r>
+              <a:rPr lang="en-US" sz="3200" b="1" dirty="0"/>
+              <a:t>bit of </a:t>
+            </a:r>
+            <a:r>
+              <a:rPr lang="en-US" sz="3200" b="1" dirty="0" smtClean="0"/>
+              <a:t>Bash history</a:t>
+            </a:r>
+            <a:r>
+              <a:rPr lang="en-US" sz="3200" b="1" dirty="0"/>
+              <a:t> </a:t>
+            </a:r>
+            <a:endParaRPr lang="en-US" sz="3200" b="1" dirty="0">
+              <a:effectLst/>
+            </a:endParaRPr>
           </a:p>
         </p:txBody>
       </p:sp>
@@ -8952,7 +9324,7 @@
         <p:spPr>
           <a:xfrm>
             <a:off x="304800" y="1371600"/>
-            <a:ext cx="8686800" cy="1600200"/>
+            <a:ext cx="8686800" cy="3962400"/>
           </a:xfrm>
         </p:spPr>
         <p:txBody>
@@ -8962,29 +9334,82 @@
           <a:lstStyle/>
           <a:p>
             <a:r>
-              <a:rPr lang="en-GB" dirty="0"/>
-              <a:t>The shell translates the commands you type </a:t>
-            </a:r>
-            <a:r>
-              <a:rPr lang="en-GB" dirty="0" smtClean="0"/>
-              <a:t>into </a:t>
-            </a:r>
-            <a:r>
-              <a:rPr lang="en-GB" dirty="0"/>
-              <a:t>a format which the computer can </a:t>
-            </a:r>
-            <a:r>
-              <a:rPr lang="en-GB" dirty="0" smtClean="0"/>
-              <a:t>understand</a:t>
+              <a:rPr lang="da-DK" dirty="0" smtClean="0"/>
+              <a:t>Initial development by Brian Fox in 1989 as a part of GNU project... And it’s still alive!</a:t>
+            </a:r>
+          </a:p>
+          <a:p>
+            <a:r>
+              <a:rPr lang="da-DK" dirty="0" smtClean="0"/>
+              <a:t>Bash is an acronym for ‘Bourne-again shell’</a:t>
             </a:r>
           </a:p>
           <a:p>
             <a:pPr lvl="1"/>
             <a:r>
-              <a:rPr lang="en-GB" dirty="0" smtClean="0"/>
-              <a:t>It works both ways: User is shielded from Linux kernel, and Linux kernel is shielded from user</a:t>
-            </a:r>
-            <a:endParaRPr lang="en-US" dirty="0" smtClean="0"/>
+              <a:rPr lang="da-DK" dirty="0"/>
+              <a:t>T</a:t>
+            </a:r>
+            <a:r>
+              <a:rPr lang="da-DK" dirty="0" smtClean="0"/>
+              <a:t>he </a:t>
+            </a:r>
+            <a:r>
+              <a:rPr lang="da-DK" dirty="0"/>
+              <a:t>original </a:t>
+            </a:r>
+            <a:r>
+              <a:rPr lang="da-DK" dirty="0" smtClean="0"/>
+              <a:t>shell ‘sh’ </a:t>
+            </a:r>
+            <a:r>
+              <a:rPr lang="da-DK" dirty="0"/>
+              <a:t>was </a:t>
+            </a:r>
+            <a:r>
+              <a:rPr lang="da-DK" dirty="0" smtClean="0"/>
+              <a:t>written in 1977 by </a:t>
+            </a:r>
+            <a:r>
+              <a:rPr lang="da-DK" dirty="0"/>
+              <a:t>Stephen </a:t>
+            </a:r>
+            <a:r>
+              <a:rPr lang="da-DK" dirty="0" smtClean="0"/>
+              <a:t>Bourne</a:t>
+            </a:r>
+            <a:endParaRPr lang="da-DK" dirty="0"/>
+          </a:p>
+          <a:p>
+            <a:r>
+              <a:rPr lang="da-DK" dirty="0" smtClean="0"/>
+              <a:t>Written entirely in C </a:t>
+            </a:r>
+          </a:p>
+          <a:p>
+            <a:pPr lvl="1"/>
+            <a:r>
+              <a:rPr lang="da-DK" dirty="0" smtClean="0"/>
+              <a:t>Linux kernel is mostly written in C</a:t>
+            </a:r>
+          </a:p>
+          <a:p>
+            <a:r>
+              <a:rPr lang="da-DK" dirty="0" smtClean="0"/>
+              <a:t>Executable: /bin/bash</a:t>
+            </a:r>
+          </a:p>
+          <a:p>
+            <a:r>
+              <a:rPr lang="da-DK" dirty="0" smtClean="0"/>
+              <a:t>File extension: .sh</a:t>
+            </a:r>
+          </a:p>
+          <a:p>
+            <a:r>
+              <a:rPr lang="da-DK" dirty="0" smtClean="0"/>
+              <a:t>Command processor / interpreted / scripting language</a:t>
+            </a:r>
           </a:p>
         </p:txBody>
       </p:sp>
@@ -9058,7 +9483,7 @@
       </p:sp>
       <p:pic>
         <p:nvPicPr>
-          <p:cNvPr id="6" name="Picture 2" descr="SHELL.PNG"/>
+          <p:cNvPr id="2050" name="Picture 2" descr="https://camo.githubusercontent.com/7c9b27101ba491969d016f2f2427c3e066f7bd0b/68747470733a2f2f63646e2e7261776769742e636f6d2f6f64622f6f6666696369616c2d626173682d6c6f676f2f6d61737465722f6173736574732f4c6f676f732f4964656e746974792f504e472f424153485f6c6f676f2d7472616e73706172656e742d62672d636f6c6f722e706e67"/>
           <p:cNvPicPr>
             <a:picLocks noChangeAspect="1" noChangeArrowheads="1"/>
           </p:cNvPicPr>
@@ -9079,8 +9504,8 @@
         </p:blipFill>
         <p:spPr bwMode="auto">
           <a:xfrm>
-            <a:off x="2393694" y="3048000"/>
-            <a:ext cx="4235706" cy="3495675"/>
+            <a:off x="2590800" y="5105400"/>
+            <a:ext cx="3581400" cy="1514475"/>
           </a:xfrm>
           <a:prstGeom prst="rect">
             <a:avLst/>
@@ -9100,7 +9525,7 @@
     </p:spTree>
     <p:extLst>
       <p:ext uri="{BB962C8B-B14F-4D97-AF65-F5344CB8AC3E}">
-        <p14:creationId xmlns:p14="http://schemas.microsoft.com/office/powerpoint/2010/main" val="2973984211"/>
+        <p14:creationId xmlns:p14="http://schemas.microsoft.com/office/powerpoint/2010/main" val="1837489500"/>
       </p:ext>
     </p:extLst>
   </p:cSld>
@@ -9158,15 +9583,7 @@
           <a:p>
             <a:r>
               <a:rPr lang="en-US" sz="3200" b="1" dirty="0" smtClean="0"/>
-              <a:t>A </a:t>
-            </a:r>
-            <a:r>
-              <a:rPr lang="en-US" sz="3200" b="1" dirty="0"/>
-              <a:t>bit of </a:t>
-            </a:r>
-            <a:r>
-              <a:rPr lang="en-US" sz="3200" b="1" dirty="0" smtClean="0"/>
-              <a:t>Bash history</a:t>
+              <a:t>The current status of Bash</a:t>
             </a:r>
             <a:r>
               <a:rPr lang="en-US" sz="3200" b="1" dirty="0"/>
@@ -9202,80 +9619,82 @@
           <a:p>
             <a:r>
               <a:rPr lang="da-DK" dirty="0" smtClean="0"/>
-              <a:t>Initial development by Brian Fox in 1989 as a part of GNU project... And it’s still alive!</a:t>
-            </a:r>
+              <a:t>Bash is well maintained and is under regular development</a:t>
+            </a:r>
+          </a:p>
+          <a:p>
+            <a:pPr lvl="1"/>
+            <a:r>
+              <a:rPr lang="en-US" dirty="0"/>
+              <a:t>Webpage: </a:t>
+            </a:r>
+            <a:r>
+              <a:rPr lang="en-US" sz="1800" dirty="0">
+                <a:hlinkClick r:id="rId2"/>
+              </a:rPr>
+              <a:t>https://www.gnu.org/software/bash/</a:t>
+            </a:r>
+            <a:endParaRPr lang="en-US" sz="1800" dirty="0"/>
+          </a:p>
+          <a:p>
+            <a:pPr lvl="1"/>
+            <a:r>
+              <a:rPr lang="en-US" dirty="0" smtClean="0"/>
+              <a:t>Source code:</a:t>
+            </a:r>
+            <a:r>
+              <a:rPr lang="en-US" dirty="0"/>
+              <a:t> </a:t>
+            </a:r>
+            <a:r>
+              <a:rPr lang="en-US" sz="1800" dirty="0">
+                <a:hlinkClick r:id="rId3"/>
+              </a:rPr>
+              <a:t>http://</a:t>
+            </a:r>
+            <a:r>
+              <a:rPr lang="en-US" sz="1800" dirty="0" smtClean="0">
+                <a:hlinkClick r:id="rId3"/>
+              </a:rPr>
+              <a:t>git.savannah.gnu.org/cgit/bash.git</a:t>
+            </a:r>
+            <a:endParaRPr lang="da-DK" sz="1800" dirty="0" smtClean="0"/>
           </a:p>
           <a:p>
             <a:r>
               <a:rPr lang="da-DK" dirty="0" smtClean="0"/>
-              <a:t>Bash is an acronym for ‘Bourne-again shell’</a:t>
+              <a:t>Latest release: version </a:t>
+            </a:r>
+            <a:r>
+              <a:rPr lang="en-GB" dirty="0" smtClean="0"/>
+              <a:t>5.2.15 (December 13, </a:t>
+            </a:r>
+            <a:r>
+              <a:rPr lang="en-GB" dirty="0" smtClean="0"/>
+              <a:t>2022)</a:t>
             </a:r>
           </a:p>
           <a:p>
             <a:pPr lvl="1"/>
             <a:r>
-              <a:rPr lang="da-DK" dirty="0"/>
-              <a:t>T</a:t>
+              <a:rPr lang="en-GB" dirty="0" smtClean="0"/>
+              <a:t>The current maintainer</a:t>
+            </a:r>
+            <a:r>
+              <a:rPr lang="en-GB" dirty="0"/>
+              <a:t>: </a:t>
+            </a:r>
+            <a:r>
+              <a:rPr lang="en-GB" dirty="0" smtClean="0"/>
+              <a:t>Chet </a:t>
+            </a:r>
+            <a:r>
+              <a:rPr lang="en-GB" dirty="0"/>
+              <a:t>Ramey</a:t>
             </a:r>
             <a:r>
               <a:rPr lang="da-DK" dirty="0" smtClean="0"/>
-              <a:t>he </a:t>
-            </a:r>
-            <a:r>
-              <a:rPr lang="da-DK" dirty="0"/>
-              <a:t>original </a:t>
-            </a:r>
-            <a:r>
-              <a:rPr lang="da-DK" dirty="0" smtClean="0"/>
-              <a:t>shell ‘sh’ </a:t>
-            </a:r>
-            <a:r>
-              <a:rPr lang="da-DK" dirty="0"/>
-              <a:t>was </a:t>
-            </a:r>
-            <a:r>
-              <a:rPr lang="da-DK" dirty="0" smtClean="0"/>
-              <a:t>written in 1977 by </a:t>
-            </a:r>
-            <a:r>
-              <a:rPr lang="da-DK" dirty="0"/>
-              <a:t>Stephen </a:t>
-            </a:r>
-            <a:r>
-              <a:rPr lang="da-DK" dirty="0" smtClean="0"/>
-              <a:t>Bourne</a:t>
-            </a:r>
-            <a:endParaRPr lang="da-DK" dirty="0"/>
-          </a:p>
-          <a:p>
-            <a:r>
-              <a:rPr lang="da-DK" dirty="0" smtClean="0"/>
-              <a:t>Written entirely in C </a:t>
-            </a:r>
-          </a:p>
-          <a:p>
-            <a:pPr lvl="1"/>
-            <a:r>
-              <a:rPr lang="da-DK" dirty="0" smtClean="0"/>
-              <a:t>Linux kernel is mostly written in C</a:t>
-            </a:r>
-          </a:p>
-          <a:p>
-            <a:r>
-              <a:rPr lang="da-DK" dirty="0" smtClean="0"/>
-              <a:t>Executable: /bin/bash</a:t>
-            </a:r>
-          </a:p>
-          <a:p>
-            <a:r>
-              <a:rPr lang="da-DK" dirty="0" smtClean="0"/>
-              <a:t>File extension: .sh</a:t>
-            </a:r>
-          </a:p>
-          <a:p>
-            <a:r>
-              <a:rPr lang="da-DK" dirty="0" smtClean="0"/>
-              <a:t>Command processor / interpreted / scripting language</a:t>
+              <a:t> </a:t>
             </a:r>
           </a:p>
         </p:txBody>
@@ -9357,7 +9776,7 @@
           <p:nvPr/>
         </p:nvPicPr>
         <p:blipFill>
-          <a:blip r:embed="rId2">
+          <a:blip r:embed="rId4">
             <a:extLst>
               <a:ext uri="{28A0092B-C50C-407E-A947-70E740481C1C}">
                 <a14:useLocalDpi xmlns:a14="http://schemas.microsoft.com/office/drawing/2010/main" val="0"/>
@@ -9371,7 +9790,7 @@
         </p:blipFill>
         <p:spPr bwMode="auto">
           <a:xfrm>
-            <a:off x="2590800" y="5105400"/>
+            <a:off x="2590800" y="4429125"/>
             <a:ext cx="3581400" cy="1514475"/>
           </a:xfrm>
           <a:prstGeom prst="rect">
@@ -9392,7 +9811,7 @@
     </p:spTree>
     <p:extLst>
       <p:ext uri="{BB962C8B-B14F-4D97-AF65-F5344CB8AC3E}">
-        <p14:creationId xmlns:p14="http://schemas.microsoft.com/office/powerpoint/2010/main" val="1837489500"/>
+        <p14:creationId xmlns:p14="http://schemas.microsoft.com/office/powerpoint/2010/main" val="1664372768"/>
       </p:ext>
     </p:extLst>
   </p:cSld>
@@ -9450,11 +9869,7 @@
           <a:p>
             <a:r>
               <a:rPr lang="en-US" sz="3200" b="1" dirty="0" smtClean="0"/>
-              <a:t>The current status of Bash</a:t>
-            </a:r>
-            <a:r>
-              <a:rPr lang="en-US" sz="3200" b="1" dirty="0"/>
-              <a:t> </a:t>
+              <a:t>Testing Bash code online?</a:t>
             </a:r>
             <a:endParaRPr lang="en-US" sz="3200" b="1" dirty="0">
               <a:effectLst/>
@@ -9475,7 +9890,7 @@
         <p:spPr>
           <a:xfrm>
             <a:off x="304800" y="1371600"/>
-            <a:ext cx="8686800" cy="3962400"/>
+            <a:ext cx="8686800" cy="1828800"/>
           </a:xfrm>
         </p:spPr>
         <p:txBody>
@@ -9485,79 +9900,35 @@
           <a:lstStyle/>
           <a:p>
             <a:r>
+              <a:rPr lang="en-GB" dirty="0" smtClean="0"/>
+              <a:t>In the case you do not have currently the access to </a:t>
+            </a:r>
+            <a:r>
               <a:rPr lang="da-DK" dirty="0" smtClean="0"/>
-              <a:t>Bash is well maintained and is under regular development</a:t>
+              <a:t>the computer running Linux, you can test your Bash code online</a:t>
             </a:r>
           </a:p>
           <a:p>
             <a:pPr lvl="1"/>
             <a:r>
-              <a:rPr lang="en-US" dirty="0"/>
-              <a:t>Webpage: </a:t>
-            </a:r>
-            <a:r>
-              <a:rPr lang="en-US" sz="1800" dirty="0">
+              <a:rPr lang="da-DK" dirty="0" smtClean="0"/>
+              <a:t>For instance: </a:t>
+            </a:r>
+            <a:r>
+              <a:rPr lang="en-GB" sz="1800" dirty="0">
                 <a:hlinkClick r:id="rId2"/>
               </a:rPr>
-              <a:t>https://www.gnu.org/software/bash/</a:t>
-            </a:r>
-            <a:endParaRPr lang="en-US" sz="1800" dirty="0"/>
-          </a:p>
-          <a:p>
-            <a:pPr lvl="1"/>
-            <a:r>
-              <a:rPr lang="en-US" dirty="0" smtClean="0"/>
-              <a:t>Source code:</a:t>
-            </a:r>
-            <a:r>
-              <a:rPr lang="en-US" dirty="0"/>
-              <a:t> </a:t>
-            </a:r>
-            <a:r>
-              <a:rPr lang="en-US" sz="1800" dirty="0">
-                <a:hlinkClick r:id="rId3"/>
+              <a:t>https://</a:t>
+            </a:r>
+            <a:r>
+              <a:rPr lang="en-GB" sz="1800" dirty="0" smtClean="0">
+                <a:hlinkClick r:id="rId2"/>
               </a:rPr>
-              <a:t>http://</a:t>
-            </a:r>
-            <a:r>
-              <a:rPr lang="en-US" sz="1800" dirty="0" smtClean="0">
-                <a:hlinkClick r:id="rId3"/>
-              </a:rPr>
-              <a:t>git.savannah.gnu.org/cgit/bash.git</a:t>
-            </a:r>
-            <a:endParaRPr lang="da-DK" sz="1800" dirty="0" smtClean="0"/>
-          </a:p>
-          <a:p>
-            <a:r>
-              <a:rPr lang="da-DK" dirty="0" smtClean="0"/>
-              <a:t>Latest release: version </a:t>
-            </a:r>
-            <a:r>
-              <a:rPr lang="en-GB" dirty="0" smtClean="0"/>
-              <a:t>5.1.16 (January 5, 2022)</a:t>
-            </a:r>
-          </a:p>
-          <a:p>
-            <a:pPr lvl="1"/>
-            <a:r>
-              <a:rPr lang="en-GB" dirty="0" smtClean="0"/>
-              <a:t>The current maintainer</a:t>
-            </a:r>
-            <a:r>
-              <a:rPr lang="en-GB" dirty="0"/>
-              <a:t>: </a:t>
-            </a:r>
-            <a:r>
-              <a:rPr lang="en-GB" dirty="0" smtClean="0"/>
-              <a:t>Chet </a:t>
-            </a:r>
-            <a:r>
-              <a:rPr lang="en-GB" dirty="0"/>
-              <a:t>Ramey</a:t>
-            </a:r>
-            <a:r>
-              <a:rPr lang="da-DK" dirty="0" smtClean="0"/>
-              <a:t> </a:t>
+              <a:t>www.tutorialspoint.com/execute_bash_online.php</a:t>
+            </a:r>
+            <a:r>
+              <a:rPr lang="da-DK" sz="1800" dirty="0" smtClean="0"/>
+              <a:t>  </a:t>
             </a:r>
           </a:p>
         </p:txBody>
@@ -9639,7 +10010,7 @@
           <p:nvPr/>
         </p:nvPicPr>
         <p:blipFill>
-          <a:blip r:embed="rId4">
+          <a:blip r:embed="rId3">
             <a:extLst>
               <a:ext uri="{28A0092B-C50C-407E-A947-70E740481C1C}">
                 <a14:useLocalDpi xmlns:a14="http://schemas.microsoft.com/office/drawing/2010/main" val="0"/>
@@ -9653,7 +10024,7 @@
         </p:blipFill>
         <p:spPr bwMode="auto">
           <a:xfrm>
-            <a:off x="2590800" y="4429125"/>
+            <a:off x="2590800" y="4200525"/>
             <a:ext cx="3581400" cy="1514475"/>
           </a:xfrm>
           <a:prstGeom prst="rect">
@@ -9671,10 +10042,215 @@
           </a:extLst>
         </p:spPr>
       </p:pic>
+      <p:sp>
+        <p:nvSpPr>
+          <p:cNvPr id="8" name="Content Placeholder 2"/>
+          <p:cNvSpPr txBox="1">
+            <a:spLocks/>
+          </p:cNvSpPr>
+          <p:nvPr/>
+        </p:nvSpPr>
+        <p:spPr>
+          <a:xfrm>
+            <a:off x="304800" y="2590800"/>
+            <a:ext cx="8686800" cy="1828800"/>
+          </a:xfrm>
+          <a:prstGeom prst="rect">
+            <a:avLst/>
+          </a:prstGeom>
+        </p:spPr>
+        <p:txBody>
+          <a:bodyPr vert="horz">
+            <a:normAutofit/>
+          </a:bodyPr>
+          <a:lstStyle>
+            <a:lvl1pPr marL="365760" indent="-256032" algn="l" rtl="0" eaLnBrk="1" latinLnBrk="0" hangingPunct="1">
+              <a:spcBef>
+                <a:spcPts val="300"/>
+              </a:spcBef>
+              <a:buClr>
+                <a:schemeClr val="tx1"/>
+              </a:buClr>
+              <a:buSzPct val="125000"/>
+              <a:buFont typeface="Arial" panose="020B0604020202020204" pitchFamily="34" charset="0"/>
+              <a:buChar char="•"/>
+              <a:defRPr kumimoji="0" sz="2400" kern="1200">
+                <a:solidFill>
+                  <a:schemeClr val="tx1"/>
+                </a:solidFill>
+                <a:latin typeface="Helvetica" pitchFamily="34" charset="0"/>
+                <a:ea typeface="+mn-ea"/>
+                <a:cs typeface="+mn-cs"/>
+              </a:defRPr>
+            </a:lvl1pPr>
+            <a:lvl2pPr marL="658368" indent="-246888" algn="l" rtl="0" eaLnBrk="1" latinLnBrk="0" hangingPunct="1">
+              <a:spcBef>
+                <a:spcPts val="300"/>
+              </a:spcBef>
+              <a:buClr>
+                <a:schemeClr val="accent2"/>
+              </a:buClr>
+              <a:buSzPct val="90000"/>
+              <a:buFont typeface="Courier New" panose="02070309020205020404" pitchFamily="49" charset="0"/>
+              <a:buChar char="o"/>
+              <a:defRPr kumimoji="0" sz="2200" kern="1200">
+                <a:solidFill>
+                  <a:schemeClr val="accent2"/>
+                </a:solidFill>
+                <a:latin typeface="Helvetica" pitchFamily="34" charset="0"/>
+                <a:ea typeface="+mn-ea"/>
+                <a:cs typeface="+mn-cs"/>
+              </a:defRPr>
+            </a:lvl2pPr>
+            <a:lvl3pPr marL="923544" indent="-219456" algn="l" rtl="0" eaLnBrk="1" latinLnBrk="0" hangingPunct="1">
+              <a:spcBef>
+                <a:spcPts val="300"/>
+              </a:spcBef>
+              <a:buClr>
+                <a:schemeClr val="accent1"/>
+              </a:buClr>
+              <a:buFont typeface="Wingdings 2"/>
+              <a:buChar char=""/>
+              <a:defRPr kumimoji="0" sz="1800" kern="1200">
+                <a:solidFill>
+                  <a:schemeClr val="accent1"/>
+                </a:solidFill>
+                <a:latin typeface="Helvetica" pitchFamily="34" charset="0"/>
+                <a:ea typeface="+mn-ea"/>
+                <a:cs typeface="+mn-cs"/>
+              </a:defRPr>
+            </a:lvl3pPr>
+            <a:lvl4pPr marL="1179576" indent="-201168" algn="l" rtl="0" eaLnBrk="1" latinLnBrk="0" hangingPunct="1">
+              <a:spcBef>
+                <a:spcPts val="300"/>
+              </a:spcBef>
+              <a:buClr>
+                <a:schemeClr val="accent1"/>
+              </a:buClr>
+              <a:buFont typeface="Wingdings 2"/>
+              <a:buChar char=""/>
+              <a:defRPr kumimoji="0" sz="1400" kern="1200">
+                <a:solidFill>
+                  <a:schemeClr val="accent1"/>
+                </a:solidFill>
+                <a:latin typeface="Helvetica" pitchFamily="34" charset="0"/>
+                <a:ea typeface="+mn-ea"/>
+                <a:cs typeface="+mn-cs"/>
+              </a:defRPr>
+            </a:lvl4pPr>
+            <a:lvl5pPr marL="1389888" indent="-182880" algn="l" rtl="0" eaLnBrk="1" latinLnBrk="0" hangingPunct="1">
+              <a:spcBef>
+                <a:spcPts val="300"/>
+              </a:spcBef>
+              <a:buClr>
+                <a:schemeClr val="accent3"/>
+              </a:buClr>
+              <a:buFont typeface="Georgia"/>
+              <a:buChar char="▫"/>
+              <a:defRPr kumimoji="0" sz="1400" kern="1200">
+                <a:solidFill>
+                  <a:schemeClr val="accent3"/>
+                </a:solidFill>
+                <a:latin typeface="Helvetica" pitchFamily="34" charset="0"/>
+                <a:ea typeface="+mn-ea"/>
+                <a:cs typeface="+mn-cs"/>
+              </a:defRPr>
+            </a:lvl5pPr>
+            <a:lvl6pPr marL="1609344" indent="-182880" algn="l" rtl="0" eaLnBrk="1" latinLnBrk="0" hangingPunct="1">
+              <a:spcBef>
+                <a:spcPts val="300"/>
+              </a:spcBef>
+              <a:buClr>
+                <a:schemeClr val="accent3"/>
+              </a:buClr>
+              <a:buFont typeface="Georgia"/>
+              <a:buChar char="▫"/>
+              <a:defRPr kumimoji="0" sz="1800" kern="1200">
+                <a:solidFill>
+                  <a:schemeClr val="accent3"/>
+                </a:solidFill>
+                <a:latin typeface="+mn-lt"/>
+                <a:ea typeface="+mn-ea"/>
+                <a:cs typeface="+mn-cs"/>
+              </a:defRPr>
+            </a:lvl6pPr>
+            <a:lvl7pPr marL="1828800" indent="-182880" algn="l" rtl="0" eaLnBrk="1" latinLnBrk="0" hangingPunct="1">
+              <a:spcBef>
+                <a:spcPts val="300"/>
+              </a:spcBef>
+              <a:buClr>
+                <a:schemeClr val="accent3"/>
+              </a:buClr>
+              <a:buFont typeface="Georgia"/>
+              <a:buChar char="▫"/>
+              <a:defRPr kumimoji="0" sz="1600" kern="1200">
+                <a:solidFill>
+                  <a:schemeClr val="accent3"/>
+                </a:solidFill>
+                <a:latin typeface="+mn-lt"/>
+                <a:ea typeface="+mn-ea"/>
+                <a:cs typeface="+mn-cs"/>
+              </a:defRPr>
+            </a:lvl7pPr>
+            <a:lvl8pPr marL="2029968" indent="-182880" algn="l" rtl="0" eaLnBrk="1" latinLnBrk="0" hangingPunct="1">
+              <a:spcBef>
+                <a:spcPts val="300"/>
+              </a:spcBef>
+              <a:buClr>
+                <a:schemeClr val="accent3"/>
+              </a:buClr>
+              <a:buFont typeface="Georgia"/>
+              <a:buChar char="◦"/>
+              <a:defRPr kumimoji="0" sz="1500" kern="1200">
+                <a:solidFill>
+                  <a:schemeClr val="accent3"/>
+                </a:solidFill>
+                <a:latin typeface="+mn-lt"/>
+                <a:ea typeface="+mn-ea"/>
+                <a:cs typeface="+mn-cs"/>
+              </a:defRPr>
+            </a:lvl8pPr>
+            <a:lvl9pPr marL="2240280" indent="-182880" algn="l" rtl="0" eaLnBrk="1" latinLnBrk="0" hangingPunct="1">
+              <a:spcBef>
+                <a:spcPts val="300"/>
+              </a:spcBef>
+              <a:buClr>
+                <a:schemeClr val="accent3"/>
+              </a:buClr>
+              <a:buFont typeface="Georgia"/>
+              <a:buChar char="◦"/>
+              <a:defRPr kumimoji="0" sz="1400" kern="1200" baseline="0">
+                <a:solidFill>
+                  <a:schemeClr val="accent3"/>
+                </a:solidFill>
+                <a:latin typeface="+mn-lt"/>
+                <a:ea typeface="+mn-ea"/>
+                <a:cs typeface="+mn-cs"/>
+              </a:defRPr>
+            </a:lvl9pPr>
+          </a:lstStyle>
+          <a:p>
+            <a:pPr fontAlgn="auto">
+              <a:spcAft>
+                <a:spcPts val="0"/>
+              </a:spcAft>
+            </a:pPr>
+            <a:r>
+              <a:rPr lang="en-GB" dirty="0" smtClean="0">
+                <a:effectLst/>
+              </a:rPr>
+              <a:t>Use this link only as a temporary solution, as this is not a development environment</a:t>
+            </a:r>
+            <a:endParaRPr lang="da-DK" dirty="0" smtClean="0">
+              <a:effectLst/>
+            </a:endParaRPr>
+          </a:p>
+        </p:txBody>
+      </p:sp>
     </p:spTree>
     <p:extLst>
       <p:ext uri="{BB962C8B-B14F-4D97-AF65-F5344CB8AC3E}">
-        <p14:creationId xmlns:p14="http://schemas.microsoft.com/office/powerpoint/2010/main" val="1664372768"/>
+        <p14:creationId xmlns:p14="http://schemas.microsoft.com/office/powerpoint/2010/main" val="2622688467"/>
       </p:ext>
     </p:extLst>
   </p:cSld>
@@ -9732,7 +10308,15 @@
           <a:p>
             <a:r>
               <a:rPr lang="en-US" sz="3200" b="1" dirty="0" smtClean="0"/>
-              <a:t>Testing Bash code online?</a:t>
+              <a:t>Interpreted vs. compiled languages</a:t>
+            </a:r>
+            <a:r>
+              <a:rPr lang="en-US" sz="3200" dirty="0" smtClean="0"/>
+              <a:t> </a:t>
+            </a:r>
+            <a:r>
+              <a:rPr lang="en-US" sz="3200" b="1" dirty="0"/>
+              <a:t> </a:t>
             </a:r>
             <a:endParaRPr lang="en-US" sz="3200" b="1" dirty="0">
               <a:effectLst/>
@@ -9753,7 +10337,7 @@
         <p:spPr>
           <a:xfrm>
             <a:off x="304800" y="1371600"/>
-            <a:ext cx="8686800" cy="1828800"/>
+            <a:ext cx="8686800" cy="3962400"/>
           </a:xfrm>
         </p:spPr>
         <p:txBody>
@@ -9763,35 +10347,79 @@
           <a:lstStyle/>
           <a:p>
             <a:r>
-              <a:rPr lang="en-GB" dirty="0" smtClean="0"/>
-              <a:t>In the case you do not have currently the access to </a:t>
-            </a:r>
-            <a:r>
               <a:rPr lang="da-DK" dirty="0" smtClean="0"/>
-              <a:t>the computer running Linux, you can test your Bash code online</a:t>
+              <a:t>Interpreted: </a:t>
             </a:r>
           </a:p>
           <a:p>
             <a:pPr lvl="1"/>
             <a:r>
+              <a:rPr lang="da-DK" dirty="0"/>
+              <a:t>w</a:t>
+            </a:r>
+            <a:r>
               <a:rPr lang="da-DK" dirty="0" smtClean="0"/>
-              <a:t>For instance: </a:t>
-            </a:r>
-            <a:r>
-              <a:rPr lang="en-GB" sz="1800" dirty="0">
-                <a:hlinkClick r:id="rId2"/>
-              </a:rPr>
-              <a:t>https://</a:t>
-            </a:r>
-            <a:r>
-              <a:rPr lang="en-GB" sz="1800" dirty="0" smtClean="0">
-                <a:hlinkClick r:id="rId2"/>
-              </a:rPr>
-              <a:t>www.tutorialspoint.com/execute_bash_online.php</a:t>
-            </a:r>
-            <a:r>
-              <a:rPr lang="da-DK" sz="1800" dirty="0" smtClean="0"/>
-              <a:t>  </a:t>
+              <a:t>rite code &amp; execute line-by-line</a:t>
+            </a:r>
+          </a:p>
+          <a:p>
+            <a:pPr lvl="1"/>
+            <a:r>
+              <a:rPr lang="da-DK" dirty="0" smtClean="0"/>
+              <a:t>less reliable (there is no compiler to catch the errors!)  </a:t>
+            </a:r>
+          </a:p>
+          <a:p>
+            <a:pPr lvl="1"/>
+            <a:r>
+              <a:rPr lang="da-DK" dirty="0" smtClean="0"/>
+              <a:t>source code can be easily read and copied </a:t>
+            </a:r>
+          </a:p>
+          <a:p>
+            <a:pPr lvl="1"/>
+            <a:r>
+              <a:rPr lang="da-DK" dirty="0"/>
+              <a:t>e</a:t>
+            </a:r>
+            <a:r>
+              <a:rPr lang="da-DK" dirty="0" smtClean="0"/>
+              <a:t>xamples: Bash, Python, Mathematica, JavaScript</a:t>
+            </a:r>
+          </a:p>
+          <a:p>
+            <a:r>
+              <a:rPr lang="da-DK" dirty="0" smtClean="0"/>
+              <a:t>Compiled: </a:t>
+            </a:r>
+          </a:p>
+          <a:p>
+            <a:pPr lvl="1"/>
+            <a:r>
+              <a:rPr lang="da-DK" dirty="0"/>
+              <a:t>w</a:t>
+            </a:r>
+            <a:r>
+              <a:rPr lang="da-DK" dirty="0" smtClean="0"/>
+              <a:t>rite code &amp; compile &amp; execute the compiled file (‘binaries’)</a:t>
+            </a:r>
+          </a:p>
+          <a:p>
+            <a:pPr lvl="1"/>
+            <a:r>
+              <a:rPr lang="en-US" dirty="0" smtClean="0"/>
+              <a:t>generally runs faster than interpreted code</a:t>
+            </a:r>
+          </a:p>
+          <a:p>
+            <a:pPr lvl="1"/>
+            <a:r>
+              <a:rPr lang="da-DK" dirty="0"/>
+              <a:t>e</a:t>
+            </a:r>
+            <a:r>
+              <a:rPr lang="da-DK" dirty="0" smtClean="0"/>
+              <a:t>xamples: C, C++, Java, Go</a:t>
             </a:r>
           </a:p>
         </p:txBody>
@@ -9864,256 +10492,10 @@
           </a:p>
         </p:txBody>
       </p:sp>
-      <p:pic>
-        <p:nvPicPr>
-          <p:cNvPr id="2050" name="Picture 2" descr="https://camo.githubusercontent.com/7c9b27101ba491969d016f2f2427c3e066f7bd0b/68747470733a2f2f63646e2e7261776769742e636f6d2f6f64622f6f6666696369616c2d626173682d6c6f676f2f6d61737465722f6173736574732f4c6f676f732f4964656e746974792f504e472f424153485f6c6f676f2d7472616e73706172656e742d62672d636f6c6f722e706e67"/>
-          <p:cNvPicPr>
-            <a:picLocks noChangeAspect="1" noChangeArrowheads="1"/>
-          </p:cNvPicPr>
-          <p:nvPr/>
-        </p:nvPicPr>
-        <p:blipFill>
-          <a:blip r:embed="rId3">
-            <a:extLst>
-              <a:ext uri="{28A0092B-C50C-407E-A947-70E740481C1C}">
-                <a14:useLocalDpi xmlns:a14="http://schemas.microsoft.com/office/drawing/2010/main" val="0"/>
-              </a:ext>
-            </a:extLst>
-          </a:blip>
-          <a:srcRect/>
-          <a:stretch>
-            <a:fillRect/>
-          </a:stretch>
-        </p:blipFill>
-        <p:spPr bwMode="auto">
-          <a:xfrm>
-            <a:off x="2590800" y="4200525"/>
-            <a:ext cx="3581400" cy="1514475"/>
-          </a:xfrm>
-          <a:prstGeom prst="rect">
-            <a:avLst/>
-          </a:prstGeom>
-          <a:noFill/>
-          <a:extLst>
-            <a:ext uri="{909E8E84-426E-40DD-AFC4-6F175D3DCCD1}">
-              <a14:hiddenFill xmlns:a14="http://schemas.microsoft.com/office/drawing/2010/main">
-                <a:solidFill>
-                  <a:srgbClr val="FFFFFF"/>
-                </a:solidFill>
-              </a14:hiddenFill>
-            </a:ext>
-          </a:extLst>
-        </p:spPr>
-      </p:pic>
-      <p:sp>
-        <p:nvSpPr>
-          <p:cNvPr id="8" name="Content Placeholder 2"/>
-          <p:cNvSpPr txBox="1">
-            <a:spLocks/>
-          </p:cNvSpPr>
-          <p:nvPr/>
-        </p:nvSpPr>
-        <p:spPr>
-          <a:xfrm>
-            <a:off x="304800" y="2590800"/>
-            <a:ext cx="8686800" cy="1828800"/>
-          </a:xfrm>
-          <a:prstGeom prst="rect">
-            <a:avLst/>
-          </a:prstGeom>
-        </p:spPr>
-        <p:txBody>
-          <a:bodyPr vert="horz">
-            <a:normAutofit/>
-          </a:bodyPr>
-          <a:lstStyle>
-            <a:lvl1pPr marL="365760" indent="-256032" algn="l" rtl="0" eaLnBrk="1" latinLnBrk="0" hangingPunct="1">
-              <a:spcBef>
-                <a:spcPts val="300"/>
-              </a:spcBef>
-              <a:buClr>
-                <a:schemeClr val="tx1"/>
-              </a:buClr>
-              <a:buSzPct val="125000"/>
-              <a:buFont typeface="Arial" panose="020B0604020202020204" pitchFamily="34" charset="0"/>
-              <a:buChar char="•"/>
-              <a:defRPr kumimoji="0" sz="2400" kern="1200">
-                <a:solidFill>
-                  <a:schemeClr val="tx1"/>
-                </a:solidFill>
-                <a:latin typeface="Helvetica" pitchFamily="34" charset="0"/>
-                <a:ea typeface="+mn-ea"/>
-                <a:cs typeface="+mn-cs"/>
-              </a:defRPr>
-            </a:lvl1pPr>
-            <a:lvl2pPr marL="658368" indent="-246888" algn="l" rtl="0" eaLnBrk="1" latinLnBrk="0" hangingPunct="1">
-              <a:spcBef>
-                <a:spcPts val="300"/>
-              </a:spcBef>
-              <a:buClr>
-                <a:schemeClr val="accent2"/>
-              </a:buClr>
-              <a:buSzPct val="90000"/>
-              <a:buFont typeface="Courier New" panose="02070309020205020404" pitchFamily="49" charset="0"/>
-              <a:buChar char="o"/>
-              <a:defRPr kumimoji="0" sz="2200" kern="1200">
-                <a:solidFill>
-                  <a:schemeClr val="accent2"/>
-                </a:solidFill>
-                <a:latin typeface="Helvetica" pitchFamily="34" charset="0"/>
-                <a:ea typeface="+mn-ea"/>
-                <a:cs typeface="+mn-cs"/>
-              </a:defRPr>
-            </a:lvl2pPr>
-            <a:lvl3pPr marL="923544" indent="-219456" algn="l" rtl="0" eaLnBrk="1" latinLnBrk="0" hangingPunct="1">
-              <a:spcBef>
-                <a:spcPts val="300"/>
-              </a:spcBef>
-              <a:buClr>
-                <a:schemeClr val="accent1"/>
-              </a:buClr>
-              <a:buFont typeface="Wingdings 2"/>
-              <a:buChar char=""/>
-              <a:defRPr kumimoji="0" sz="1800" kern="1200">
-                <a:solidFill>
-                  <a:schemeClr val="accent1"/>
-                </a:solidFill>
-                <a:latin typeface="Helvetica" pitchFamily="34" charset="0"/>
-                <a:ea typeface="+mn-ea"/>
-                <a:cs typeface="+mn-cs"/>
-              </a:defRPr>
-            </a:lvl3pPr>
-            <a:lvl4pPr marL="1179576" indent="-201168" algn="l" rtl="0" eaLnBrk="1" latinLnBrk="0" hangingPunct="1">
-              <a:spcBef>
-                <a:spcPts val="300"/>
-              </a:spcBef>
-              <a:buClr>
-                <a:schemeClr val="accent1"/>
-              </a:buClr>
-              <a:buFont typeface="Wingdings 2"/>
-              <a:buChar char=""/>
-              <a:defRPr kumimoji="0" sz="1400" kern="1200">
-                <a:solidFill>
-                  <a:schemeClr val="accent1"/>
-                </a:solidFill>
-                <a:latin typeface="Helvetica" pitchFamily="34" charset="0"/>
-                <a:ea typeface="+mn-ea"/>
-                <a:cs typeface="+mn-cs"/>
-              </a:defRPr>
-            </a:lvl4pPr>
-            <a:lvl5pPr marL="1389888" indent="-182880" algn="l" rtl="0" eaLnBrk="1" latinLnBrk="0" hangingPunct="1">
-              <a:spcBef>
-                <a:spcPts val="300"/>
-              </a:spcBef>
-              <a:buClr>
-                <a:schemeClr val="accent3"/>
-              </a:buClr>
-              <a:buFont typeface="Georgia"/>
-              <a:buChar char="▫"/>
-              <a:defRPr kumimoji="0" sz="1400" kern="1200">
-                <a:solidFill>
-                  <a:schemeClr val="accent3"/>
-                </a:solidFill>
-                <a:latin typeface="Helvetica" pitchFamily="34" charset="0"/>
-                <a:ea typeface="+mn-ea"/>
-                <a:cs typeface="+mn-cs"/>
-              </a:defRPr>
-            </a:lvl5pPr>
-            <a:lvl6pPr marL="1609344" indent="-182880" algn="l" rtl="0" eaLnBrk="1" latinLnBrk="0" hangingPunct="1">
-              <a:spcBef>
-                <a:spcPts val="300"/>
-              </a:spcBef>
-              <a:buClr>
-                <a:schemeClr val="accent3"/>
-              </a:buClr>
-              <a:buFont typeface="Georgia"/>
-              <a:buChar char="▫"/>
-              <a:defRPr kumimoji="0" sz="1800" kern="1200">
-                <a:solidFill>
-                  <a:schemeClr val="accent3"/>
-                </a:solidFill>
-                <a:latin typeface="+mn-lt"/>
-                <a:ea typeface="+mn-ea"/>
-                <a:cs typeface="+mn-cs"/>
-              </a:defRPr>
-            </a:lvl6pPr>
-            <a:lvl7pPr marL="1828800" indent="-182880" algn="l" rtl="0" eaLnBrk="1" latinLnBrk="0" hangingPunct="1">
-              <a:spcBef>
-                <a:spcPts val="300"/>
-              </a:spcBef>
-              <a:buClr>
-                <a:schemeClr val="accent3"/>
-              </a:buClr>
-              <a:buFont typeface="Georgia"/>
-              <a:buChar char="▫"/>
-              <a:defRPr kumimoji="0" sz="1600" kern="1200">
-                <a:solidFill>
-                  <a:schemeClr val="accent3"/>
-                </a:solidFill>
-                <a:latin typeface="+mn-lt"/>
-                <a:ea typeface="+mn-ea"/>
-                <a:cs typeface="+mn-cs"/>
-              </a:defRPr>
-            </a:lvl7pPr>
-            <a:lvl8pPr marL="2029968" indent="-182880" algn="l" rtl="0" eaLnBrk="1" latinLnBrk="0" hangingPunct="1">
-              <a:spcBef>
-                <a:spcPts val="300"/>
-              </a:spcBef>
-              <a:buClr>
-                <a:schemeClr val="accent3"/>
-              </a:buClr>
-              <a:buFont typeface="Georgia"/>
-              <a:buChar char="◦"/>
-              <a:defRPr kumimoji="0" sz="1500" kern="1200">
-                <a:solidFill>
-                  <a:schemeClr val="accent3"/>
-                </a:solidFill>
-                <a:latin typeface="+mn-lt"/>
-                <a:ea typeface="+mn-ea"/>
-                <a:cs typeface="+mn-cs"/>
-              </a:defRPr>
-            </a:lvl8pPr>
-            <a:lvl9pPr marL="2240280" indent="-182880" algn="l" rtl="0" eaLnBrk="1" latinLnBrk="0" hangingPunct="1">
-              <a:spcBef>
-                <a:spcPts val="300"/>
-              </a:spcBef>
-              <a:buClr>
-                <a:schemeClr val="accent3"/>
-              </a:buClr>
-              <a:buFont typeface="Georgia"/>
-              <a:buChar char="◦"/>
-              <a:defRPr kumimoji="0" sz="1400" kern="1200" baseline="0">
-                <a:solidFill>
-                  <a:schemeClr val="accent3"/>
-                </a:solidFill>
-                <a:latin typeface="+mn-lt"/>
-                <a:ea typeface="+mn-ea"/>
-                <a:cs typeface="+mn-cs"/>
-              </a:defRPr>
-            </a:lvl9pPr>
-          </a:lstStyle>
-          <a:p>
-            <a:pPr fontAlgn="auto">
-              <a:spcAft>
-                <a:spcPts val="0"/>
-              </a:spcAft>
-            </a:pPr>
-            <a:r>
-              <a:rPr lang="en-GB" dirty="0" smtClean="0">
-                <a:effectLst/>
-              </a:rPr>
-              <a:t>Use this link only as a temporary solution, as this is not a development environment</a:t>
-            </a:r>
-            <a:endParaRPr lang="da-DK" dirty="0" smtClean="0">
-              <a:effectLst/>
-            </a:endParaRPr>
-          </a:p>
-        </p:txBody>
-      </p:sp>
     </p:spTree>
     <p:extLst>
       <p:ext uri="{BB962C8B-B14F-4D97-AF65-F5344CB8AC3E}">
-        <p14:creationId xmlns:p14="http://schemas.microsoft.com/office/powerpoint/2010/main" val="2622688467"/>
+        <p14:creationId xmlns:p14="http://schemas.microsoft.com/office/powerpoint/2010/main" val="2944019135"/>
       </p:ext>
     </p:extLst>
   </p:cSld>
@@ -10171,15 +10553,7 @@
           <a:p>
             <a:r>
               <a:rPr lang="en-US" sz="3200" b="1" dirty="0" smtClean="0"/>
-              <a:t>Interpreted vs. compiled languages</a:t>
-            </a:r>
-            <a:r>
-              <a:rPr lang="en-US" sz="3200" dirty="0" smtClean="0"/>
-              <a:t> </a:t>
-            </a:r>
-            <a:r>
-              <a:rPr lang="en-US" sz="3200" b="1" dirty="0"/>
-              <a:t> </a:t>
+              <a:t>Intermezzo: Popularity of languages</a:t>
             </a:r>
             <a:endParaRPr lang="en-US" sz="3200" b="1" dirty="0">
               <a:effectLst/>
@@ -10199,7 +10573,7 @@
         </p:nvSpPr>
         <p:spPr>
           <a:xfrm>
-            <a:off x="304800" y="1371600"/>
+            <a:off x="304800" y="1295400"/>
             <a:ext cx="8686800" cy="3962400"/>
           </a:xfrm>
         </p:spPr>
@@ -10210,79 +10584,8 @@
           <a:lstStyle/>
           <a:p>
             <a:r>
-              <a:rPr lang="da-DK" dirty="0" smtClean="0"/>
-              <a:t>Interpreted: </a:t>
-            </a:r>
-          </a:p>
-          <a:p>
-            <a:pPr lvl="1"/>
-            <a:r>
-              <a:rPr lang="da-DK" dirty="0"/>
-              <a:t>w</a:t>
-            </a:r>
-            <a:r>
-              <a:rPr lang="da-DK" dirty="0" smtClean="0"/>
-              <a:t>rite code &amp; execute line-by-line</a:t>
-            </a:r>
-          </a:p>
-          <a:p>
-            <a:pPr lvl="1"/>
-            <a:r>
-              <a:rPr lang="da-DK" dirty="0" smtClean="0"/>
-              <a:t>less reliable (there is no compiler to catch the errors!)  </a:t>
-            </a:r>
-          </a:p>
-          <a:p>
-            <a:pPr lvl="1"/>
-            <a:r>
-              <a:rPr lang="da-DK" dirty="0" smtClean="0"/>
-              <a:t>source code can be easily read and copied </a:t>
-            </a:r>
-          </a:p>
-          <a:p>
-            <a:pPr lvl="1"/>
-            <a:r>
-              <a:rPr lang="da-DK" dirty="0"/>
-              <a:t>e</a:t>
-            </a:r>
-            <a:r>
-              <a:rPr lang="da-DK" dirty="0" smtClean="0"/>
-              <a:t>xamples: Bash, Python, Mathematica, JavaScript</a:t>
-            </a:r>
-          </a:p>
-          <a:p>
-            <a:r>
-              <a:rPr lang="da-DK" dirty="0" smtClean="0"/>
-              <a:t>Compiled: </a:t>
-            </a:r>
-          </a:p>
-          <a:p>
-            <a:pPr lvl="1"/>
-            <a:r>
-              <a:rPr lang="da-DK" dirty="0"/>
-              <a:t>w</a:t>
-            </a:r>
-            <a:r>
-              <a:rPr lang="da-DK" dirty="0" smtClean="0"/>
-              <a:t>rite code &amp; compile &amp; execute the compiled file (‘binaries’)</a:t>
-            </a:r>
-          </a:p>
-          <a:p>
-            <a:pPr lvl="1"/>
-            <a:r>
-              <a:rPr lang="en-US" dirty="0" smtClean="0"/>
-              <a:t>generally runs faster than interpreted code</a:t>
-            </a:r>
-          </a:p>
-          <a:p>
-            <a:pPr lvl="1"/>
-            <a:r>
-              <a:rPr lang="da-DK" dirty="0"/>
-              <a:t>e</a:t>
-            </a:r>
-            <a:r>
-              <a:rPr lang="da-DK" dirty="0" smtClean="0"/>
-              <a:t>xamples: C, C++, Java, Go</a:t>
+              <a:rPr lang="da-DK" sz="2000" dirty="0" smtClean="0"/>
+              <a:t>As of recently, Python is the most popular programming language</a:t>
             </a:r>
           </a:p>
         </p:txBody>
@@ -10355,10 +10658,87 @@
           </a:p>
         </p:txBody>
       </p:sp>
+      <p:sp>
+        <p:nvSpPr>
+          <p:cNvPr id="8" name="TextBox 7"/>
+          <p:cNvSpPr txBox="1"/>
+          <p:nvPr/>
+        </p:nvSpPr>
+        <p:spPr>
+          <a:xfrm>
+            <a:off x="2873027" y="6324600"/>
+            <a:ext cx="3299173" cy="584775"/>
+          </a:xfrm>
+          <a:prstGeom prst="rect">
+            <a:avLst/>
+          </a:prstGeom>
+          <a:noFill/>
+        </p:spPr>
+        <p:txBody>
+          <a:bodyPr wrap="none" rtlCol="0">
+            <a:spAutoFit/>
+          </a:bodyPr>
+          <a:lstStyle/>
+          <a:p>
+            <a:r>
+              <a:rPr lang="en-GB" sz="1600" dirty="0">
+                <a:effectLst/>
+                <a:hlinkClick r:id="rId2"/>
+              </a:rPr>
+              <a:t>https://www.tiobe.com/tiobe-index</a:t>
+            </a:r>
+            <a:r>
+              <a:rPr lang="en-GB" sz="1600" dirty="0" smtClean="0">
+                <a:effectLst/>
+                <a:hlinkClick r:id="rId2"/>
+              </a:rPr>
+              <a:t>/</a:t>
+            </a:r>
+            <a:endParaRPr lang="en-GB" sz="1600" dirty="0" smtClean="0">
+              <a:effectLst/>
+            </a:endParaRPr>
+          </a:p>
+          <a:p>
+            <a:endParaRPr lang="en-GB" sz="1600" dirty="0" smtClean="0">
+              <a:effectLst/>
+            </a:endParaRPr>
+          </a:p>
+        </p:txBody>
+      </p:sp>
+      <p:pic>
+        <p:nvPicPr>
+          <p:cNvPr id="6" name="Picture 5"/>
+          <p:cNvPicPr>
+            <a:picLocks noChangeAspect="1"/>
+          </p:cNvPicPr>
+          <p:nvPr/>
+        </p:nvPicPr>
+        <p:blipFill>
+          <a:blip r:embed="rId3">
+            <a:extLst>
+              <a:ext uri="{28A0092B-C50C-407E-A947-70E740481C1C}">
+                <a14:useLocalDpi xmlns:a14="http://schemas.microsoft.com/office/drawing/2010/main" val="0"/>
+              </a:ext>
+            </a:extLst>
+          </a:blip>
+          <a:stretch>
+            <a:fillRect/>
+          </a:stretch>
+        </p:blipFill>
+        <p:spPr>
+          <a:xfrm>
+            <a:off x="0" y="2092355"/>
+            <a:ext cx="9144000" cy="3927445"/>
+          </a:xfrm>
+          <a:prstGeom prst="rect">
+            <a:avLst/>
+          </a:prstGeom>
+        </p:spPr>
+      </p:pic>
     </p:spTree>
     <p:extLst>
       <p:ext uri="{BB962C8B-B14F-4D97-AF65-F5344CB8AC3E}">
-        <p14:creationId xmlns:p14="http://schemas.microsoft.com/office/powerpoint/2010/main" val="2944019135"/>
+        <p14:creationId xmlns:p14="http://schemas.microsoft.com/office/powerpoint/2010/main" val="905223729"/>
       </p:ext>
     </p:extLst>
   </p:cSld>
@@ -10521,30 +10901,6 @@
           </a:p>
         </p:txBody>
       </p:sp>
-      <p:pic>
-        <p:nvPicPr>
-          <p:cNvPr id="7" name="Picture 6"/>
-          <p:cNvPicPr>
-            <a:picLocks noChangeAspect="1"/>
-          </p:cNvPicPr>
-          <p:nvPr/>
-        </p:nvPicPr>
-        <p:blipFill>
-          <a:blip r:embed="rId2"/>
-          <a:stretch>
-            <a:fillRect/>
-          </a:stretch>
-        </p:blipFill>
-        <p:spPr>
-          <a:xfrm>
-            <a:off x="533400" y="1722120"/>
-            <a:ext cx="8226696" cy="4754880"/>
-          </a:xfrm>
-          <a:prstGeom prst="rect">
-            <a:avLst/>
-          </a:prstGeom>
-        </p:spPr>
-      </p:pic>
       <p:sp>
         <p:nvSpPr>
           <p:cNvPr id="8" name="TextBox 7"/>
@@ -10553,220 +10909,7 @@
         </p:nvSpPr>
         <p:spPr>
           <a:xfrm>
-            <a:off x="2873027" y="6458188"/>
-            <a:ext cx="3299173" cy="584775"/>
-          </a:xfrm>
-          <a:prstGeom prst="rect">
-            <a:avLst/>
-          </a:prstGeom>
-          <a:noFill/>
-        </p:spPr>
-        <p:txBody>
-          <a:bodyPr wrap="none" rtlCol="0">
-            <a:spAutoFit/>
-          </a:bodyPr>
-          <a:lstStyle/>
-          <a:p>
-            <a:r>
-              <a:rPr lang="en-GB" sz="1600" dirty="0">
-                <a:effectLst/>
-                <a:hlinkClick r:id="rId3"/>
-              </a:rPr>
-              <a:t>https://www.tiobe.com/tiobe-index</a:t>
-            </a:r>
-            <a:r>
-              <a:rPr lang="en-GB" sz="1600" dirty="0" smtClean="0">
-                <a:effectLst/>
-                <a:hlinkClick r:id="rId3"/>
-              </a:rPr>
-              <a:t>/</a:t>
-            </a:r>
-            <a:endParaRPr lang="en-GB" sz="1600" dirty="0" smtClean="0">
-              <a:effectLst/>
-            </a:endParaRPr>
-          </a:p>
-          <a:p>
-            <a:endParaRPr lang="en-GB" sz="1600" dirty="0" smtClean="0">
-              <a:effectLst/>
-            </a:endParaRPr>
-          </a:p>
-        </p:txBody>
-      </p:sp>
-    </p:spTree>
-    <p:extLst>
-      <p:ext uri="{BB962C8B-B14F-4D97-AF65-F5344CB8AC3E}">
-        <p14:creationId xmlns:p14="http://schemas.microsoft.com/office/powerpoint/2010/main" val="905223729"/>
-      </p:ext>
-    </p:extLst>
-  </p:cSld>
-  <p:clrMapOvr>
-    <a:masterClrMapping/>
-  </p:clrMapOvr>
-  <p:timing>
-    <p:tnLst>
-      <p:par>
-        <p:cTn id="1" dur="indefinite" restart="never" nodeType="tmRoot"/>
-      </p:par>
-    </p:tnLst>
-  </p:timing>
-</p:sld>
-</file>
-
-<file path=ppt/slides/slide28.xml><?xml version="1.0" encoding="utf-8"?>
-<p:sld xmlns:a="http://schemas.openxmlformats.org/drawingml/2006/main" xmlns:r="http://schemas.openxmlformats.org/officeDocument/2006/relationships" xmlns:p="http://schemas.openxmlformats.org/presentationml/2006/main">
-  <p:cSld>
-    <p:spTree>
-      <p:nvGrpSpPr>
-        <p:cNvPr id="1" name=""/>
-        <p:cNvGrpSpPr/>
-        <p:nvPr/>
-      </p:nvGrpSpPr>
-      <p:grpSpPr>
-        <a:xfrm>
-          <a:off x="0" y="0"/>
-          <a:ext cx="0" cy="0"/>
-          <a:chOff x="0" y="0"/>
-          <a:chExt cx="0" cy="0"/>
-        </a:xfrm>
-      </p:grpSpPr>
-      <p:sp>
-        <p:nvSpPr>
-          <p:cNvPr id="2" name="Title 1"/>
-          <p:cNvSpPr>
-            <a:spLocks noGrp="1"/>
-          </p:cNvSpPr>
-          <p:nvPr>
-            <p:ph type="title"/>
-          </p:nvPr>
-        </p:nvSpPr>
-        <p:spPr>
-          <a:xfrm>
-            <a:off x="304800" y="533400"/>
-            <a:ext cx="8839200" cy="838200"/>
-          </a:xfrm>
-        </p:spPr>
-        <p:txBody>
-          <a:bodyPr>
-            <a:noAutofit/>
-          </a:bodyPr>
-          <a:lstStyle/>
-          <a:p>
-            <a:r>
-              <a:rPr lang="en-US" sz="3200" b="1" dirty="0" smtClean="0"/>
-              <a:t>Intermezzo: Popularity of languages</a:t>
-            </a:r>
-            <a:endParaRPr lang="en-US" sz="3200" b="1" dirty="0">
-              <a:effectLst/>
-            </a:endParaRPr>
-          </a:p>
-        </p:txBody>
-      </p:sp>
-      <p:sp>
-        <p:nvSpPr>
-          <p:cNvPr id="3" name="Content Placeholder 2"/>
-          <p:cNvSpPr>
-            <a:spLocks noGrp="1"/>
-          </p:cNvSpPr>
-          <p:nvPr>
-            <p:ph idx="1"/>
-          </p:nvPr>
-        </p:nvSpPr>
-        <p:spPr>
-          <a:xfrm>
-            <a:off x="304800" y="1295400"/>
-            <a:ext cx="8686800" cy="3962400"/>
-          </a:xfrm>
-        </p:spPr>
-        <p:txBody>
-          <a:bodyPr>
-            <a:normAutofit/>
-          </a:bodyPr>
-          <a:lstStyle/>
-          <a:p>
-            <a:r>
-              <a:rPr lang="da-DK" sz="2000" dirty="0" smtClean="0"/>
-              <a:t>As of recently, Python is the most popular programming language</a:t>
-            </a:r>
-          </a:p>
-        </p:txBody>
-      </p:sp>
-      <p:sp>
-        <p:nvSpPr>
-          <p:cNvPr id="4" name="Slide Number Placeholder 3"/>
-          <p:cNvSpPr>
-            <a:spLocks noGrp="1"/>
-          </p:cNvSpPr>
-          <p:nvPr>
-            <p:ph type="sldNum" sz="quarter" idx="12"/>
-          </p:nvPr>
-        </p:nvSpPr>
-        <p:spPr/>
-        <p:txBody>
-          <a:bodyPr/>
-          <a:lstStyle/>
-          <a:p>
-            <a:pPr>
-              <a:defRPr/>
-            </a:pPr>
-            <a:fld id="{B3B39CE4-1B0F-442B-AED0-7E4EF4FD7138}" type="slidenum">
-              <a:rPr lang="en-US" smtClean="0"/>
-              <a:pPr>
-                <a:defRPr/>
-              </a:pPr>
-              <a:t>28</a:t>
-            </a:fld>
-            <a:endParaRPr lang="en-US" dirty="0"/>
-          </a:p>
-        </p:txBody>
-      </p:sp>
-      <p:sp>
-        <p:nvSpPr>
-          <p:cNvPr id="5" name="AutoShape 2" descr="data:image/jpeg;base64,/9j/4AAQSkZJRgABAQAAAQABAAD/2wCEAAkGBxAPEBUPDxAQEBAPDxAQEA8PEBAQDw4PFREWFhUVFRUYHiggGBomHRYXITEhJSkrLi4uGB8zODMsNygtLisBCgoKDg0OGxAQFzIlHh8tListKy0tMS0tLS0tLS8tLi0tLS0vLSstLS0tLS0tLSstLS0wLS0tNzUtNzcrNy8tLv/AABEIAJ4BPwMBIgACEQEDEQH/xAAbAAACAwEBAQAAAAAAAAAAAAAAAQIEBQYDB//EAEMQAAEEAQMBBQMHCgUDBQAAAAEAAgMRBAUSITEGEyJBUTJhcRQVI4GRstEzUlNic4KSk6HBQkNUcrEHovAWY6Ph8f/EABkBAQEBAQEBAAAAAAAAAAAAAAABBAMCBf/EAC8RAAICAQIEBAUDBQAAAAAAAAABAhEDEiEEMUHwE1GR4SIyYYGxFEJiI0NSodH/2gAMAwEAAhEDEQA/APuKEIQAhCEAIQhACSaRQAkmkgEUJpKASCmkoUSSZQgEkmhCiKSaSgEkmkoASTSUKJJNCAikpJKAikpJKFEkmkoBJJpWEKAYSpdyfUJGVR71S0NxujPx+C8yp96k42psUghnVCbOqA2EIQtRxBCEIAQhCAEIQgEhBQgEkmUKASSaEKIpJpKAEk0kAkJpKFEkmkgEhMpKASSaShRJJpIBJKSShSKE0lAQkdQJ9FRdOvfUXVGT8P8AlYhn96zZZ06OkI2aJnS79Zpn96O/XHxDppNMTKbZllCf3qbZ/eqshNJsxutejOqpae+7+r+6us6rTB2rObVGuhCFsOAIQhACEIQAhCEAJJpFACSaRQAUk0lACRTSQokIKFAJJNBQokk0lAJJNCgEkmkoUSSaSASSkkoBJFNJQpXzot8bmjqWmviOQuNM67krj+1GnGN3fRj6N3tgf4HevwKx8XF1qXQ74WrplTv0d+sc5CXylfO8Q1aDaE69GzrEblLe0HTXzESOFRA3z/me4e73rpjbm6R4klFWzoNKiLYwT1f4vgPJXWdUJs6r6sVSSMbdmshCFrOIIQhACEIQAhCEAIQhAJCChAJBQhQCQhCFEUk0lAJCaSFEhMpKASSy4ceSW3meVtveA1pAa0BxAA49y9Pm1/8AqJv4m/guam3uonql5l9CofNr/wDUzfa38Ejpsn+pm/7PwU1S/wAfwKXmX1EmlROmyf6mb/s/BUs/Ela01kSurmjso1zR4XmWRpXp/B6UU+psd631XhmZrI2l3p6rEh1WM8FwBHUHghUdYzWTMMDHW5xF1zQXCfErTaPaxb7nSadqLZ2GSqYDV31I60vbHyWvBIPAJB+K4zE0zIa3YyTbH6bel9aW/h6RI1u0TvA61tZ1+xTFmyS/aWcIrqX58wDpR+KpS57zYLGOBFEG+QvX5kf+nd/BH+CkNFf+nP8ALj/Be34r6fg8rQupyc+jNJJbbbJpvUAelqo/Qz5O/ou2OiP/AE5/lsS+Y3/pv/iYsr4Nv9p2Wf6mLoXZ3HAD3u72Qc7Dw1p/2+f1rp6WPJAY3ljiHFoDg8DaaPlQV3Cyb4u/etGHTD4ao5zblvZbQ3qhNnVaDkaqEKMjw3r5kD6yaC0nIdrx+VN+qrJPG2zQsdRazNQztrbdQ8LgXPY9jQDI1vtCyDzx6qlLnfSBoJMjXlzQbc5he4xsDwzh0dWeTY4XCWZLY0w4aUlZvjI45FO4Lmgg7WkkWT6cL2Y8Hp5cLlflrW923Y+Nm8BjX7x+UL2uDjyHmxYB4pauBL+cSXVCHWS5wdt8w3wt+rhSGZN0XJw7irNdeQed5b5bA767IUo3X/8AlLyP5U/sh94rQZSwhcPg6zqUbAH40k8jy6y4BrY3hzfDwB4du43zyKtPO7TajC4Mdhs3Oe1jS0SuaXFhdxR5uq8tvnaA7dC4s9o9Uuvm4fl3M9skbBfn9hvolrGbq7oInQxNjm72Xvmx0WmMQF7K33/ipteddRaA7VC4sdodUsj5vBqZ7BTnDe0NcWmzwLIHPvUcXtFqr3MadPa3ewlznF4ax/ebRfurqPcgO2QuU0rVdRkyG97jtZAaZINrmmN/jJLST4qpoJ6GwQqseq6lGXnuJJnGcscx8bGxReJ20ROadzmkBniI43En0QHaoXHs1/UnUW4AFECRr3OaS7cAQw+nN2fRe+h6hnzZA76IxwGMk+HaN+1tcHkc2gOpQhCA8ioqRSXkpS0z2P35PvlXFS0z2P35PvlXLXPH8qPUuY0KG5G5etSJRJV8iOxS9tyRXl0yo5rP0ON5st5TwtFZGeG0uhLAgRhZv08Lujr4rqitDjgeStsbSKTtd4pI5t2TCahuRuXuzyTQkCherBzWvPqR59GN/us3QMovBN/4ir3aIHdIQCajbdc+qzez+K5jS3rtcQT+tfP9bXypt+L6muNaDrGOsA+5SZ1VfEdxSst6rdF2jgzUVLOl2tcQ7oK9oNa11W3c7yB4H1q6s7UQQd5LQG9Xv/JNbbbD23yTzR8l3yP4TzjScjEypDdNcG8vLiXzAsviVoe7w3u2ht+V0s3UtWjxoy6QiERvjm+kqOGJzjT4nOYfpHmya9Vbzxs3GUV4I9xnjdOSwTu8Jc00TyCBVhcT/wBRNzGQT+wzG1V78iRkNhhPsS7HGnAe/jlYYrVPS2fUm9GPUldd9+50Gha5jzOLIZWAR79zojIx8GOXAgmKQWbN80r+k9r8CR7Y4cmIFwmcIg55ETY7txqg1u0E8+a5LSdRxsnVGTt1KTNljxJWl8eHHFCI3dGPeDwb6WFk6Jpgk7PZboYw7IkdLucIy6ZzWz9A702g8BdvCjB8++130yPPPJG2u+33vf1LS+3ulzSjHjzI3SOdtjvftkPo17hTj8Cuj/zT+zb94r5HpHazRn4un4vyY5WQx8LG47IwZMeYcOkd6i+f6r64Pyp/Zt+8VqXIxvmUm6sdoLopLIshrSa9Aos1gkX3Et1YG08mul/0WnFM13LXNcASCWkGiOoU7VJyMyTVvzYZTQcTbSPZF0E36t0LYZXAuId4eW1V8efX+i0HyBoskAepNBDXAixVHmx0KAoO1Mgg93JsMe/2TvB3VVf+dUjrLQaMU11urZzVLRDwfTjrz0TtAZztUsO2RSW3oXtLWk7q+Neafzr/AOzMa60zi/ctC0WgM751H6Kb+Dp0/FeuLqAkO3u5G8E25tNv0VmOVrvZINEg0bojqFMFANCEIDyKSZSXkpR0z2P35PvlWyqWmnwfvyffKuLjD5Ue5cyKzu0ue/GwsnJjDS/HxZ5mB4JaXsjc4WBViwtFVNXwG5WPLjPLmsyIZIXObW5rZGFpIvi+VQcI/thmM0/5Y6WDc+fCiBk07Mx2QNmP0ji177mABFFtDg9bXth9s8uXHYI248s2VqT8HEygyWLFlja0udOYi4upu17du7kt6rbZ2SuFkE2blTxwzYk0IkbjNMRxnbmtBZGLBoA3Z8PFJZPYnHeJAJZ4zJnfOETonNa7Ey9tOdFx0dyS11jkr1tff09zzvXf19jWw2ZjYXiaTGkyPF3T2RyRQnwjbvYXOI5u6PSlxw7YZ0bM1jxi5D8bLxMPGyYmSR48mROWte17S5x+jLhdO93C62LSZBjSQPzMmR8wePlLjE2ePc3b9HsaGtqrHHWysfE7DRsxDguy8mSCo+5BbjRuxpGSCRsrHRxgl+4Akuu/Pqoq6l6Fc9oc9kOfGRivytMNmUNljgfC7HMwd3dk7h7O3cB52rGqavlt06PUGT40DW4TcjIEuNJNve6NrgI6lbt5JFG+oXueyDfk88PyvJ7zNeXZWURAZ52933ewgs2NbtoeFo6KZ7JsdiwYcuRPNFjTQygPEIMzYaMcUm1oBYCAfU0LKe3uPc09AlyH4sL8trG5D4mPmZGCGMe4XtAJPS66+SvoQowTaheb5KWdmansNDz/AKBSU1FblUWzH7QTyMyWiIOJcQPD1oNWjiDaPEA1x5PFWVWOoMDt4bbzxuPWlPvzMQy9pddHrXCxJrU3fPod3ySosYk4dIQ3o1vJ998K+zqvHExWxN2sHvJPVx9SvdvVaoJpbnKT8jTVPMbxwOvmCAS/o0UeD1/oriRC1NWjlF07OSnYWHvAdu3cSSIW950Y83u47x20g1xtVZ2M2R4adwcdkTZC7fP3LD4+9a+tzS4bbF3wuiycIXbW+yI+WiNgc0PJcCSOnmR9io5Wng7RtaSHubuoPDPF3kZc5/iJuuAasrDPEz6mPOmu+/8Apj6fhxxtt1DvGy7e8ijhhD99Rh8Y5LuDRW1p8LejGtY32i1rW13jhZdtNFt8iq814Q6ewU5sRYNu+nhpMW3lschNnlzi4EchauFjFtBwPh7sNJp/LWckP6nzFuTHjd79/c858ka27+yPTD0+FjjIyGNj3clwjja/nysBe/8Amn9m37xXsxlen1Lx/wA0/s2/eK3LkfNZhDR2ObujyOu8AcNYbNgAeQseSUGhNB3HI8DY6JY4NIcd19OjeennS0ToUXkXD4Vz093Hsj+qb9DiLHRguaJK3bdoJAN+nvWTwP4/7N/6nprfoil8xQ0QZrcNpslvhoOuh5DxH4UFW1LSGBoDJwDI4Nt76bdO54uzR46dArruzUQqi7hzS4miXtB6X7xx8CVI9mYDd7yHG6JBaOvAFdOR/CFHhbVaF6nqPERTvxH6Hnk6PG575BNtLn7y0Fo8QYAQT+6PgCfVQxtGYI2MfOSQS8lrqaS+Puxt+y/jyvSPszFTtxdb3SHh26gSQDZA5r7LI56q0NDi2sbbiI2bW9Pfz8fEVVid24L1PDzpKlkfp9DOOiRu+jGSdwa1tA9Swkm+f1ui9fmNnJOQ4l29zSSKG4jn3+zXvsq9JosbnOcS4F7nOsUCC6ro/UvKfs/C8MsvHdivCa3DdfP9ftKvg/wXqP1F/wBx+iKWRpEIBccjb9IHOoii4E8UD18X1cK3pODGyVzo5d5YwRPb1p3tWT6qMXZqFoIt5u6J2+GyORx1469Vd0vS2Y27YXHeQTuryFeQVhiaknpS+5MmZODSm39i8hCFqMJ5FJSKS8lM3TfY/fk++ValfTS6i4hpIaOrqHQe9VNNPg/fk++VYlaXNLQ4sJaQHiiWkjggHix71wh8p0fM4PC/6gSnBn1B8ONIIIw75LjSyuyseTcQY8lrmeCuLeBXB4W9ldsMeFsb54cyJsjYy578WQRwd5J3bRK7o0k+XPBF9QqMvYYz/KH5eWZp8rCdg99HjxY4ZEXB24taTvduA5J6cClV1v8A6eOzXB8+bueYYYnvOJE43FIXtdFZ+hB4Dg32q6rptZ43ov6326hx2ZZigyZ5NPDhKGwvEIeNtNMtEDh1+dAEkKMva5kUj5ZnSxQR6dHlPxZMUtmj3ZLo+8LrvyrZXTnzVyTsq18OfA6V23VJZZXEMAMHeQsjoc+Ktl3x1VDUuxDslsvfZhdJkadFgvkGO1oqPIdKJA0Or/Ftr3Xaiqu/Ir79S9D20xHtcQMgPZPDj9w/HkZkPknbui2xuo05oJs1wDdL2h7UwPwpdQDZmw44nLhJHskJhsPAaT+cC34grne23ZSWR0k8Imn+VZeDJNFAMfvIo8aCRgLBMdkluLTTqrrzS2OzOkyP004edE1jHtmhETRFG8YjiRGJBD4GybTZ28WnQdUVtJ7UZD5mR5TdPiMsTpnYseYX5+OzujI3dGWgP467aq75Ctwds8eTHblRwZ0kUhpmzDlLnjZuLwPzB03dL6WquH2MkbLDJNnSZDcSGeHHD4ImyBssfd/SyNNyENA8h0SzuwwlxMPF+UV83sDAX48c0U/0ezc6F5Ldw6tPO0+qOuhFfU9srt/gxta68iRr8RmaHQ48kgbiuJBkfQ8AFG7pWNL7UDIzpsJsEwbBHC9uTsd3UgkaXWTVNB42mzu56Us/G7BNZC6AZLiH6T817u6Fhu97u9rd18fs+7qtXTuz7sfKOSzIJZJjQQSwGJtPdA0tY8Pu28E23n4q7Dc1MlcprwcCHC+OvwXXShU8jFa7qFlz43NUjtjlpZxsWW0+YW7oDN79/wDhYKvyLj/9WsvN0qISkbfMdCR5D0XXYcDGMDY2hrasAe//AJWbh8bc9+h1ySVbdT1QzqhDeq+gZzTQhC0HIRFqBiF351X/AIF6IQHm2ECutjzs2ePP1UmtA6CvgpISi2CiGC93nVfVdqSEICEIQAhCEAIQhACEihANK0ihAStK1EoUAikmkoUy9P8AY/fk++VbVKAOjBa5jydzjbWOcCC4kchevf8A6kv8t/4LPF0qOr5li0bl4d/+rJ/Lf+CO/H5sn8t/4K6kSj3tFrw78ej/AOW/8Ejkt8w/+W/8E1IUWLRarfKm/rfwP/BHypv638D/AME1LzFFncjcq/ypnv8A4X/gvN+oRN4c8N/3WP8AlNS8xpZc3JFypfOkH6Vn2ps1GF3SRpr0N0prj5l0vyLRKRXj8sj/ADx/VQdqEPTvWA+m4I5R8xTMTUvyx+I+6Fu4Drjb8K+zhc7qM7XSktIcLHI5HQLc0d9x/BxWbC/6jOk18KLqG9UFNvVaziaKEIWg5ghCEAIQhACEIQAhCEAIQhACEIQAkmkUAJJpFACSaRUAJItJQoIQSkSgBFJWglCjpCSRKlglaLXmXKBkU1Cj3tczr3ilP6rWj+/91uOnAWLmlpcSbBcVm4iVxo641TswMhi3+xEVRySfnybR8GD8SVkZreDS3ezcrRjNA8i7d/uuysvDpLLfkdsr+A3ty4XtbFtyy7ykjY76x4T/AMBdf3y5jtYQ6WOuoY6/gXcf3Wji2pYznh2kZcC6vQPYd/u/sudxsf3rpNIbsBB86IWfhVUj3lexeIQ3qmUN6r6BnNBCELucwQhCAEIQgBCEIAQhCAEIQgBCEIAQhCASEFCASiVIopQpBCdIpQEUlOkqQpGkKVIpSgRpRcFMhRcEYPCRyqyzUrUjVWfDfouM76HtGFkauGyuaT5iufKl5T5zSLsLRy9Ehl5fGxx9SOftVT/0vj/mD4FzyPsKwyhlO6lA5/M1dgO1tvd6MFq9omY9jTuaW7nXXpwtiLRo2cNawD3L1+bx7l4jhyJ3Z7c41RWOpH0WFqupfSh7mkNIAvqBXqumOB8F5v0pruoaV6njySVWeYyimZ2BlNoEEG/NaHzkAqbuysR6FzP9j3NH2dE4uykQNl8jvcZHUpGOZckG4PqbuJkh7QfUK2w8qnjYYYAB0A9SrcbFvhqrc4Srof/Z"/>
-          <p:cNvSpPr>
-            <a:spLocks noChangeAspect="1" noChangeArrowheads="1"/>
-          </p:cNvSpPr>
-          <p:nvPr/>
-        </p:nvSpPr>
-        <p:spPr bwMode="auto">
-          <a:xfrm>
-            <a:off x="155575" y="-144463"/>
-            <a:ext cx="304800" cy="304801"/>
-          </a:xfrm>
-          <a:prstGeom prst="rect">
-            <a:avLst/>
-          </a:prstGeom>
-          <a:noFill/>
-          <a:extLst>
-            <a:ext uri="{909E8E84-426E-40DD-AFC4-6F175D3DCCD1}">
-              <a14:hiddenFill xmlns:a14="http://schemas.microsoft.com/office/drawing/2010/main">
-                <a:solidFill>
-                  <a:srgbClr val="FFFFFF"/>
-                </a:solidFill>
-              </a14:hiddenFill>
-            </a:ext>
-          </a:extLst>
-        </p:spPr>
-        <p:txBody>
-          <a:bodyPr vert="horz" wrap="square" lIns="91440" tIns="45720" rIns="91440" bIns="45720" numCol="1" anchor="t" anchorCtr="0" compatLnSpc="1">
-            <a:prstTxWarp prst="textNoShape">
-              <a:avLst/>
-            </a:prstTxWarp>
-          </a:bodyPr>
-          <a:lstStyle/>
-          <a:p>
-            <a:endParaRPr lang="en-US"/>
-          </a:p>
-        </p:txBody>
-      </p:sp>
-      <p:sp>
-        <p:nvSpPr>
-          <p:cNvPr id="8" name="TextBox 7"/>
-          <p:cNvSpPr txBox="1"/>
-          <p:nvPr/>
-        </p:nvSpPr>
-        <p:spPr>
-          <a:xfrm>
-            <a:off x="2873027" y="6458188"/>
+            <a:off x="2873027" y="6324600"/>
             <a:ext cx="3299173" cy="584775"/>
           </a:xfrm>
           <a:prstGeom prst="rect">
@@ -10807,7 +10950,7 @@
       </p:sp>
       <p:pic>
         <p:nvPicPr>
-          <p:cNvPr id="6" name="Picture 5"/>
+          <p:cNvPr id="7" name="Picture 6"/>
           <p:cNvPicPr>
             <a:picLocks noChangeAspect="1"/>
           </p:cNvPicPr>
@@ -10827,8 +10970,8 @@
         </p:blipFill>
         <p:spPr>
           <a:xfrm>
-            <a:off x="426275" y="1752600"/>
-            <a:ext cx="8641525" cy="4629388"/>
+            <a:off x="0" y="2175017"/>
+            <a:ext cx="9144000" cy="3692383"/>
           </a:xfrm>
           <a:prstGeom prst="rect">
             <a:avLst/>
@@ -10855,7 +10998,7 @@
 </p:sld>
 </file>
 
-<file path=ppt/slides/slide29.xml><?xml version="1.0" encoding="utf-8"?>
+<file path=ppt/slides/slide28.xml><?xml version="1.0" encoding="utf-8"?>
 <p:sld xmlns:a="http://schemas.openxmlformats.org/drawingml/2006/main" xmlns:r="http://schemas.openxmlformats.org/officeDocument/2006/relationships" xmlns:p="http://schemas.openxmlformats.org/presentationml/2006/main">
   <p:cSld>
     <p:spTree>
@@ -11020,7 +11163,7 @@
               <a:pPr>
                 <a:defRPr/>
               </a:pPr>
-              <a:t>29</a:t>
+              <a:t>28</a:t>
             </a:fld>
             <a:endParaRPr lang="en-US" dirty="0"/>
           </a:p>
@@ -11327,6 +11470,186 @@
     <p:extLst>
       <p:ext uri="{BB962C8B-B14F-4D97-AF65-F5344CB8AC3E}">
         <p14:creationId xmlns:p14="http://schemas.microsoft.com/office/powerpoint/2010/main" val="3773157246"/>
+      </p:ext>
+    </p:extLst>
+  </p:cSld>
+  <p:clrMapOvr>
+    <a:masterClrMapping/>
+  </p:clrMapOvr>
+  <p:timing>
+    <p:tnLst>
+      <p:par>
+        <p:cTn id="1" dur="indefinite" restart="never" nodeType="tmRoot"/>
+      </p:par>
+    </p:tnLst>
+  </p:timing>
+</p:sld>
+</file>
+
+<file path=ppt/slides/slide29.xml><?xml version="1.0" encoding="utf-8"?>
+<p:sld xmlns:a="http://schemas.openxmlformats.org/drawingml/2006/main" xmlns:r="http://schemas.openxmlformats.org/officeDocument/2006/relationships" xmlns:p="http://schemas.openxmlformats.org/presentationml/2006/main">
+  <p:cSld>
+    <p:spTree>
+      <p:nvGrpSpPr>
+        <p:cNvPr id="1" name=""/>
+        <p:cNvGrpSpPr/>
+        <p:nvPr/>
+      </p:nvGrpSpPr>
+      <p:grpSpPr>
+        <a:xfrm>
+          <a:off x="0" y="0"/>
+          <a:ext cx="0" cy="0"/>
+          <a:chOff x="0" y="0"/>
+          <a:chExt cx="0" cy="0"/>
+        </a:xfrm>
+      </p:grpSpPr>
+      <p:sp>
+        <p:nvSpPr>
+          <p:cNvPr id="2" name="Title 1"/>
+          <p:cNvSpPr>
+            <a:spLocks noGrp="1"/>
+          </p:cNvSpPr>
+          <p:nvPr>
+            <p:ph type="title"/>
+          </p:nvPr>
+        </p:nvSpPr>
+        <p:spPr>
+          <a:xfrm>
+            <a:off x="228600" y="381000"/>
+            <a:ext cx="8686800" cy="1066800"/>
+          </a:xfrm>
+        </p:spPr>
+        <p:txBody>
+          <a:bodyPr>
+            <a:normAutofit/>
+          </a:bodyPr>
+          <a:lstStyle/>
+          <a:p>
+            <a:r>
+              <a:rPr lang="da-DK" sz="3200" b="1" dirty="0"/>
+              <a:t>Free advert (#3)</a:t>
+            </a:r>
+            <a:endParaRPr lang="en-US" sz="3200" dirty="0"/>
+          </a:p>
+        </p:txBody>
+      </p:sp>
+      <p:sp>
+        <p:nvSpPr>
+          <p:cNvPr id="3" name="Content Placeholder 2"/>
+          <p:cNvSpPr>
+            <a:spLocks noGrp="1"/>
+          </p:cNvSpPr>
+          <p:nvPr>
+            <p:ph idx="1"/>
+          </p:nvPr>
+        </p:nvSpPr>
+        <p:spPr>
+          <a:xfrm>
+            <a:off x="304800" y="1371600"/>
+            <a:ext cx="8686800" cy="1295399"/>
+          </a:xfrm>
+        </p:spPr>
+        <p:txBody>
+          <a:bodyPr>
+            <a:normAutofit/>
+          </a:bodyPr>
+          <a:lstStyle/>
+          <a:p>
+            <a:r>
+              <a:rPr lang="da-DK" dirty="0" smtClean="0"/>
+              <a:t>This is the typical heavy-ion event at Large Hadron Collider reconstructed by ALICE Collaboration</a:t>
+            </a:r>
+            <a:endParaRPr lang="en-US" dirty="0" smtClean="0"/>
+          </a:p>
+        </p:txBody>
+      </p:sp>
+      <p:sp>
+        <p:nvSpPr>
+          <p:cNvPr id="4" name="Slide Number Placeholder 3"/>
+          <p:cNvSpPr>
+            <a:spLocks noGrp="1"/>
+          </p:cNvSpPr>
+          <p:nvPr>
+            <p:ph type="sldNum" sz="quarter" idx="12"/>
+          </p:nvPr>
+        </p:nvSpPr>
+        <p:spPr/>
+        <p:txBody>
+          <a:bodyPr/>
+          <a:lstStyle/>
+          <a:p>
+            <a:pPr>
+              <a:defRPr/>
+            </a:pPr>
+            <a:fld id="{B3B39CE4-1B0F-442B-AED0-7E4EF4FD7138}" type="slidenum">
+              <a:rPr lang="en-US" smtClean="0"/>
+              <a:pPr>
+                <a:defRPr/>
+              </a:pPr>
+              <a:t>29</a:t>
+            </a:fld>
+            <a:endParaRPr lang="en-US" dirty="0"/>
+          </a:p>
+        </p:txBody>
+      </p:sp>
+      <p:pic>
+        <p:nvPicPr>
+          <p:cNvPr id="6" name="Picture 2" descr="realHI"/>
+          <p:cNvPicPr>
+            <a:picLocks noChangeAspect="1" noChangeArrowheads="1"/>
+          </p:cNvPicPr>
+          <p:nvPr/>
+        </p:nvPicPr>
+        <p:blipFill>
+          <a:blip r:embed="rId2" cstate="print">
+            <a:extLst>
+              <a:ext uri="{28A0092B-C50C-407E-A947-70E740481C1C}">
+                <a14:useLocalDpi xmlns:a14="http://schemas.microsoft.com/office/drawing/2010/main" val="0"/>
+              </a:ext>
+            </a:extLst>
+          </a:blip>
+          <a:srcRect/>
+          <a:stretch>
+            <a:fillRect/>
+          </a:stretch>
+        </p:blipFill>
+        <p:spPr bwMode="auto">
+          <a:xfrm>
+            <a:off x="1600200" y="2286000"/>
+            <a:ext cx="5955100" cy="4383617"/>
+          </a:xfrm>
+          <a:prstGeom prst="rect">
+            <a:avLst/>
+          </a:prstGeom>
+          <a:noFill/>
+          <a:ln>
+            <a:noFill/>
+          </a:ln>
+          <a:extLst>
+            <a:ext uri="{909E8E84-426E-40DD-AFC4-6F175D3DCCD1}">
+              <a14:hiddenFill xmlns:a14="http://schemas.microsoft.com/office/drawing/2010/main">
+                <a:solidFill>
+                  <a:srgbClr val="FFFFFF"/>
+                </a:solidFill>
+              </a14:hiddenFill>
+            </a:ext>
+            <a:ext uri="{91240B29-F687-4F45-9708-019B960494DF}">
+              <a14:hiddenLine xmlns:a14="http://schemas.microsoft.com/office/drawing/2010/main" w="9525">
+                <a:solidFill>
+                  <a:srgbClr val="000000"/>
+                </a:solidFill>
+                <a:miter lim="800000"/>
+                <a:headEnd/>
+                <a:tailEnd/>
+              </a14:hiddenLine>
+            </a:ext>
+          </a:extLst>
+        </p:spPr>
+      </p:pic>
+    </p:spTree>
+    <p:extLst>
+      <p:ext uri="{BB962C8B-B14F-4D97-AF65-F5344CB8AC3E}">
+        <p14:creationId xmlns:p14="http://schemas.microsoft.com/office/powerpoint/2010/main" val="2354057611"/>
       </p:ext>
     </p:extLst>
   </p:cSld>
@@ -11771,19 +12094,7 @@
               <a:rPr lang="en-US" dirty="0" smtClean="0">
                 <a:effectLst/>
               </a:rPr>
-              <a:t>12 contact days (last lecture is on July </a:t>
-            </a:r>
-            <a:r>
-              <a:rPr lang="en-US" dirty="0" smtClean="0">
-                <a:effectLst/>
-              </a:rPr>
-              <a:t>20th</a:t>
-            </a:r>
-            <a:r>
-              <a:rPr lang="en-US" dirty="0" smtClean="0">
-                <a:effectLst/>
-              </a:rPr>
-              <a:t>) </a:t>
+              <a:t>12 contact days (last lecture is on July 20th) </a:t>
             </a:r>
           </a:p>
           <a:p>
@@ -12437,7 +12748,7 @@
         <p:spPr>
           <a:xfrm>
             <a:off x="304800" y="1371600"/>
-            <a:ext cx="8686800" cy="1295399"/>
+            <a:ext cx="8686800" cy="3581400"/>
           </a:xfrm>
         </p:spPr>
         <p:txBody>
@@ -12448,7 +12759,28 @@
           <a:p>
             <a:r>
               <a:rPr lang="da-DK" dirty="0" smtClean="0"/>
-              <a:t>This is the typical heavy-ion event at Large Hadron Collider reconstructed by ALICE Collaboration</a:t>
+              <a:t>Trajectories of more than 10000 particles are reconstructed by AliROOT (C++ code specific to ALICE Collaboration built on top of ROOT)</a:t>
+            </a:r>
+          </a:p>
+          <a:p>
+            <a:r>
+              <a:rPr lang="da-DK" dirty="0" smtClean="0"/>
+              <a:t>Most important major collaborations worldwide in high-energy physics currently use ROOT </a:t>
+            </a:r>
+          </a:p>
+          <a:p>
+            <a:pPr lvl="1"/>
+            <a:r>
+              <a:rPr lang="en-GB" dirty="0" smtClean="0"/>
+              <a:t>Also the future ones (e.g. CBM at </a:t>
+            </a:r>
+            <a:r>
+              <a:rPr lang="en-GB" dirty="0" smtClean="0"/>
+              <a:t>GSI is </a:t>
+            </a:r>
+            <a:r>
+              <a:rPr lang="en-GB" dirty="0" smtClean="0"/>
+              <a:t>developing CbmRoot) </a:t>
             </a:r>
             <a:endParaRPr lang="en-US" dirty="0" smtClean="0"/>
           </a:p>
@@ -12483,64 +12815,10 @@
           </a:p>
         </p:txBody>
       </p:sp>
-      <p:pic>
-        <p:nvPicPr>
-          <p:cNvPr id="6" name="Picture 2" descr="realHI"/>
-          <p:cNvPicPr>
-            <a:picLocks noChangeAspect="1" noChangeArrowheads="1"/>
-          </p:cNvPicPr>
-          <p:nvPr/>
-        </p:nvPicPr>
-        <p:blipFill>
-          <a:blip r:embed="rId2" cstate="print">
-            <a:extLst>
-              <a:ext uri="{28A0092B-C50C-407E-A947-70E740481C1C}">
-                <a14:useLocalDpi xmlns:a14="http://schemas.microsoft.com/office/drawing/2010/main" val="0"/>
-              </a:ext>
-            </a:extLst>
-          </a:blip>
-          <a:srcRect/>
-          <a:stretch>
-            <a:fillRect/>
-          </a:stretch>
-        </p:blipFill>
-        <p:spPr bwMode="auto">
-          <a:xfrm>
-            <a:off x="1600200" y="2286000"/>
-            <a:ext cx="5955100" cy="4383617"/>
-          </a:xfrm>
-          <a:prstGeom prst="rect">
-            <a:avLst/>
-          </a:prstGeom>
-          <a:noFill/>
-          <a:ln>
-            <a:noFill/>
-          </a:ln>
-          <a:extLst>
-            <a:ext uri="{909E8E84-426E-40DD-AFC4-6F175D3DCCD1}">
-              <a14:hiddenFill xmlns:a14="http://schemas.microsoft.com/office/drawing/2010/main">
-                <a:solidFill>
-                  <a:srgbClr val="FFFFFF"/>
-                </a:solidFill>
-              </a14:hiddenFill>
-            </a:ext>
-            <a:ext uri="{91240B29-F687-4F45-9708-019B960494DF}">
-              <a14:hiddenLine xmlns:a14="http://schemas.microsoft.com/office/drawing/2010/main" w="9525">
-                <a:solidFill>
-                  <a:srgbClr val="000000"/>
-                </a:solidFill>
-                <a:miter lim="800000"/>
-                <a:headEnd/>
-                <a:tailEnd/>
-              </a14:hiddenLine>
-            </a:ext>
-          </a:extLst>
-        </p:spPr>
-      </p:pic>
     </p:spTree>
     <p:extLst>
       <p:ext uri="{BB962C8B-B14F-4D97-AF65-F5344CB8AC3E}">
-        <p14:creationId xmlns:p14="http://schemas.microsoft.com/office/powerpoint/2010/main" val="2354057611"/>
+        <p14:creationId xmlns:p14="http://schemas.microsoft.com/office/powerpoint/2010/main" val="2036440008"/>
       </p:ext>
     </p:extLst>
   </p:cSld>
@@ -12598,7 +12876,11 @@
           <a:p>
             <a:r>
               <a:rPr lang="da-DK" sz="3200" b="1" dirty="0"/>
-              <a:t>Free advert (#3)</a:t>
+              <a:t>Free advert </a:t>
+            </a:r>
+            <a:r>
+              <a:rPr lang="da-DK" sz="3200" b="1" dirty="0" smtClean="0"/>
+              <a:t>(#4)</a:t>
             </a:r>
             <a:endParaRPr lang="en-US" sz="3200" dirty="0"/>
           </a:p>
@@ -12617,7 +12899,7 @@
         <p:spPr>
           <a:xfrm>
             <a:off x="304800" y="1371600"/>
-            <a:ext cx="8686800" cy="3581400"/>
+            <a:ext cx="8686800" cy="1295399"/>
           </a:xfrm>
         </p:spPr>
         <p:txBody>
@@ -12628,20 +12910,7 @@
           <a:p>
             <a:r>
               <a:rPr lang="da-DK" dirty="0" smtClean="0"/>
-              <a:t>Trajectories of more than 10000 particles are reconstructed by AliROOT (C++ code specific to ALICE Collaboration built on top of ROOT)</a:t>
-            </a:r>
-          </a:p>
-          <a:p>
-            <a:r>
-              <a:rPr lang="da-DK" dirty="0" smtClean="0"/>
-              <a:t>Most important major collaborations worldwide in high-energy physics currently use ROOT </a:t>
-            </a:r>
-          </a:p>
-          <a:p>
-            <a:pPr lvl="1"/>
-            <a:r>
-              <a:rPr lang="en-GB" dirty="0" smtClean="0"/>
-              <a:t>Also the future ones (e.g. CBM at GSI, which will start data taking in 2025, is developing CbmRoot) </a:t>
+              <a:t>In terms of histogramming quality and performance, it’s difficult to beat ROOT...</a:t>
             </a:r>
             <a:endParaRPr lang="en-US" dirty="0" smtClean="0"/>
           </a:p>
@@ -12676,10 +12945,64 @@
           </a:p>
         </p:txBody>
       </p:sp>
+      <p:pic>
+        <p:nvPicPr>
+          <p:cNvPr id="41986" name="Picture 2"/>
+          <p:cNvPicPr>
+            <a:picLocks noChangeAspect="1" noChangeArrowheads="1"/>
+          </p:cNvPicPr>
+          <p:nvPr/>
+        </p:nvPicPr>
+        <p:blipFill>
+          <a:blip r:embed="rId2">
+            <a:extLst>
+              <a:ext uri="{28A0092B-C50C-407E-A947-70E740481C1C}">
+                <a14:useLocalDpi xmlns:a14="http://schemas.microsoft.com/office/drawing/2010/main" val="0"/>
+              </a:ext>
+            </a:extLst>
+          </a:blip>
+          <a:srcRect/>
+          <a:stretch>
+            <a:fillRect/>
+          </a:stretch>
+        </p:blipFill>
+        <p:spPr bwMode="auto">
+          <a:xfrm>
+            <a:off x="1066800" y="2470562"/>
+            <a:ext cx="6905625" cy="3930238"/>
+          </a:xfrm>
+          <a:prstGeom prst="rect">
+            <a:avLst/>
+          </a:prstGeom>
+          <a:noFill/>
+          <a:ln>
+            <a:noFill/>
+          </a:ln>
+          <a:extLst>
+            <a:ext uri="{909E8E84-426E-40DD-AFC4-6F175D3DCCD1}">
+              <a14:hiddenFill xmlns:a14="http://schemas.microsoft.com/office/drawing/2010/main">
+                <a:solidFill>
+                  <a:schemeClr val="accent1"/>
+                </a:solidFill>
+              </a14:hiddenFill>
+            </a:ext>
+            <a:ext uri="{91240B29-F687-4F45-9708-019B960494DF}">
+              <a14:hiddenLine xmlns:a14="http://schemas.microsoft.com/office/drawing/2010/main" w="9525">
+                <a:solidFill>
+                  <a:schemeClr val="tx1"/>
+                </a:solidFill>
+                <a:miter lim="800000"/>
+                <a:headEnd/>
+                <a:tailEnd/>
+              </a14:hiddenLine>
+            </a:ext>
+          </a:extLst>
+        </p:spPr>
+      </p:pic>
     </p:spTree>
     <p:extLst>
       <p:ext uri="{BB962C8B-B14F-4D97-AF65-F5344CB8AC3E}">
-        <p14:creationId xmlns:p14="http://schemas.microsoft.com/office/powerpoint/2010/main" val="2036440008"/>
+        <p14:creationId xmlns:p14="http://schemas.microsoft.com/office/powerpoint/2010/main" val="3267303927"/>
       </p:ext>
     </p:extLst>
   </p:cSld>
@@ -12736,12 +13059,8 @@
           <a:lstStyle/>
           <a:p>
             <a:r>
-              <a:rPr lang="da-DK" sz="3200" b="1" dirty="0"/>
-              <a:t>Free advert </a:t>
-            </a:r>
-            <a:r>
               <a:rPr lang="da-DK" sz="3200" b="1" dirty="0" smtClean="0"/>
-              <a:t>(#4)</a:t>
+              <a:t>ROOT</a:t>
             </a:r>
             <a:endParaRPr lang="en-US" sz="3200" dirty="0"/>
           </a:p>
@@ -12760,19 +13079,162 @@
         <p:spPr>
           <a:xfrm>
             <a:off x="304800" y="1371600"/>
-            <a:ext cx="8686800" cy="1295399"/>
+            <a:ext cx="8686800" cy="3124200"/>
           </a:xfrm>
         </p:spPr>
         <p:txBody>
           <a:bodyPr>
-            <a:normAutofit/>
+            <a:normAutofit lnSpcReduction="10000"/>
           </a:bodyPr>
           <a:lstStyle/>
           <a:p>
             <a:r>
-              <a:rPr lang="da-DK" dirty="0" smtClean="0"/>
-              <a:t>In terms of histogramming quality and performance, it’s difficult to beat ROOT...</a:t>
-            </a:r>
+              <a:rPr lang="en-GB" dirty="0" smtClean="0"/>
+              <a:t>Object-oriented framework, written in </a:t>
+            </a:r>
+            <a:r>
+              <a:rPr lang="en-GB" dirty="0"/>
+              <a:t>C++ and developed at </a:t>
+            </a:r>
+            <a:r>
+              <a:rPr lang="en-GB" dirty="0" smtClean="0"/>
+              <a:t>CERN, </a:t>
+            </a:r>
+            <a:r>
+              <a:rPr lang="en-GB" dirty="0"/>
+              <a:t>for data analysis in high-energy </a:t>
+            </a:r>
+            <a:r>
+              <a:rPr lang="en-GB" dirty="0" smtClean="0"/>
+              <a:t>physics</a:t>
+            </a:r>
+          </a:p>
+          <a:p>
+            <a:r>
+              <a:rPr lang="en-GB" dirty="0" smtClean="0"/>
+              <a:t>The </a:t>
+            </a:r>
+            <a:r>
+              <a:rPr lang="en-GB" dirty="0"/>
+              <a:t>development was initiated by René </a:t>
+            </a:r>
+            <a:r>
+              <a:rPr lang="en-GB" dirty="0" err="1"/>
+              <a:t>Brun</a:t>
+            </a:r>
+            <a:r>
+              <a:rPr lang="en-GB" dirty="0"/>
+              <a:t> and </a:t>
+            </a:r>
+            <a:r>
+              <a:rPr lang="en-GB" dirty="0" err="1"/>
+              <a:t>Fons</a:t>
+            </a:r>
+            <a:r>
+              <a:rPr lang="en-GB" dirty="0"/>
+              <a:t> </a:t>
+            </a:r>
+            <a:r>
+              <a:rPr lang="en-GB" dirty="0" err="1"/>
+              <a:t>Rademakers</a:t>
+            </a:r>
+            <a:r>
+              <a:rPr lang="en-GB" dirty="0"/>
+              <a:t> in </a:t>
+            </a:r>
+            <a:r>
+              <a:rPr lang="en-GB" dirty="0" smtClean="0"/>
+              <a:t>1994, and is still under active development</a:t>
+            </a:r>
+          </a:p>
+          <a:p>
+            <a:pPr lvl="1"/>
+            <a:r>
+              <a:rPr lang="en-GB" dirty="0" smtClean="0"/>
+              <a:t>Latest release</a:t>
+            </a:r>
+            <a:r>
+              <a:rPr lang="en-GB" dirty="0"/>
+              <a:t>: Version </a:t>
+            </a:r>
+            <a:r>
+              <a:rPr lang="en-GB" dirty="0" smtClean="0"/>
+              <a:t>6.28/00 (February </a:t>
+            </a:r>
+            <a:r>
+              <a:rPr lang="en-GB" dirty="0" smtClean="0"/>
+              <a:t>3, </a:t>
+            </a:r>
+            <a:r>
+              <a:rPr lang="en-GB" dirty="0" smtClean="0"/>
+              <a:t>2023)</a:t>
+            </a:r>
+            <a:endParaRPr lang="en-GB" dirty="0" smtClean="0"/>
+          </a:p>
+          <a:p>
+            <a:r>
+              <a:rPr lang="en-GB" dirty="0" smtClean="0"/>
+              <a:t>Webpage: </a:t>
+            </a:r>
+            <a:r>
+              <a:rPr lang="en-US" sz="1800" dirty="0">
+                <a:hlinkClick r:id="rId2"/>
+              </a:rPr>
+              <a:t>https://root.cern.ch</a:t>
+            </a:r>
+            <a:r>
+              <a:rPr lang="en-US" sz="1800" dirty="0" smtClean="0">
+                <a:hlinkClick r:id="rId2"/>
+              </a:rPr>
+              <a:t>/</a:t>
+            </a:r>
+            <a:r>
+              <a:rPr lang="en-US" sz="1800" dirty="0" smtClean="0"/>
+              <a:t> </a:t>
+            </a:r>
+          </a:p>
+          <a:p>
+            <a:r>
+              <a:rPr lang="en-GB" dirty="0" smtClean="0"/>
+              <a:t>Root forum: </a:t>
+            </a:r>
+            <a:r>
+              <a:rPr lang="en-US" sz="1800" dirty="0">
+                <a:hlinkClick r:id="rId3"/>
+              </a:rPr>
+              <a:t>https://root-forum.cern.ch</a:t>
+            </a:r>
+            <a:r>
+              <a:rPr lang="en-US" sz="1800" dirty="0" smtClean="0">
+                <a:hlinkClick r:id="rId3"/>
+              </a:rPr>
+              <a:t>/</a:t>
+            </a:r>
+            <a:endParaRPr lang="en-US" sz="1800" dirty="0" smtClean="0"/>
+          </a:p>
+          <a:p>
+            <a:r>
+              <a:rPr lang="en-US" dirty="0"/>
+              <a:t>Source code: </a:t>
+            </a:r>
+            <a:r>
+              <a:rPr lang="en-US" sz="1800" dirty="0">
+                <a:hlinkClick r:id="rId4"/>
+              </a:rPr>
+              <a:t>https://</a:t>
+            </a:r>
+            <a:r>
+              <a:rPr lang="en-US" sz="1800" dirty="0" smtClean="0">
+                <a:hlinkClick r:id="rId4"/>
+              </a:rPr>
+              <a:t>github.com/root-project/root</a:t>
+            </a:r>
+            <a:endParaRPr lang="en-US" sz="1800" dirty="0" smtClean="0"/>
+          </a:p>
+          <a:p>
+            <a:endParaRPr lang="en-US" dirty="0" smtClean="0"/>
+          </a:p>
+          <a:p>
             <a:endParaRPr lang="en-US" dirty="0" smtClean="0"/>
           </a:p>
         </p:txBody>
@@ -12808,14 +13270,14 @@
       </p:sp>
       <p:pic>
         <p:nvPicPr>
-          <p:cNvPr id="41986" name="Picture 2"/>
+          <p:cNvPr id="5122" name="Picture 2" descr="https://root.cern.ch/img/logos/ROOT_Logo/misc/logo_full-plus-text-hor.png"/>
           <p:cNvPicPr>
             <a:picLocks noChangeAspect="1" noChangeArrowheads="1"/>
           </p:cNvPicPr>
           <p:nvPr/>
         </p:nvPicPr>
         <p:blipFill>
-          <a:blip r:embed="rId2">
+          <a:blip r:embed="rId5">
             <a:extLst>
               <a:ext uri="{28A0092B-C50C-407E-A947-70E740481C1C}">
                 <a14:useLocalDpi xmlns:a14="http://schemas.microsoft.com/office/drawing/2010/main" val="0"/>
@@ -12829,33 +13291,20 @@
         </p:blipFill>
         <p:spPr bwMode="auto">
           <a:xfrm>
-            <a:off x="1066800" y="2470562"/>
-            <a:ext cx="6905625" cy="3930238"/>
+            <a:off x="1143000" y="4343400"/>
+            <a:ext cx="6626225" cy="2264823"/>
           </a:xfrm>
           <a:prstGeom prst="rect">
             <a:avLst/>
           </a:prstGeom>
           <a:noFill/>
-          <a:ln>
-            <a:noFill/>
-          </a:ln>
           <a:extLst>
             <a:ext uri="{909E8E84-426E-40DD-AFC4-6F175D3DCCD1}">
               <a14:hiddenFill xmlns:a14="http://schemas.microsoft.com/office/drawing/2010/main">
                 <a:solidFill>
-                  <a:schemeClr val="accent1"/>
+                  <a:srgbClr val="FFFFFF"/>
                 </a:solidFill>
               </a14:hiddenFill>
-            </a:ext>
-            <a:ext uri="{91240B29-F687-4F45-9708-019B960494DF}">
-              <a14:hiddenLine xmlns:a14="http://schemas.microsoft.com/office/drawing/2010/main" w="9525">
-                <a:solidFill>
-                  <a:schemeClr val="tx1"/>
-                </a:solidFill>
-                <a:miter lim="800000"/>
-                <a:headEnd/>
-                <a:tailEnd/>
-              </a14:hiddenLine>
             </a:ext>
           </a:extLst>
         </p:spPr>
@@ -12863,7 +13312,7 @@
     </p:spTree>
     <p:extLst>
       <p:ext uri="{BB962C8B-B14F-4D97-AF65-F5344CB8AC3E}">
-        <p14:creationId xmlns:p14="http://schemas.microsoft.com/office/powerpoint/2010/main" val="3267303927"/>
+        <p14:creationId xmlns:p14="http://schemas.microsoft.com/office/powerpoint/2010/main" val="2747857359"/>
       </p:ext>
     </p:extLst>
   </p:cSld>
@@ -12909,185 +13358,22 @@
         </p:nvSpPr>
         <p:spPr>
           <a:xfrm>
-            <a:off x="228600" y="381000"/>
-            <a:ext cx="8686800" cy="1066800"/>
+            <a:off x="152400" y="2895600"/>
+            <a:ext cx="8839200" cy="838200"/>
           </a:xfrm>
         </p:spPr>
         <p:txBody>
           <a:bodyPr>
-            <a:normAutofit/>
+            <a:noAutofit/>
           </a:bodyPr>
           <a:lstStyle/>
           <a:p>
-            <a:r>
-              <a:rPr lang="da-DK" sz="3200" b="1" dirty="0" smtClean="0"/>
-              <a:t>ROOT</a:t>
-            </a:r>
-            <a:endParaRPr lang="en-US" sz="3200" dirty="0"/>
-          </a:p>
-        </p:txBody>
-      </p:sp>
-      <p:sp>
-        <p:nvSpPr>
-          <p:cNvPr id="3" name="Content Placeholder 2"/>
-          <p:cNvSpPr>
-            <a:spLocks noGrp="1"/>
-          </p:cNvSpPr>
-          <p:nvPr>
-            <p:ph idx="1"/>
-          </p:nvPr>
-        </p:nvSpPr>
-        <p:spPr>
-          <a:xfrm>
-            <a:off x="304800" y="1371600"/>
-            <a:ext cx="8686800" cy="3124200"/>
-          </a:xfrm>
-        </p:spPr>
-        <p:txBody>
-          <a:bodyPr>
-            <a:normAutofit lnSpcReduction="10000"/>
-          </a:bodyPr>
-          <a:lstStyle/>
-          <a:p>
-            <a:r>
-              <a:rPr lang="en-GB" dirty="0" smtClean="0"/>
-              <a:t>Object-oriented framework, written in </a:t>
-            </a:r>
-            <a:r>
-              <a:rPr lang="en-GB" dirty="0"/>
-              <a:t>C++ and developed at </a:t>
-            </a:r>
-            <a:r>
-              <a:rPr lang="en-GB" dirty="0" smtClean="0"/>
-              <a:t>CERN, </a:t>
-            </a:r>
-            <a:r>
-              <a:rPr lang="en-GB" dirty="0"/>
-              <a:t>for data analysis in high-energy </a:t>
-            </a:r>
-            <a:r>
-              <a:rPr lang="en-GB" dirty="0" smtClean="0"/>
-              <a:t>physics</a:t>
-            </a:r>
-          </a:p>
-          <a:p>
-            <a:r>
-              <a:rPr lang="en-GB" dirty="0" smtClean="0"/>
-              <a:t>The </a:t>
-            </a:r>
-            <a:r>
-              <a:rPr lang="en-GB" dirty="0"/>
-              <a:t>development was initiated by René </a:t>
-            </a:r>
-            <a:r>
-              <a:rPr lang="en-GB" dirty="0" err="1"/>
-              <a:t>Brun</a:t>
-            </a:r>
-            <a:r>
-              <a:rPr lang="en-GB" dirty="0"/>
-              <a:t> and </a:t>
-            </a:r>
-            <a:r>
-              <a:rPr lang="en-GB" dirty="0" err="1"/>
-              <a:t>Fons</a:t>
-            </a:r>
-            <a:r>
-              <a:rPr lang="en-GB" dirty="0"/>
-              <a:t> </a:t>
-            </a:r>
-            <a:r>
-              <a:rPr lang="en-GB" dirty="0" err="1"/>
-              <a:t>Rademakers</a:t>
-            </a:r>
-            <a:r>
-              <a:rPr lang="en-GB" dirty="0"/>
-              <a:t> in </a:t>
-            </a:r>
-            <a:r>
-              <a:rPr lang="en-GB" dirty="0" smtClean="0"/>
-              <a:t>1994, and is still under active development</a:t>
-            </a:r>
-          </a:p>
-          <a:p>
-            <a:pPr lvl="1"/>
-            <a:r>
-              <a:rPr lang="en-GB" dirty="0" smtClean="0"/>
-              <a:t>Latest release</a:t>
-            </a:r>
-            <a:r>
-              <a:rPr lang="en-GB" dirty="0"/>
-              <a:t>: Version </a:t>
-            </a:r>
-            <a:r>
-              <a:rPr lang="en-GB" dirty="0" smtClean="0"/>
-              <a:t>6.26/00 (March 3, 2022)</a:t>
-            </a:r>
-          </a:p>
-          <a:p>
-            <a:r>
-              <a:rPr lang="en-GB" dirty="0" smtClean="0"/>
-              <a:t>Webpage: </a:t>
-            </a:r>
-            <a:r>
-              <a:rPr lang="en-US" sz="1800" dirty="0">
-                <a:hlinkClick r:id="rId2"/>
-              </a:rPr>
-              <a:t>https://root.cern.ch</a:t>
-            </a:r>
-            <a:r>
-              <a:rPr lang="en-US" sz="1800" dirty="0" smtClean="0">
-                <a:hlinkClick r:id="rId2"/>
-              </a:rPr>
-              <a:t>/</a:t>
-            </a:r>
-            <a:r>
-              <a:rPr lang="en-US" sz="1800" dirty="0" smtClean="0"/>
-              <a:t> </a:t>
-            </a:r>
-          </a:p>
-          <a:p>
-            <a:r>
-              <a:rPr lang="en-GB" dirty="0" smtClean="0"/>
-              <a:t>Root forum: </a:t>
-            </a:r>
-            <a:r>
-              <a:rPr lang="en-US" sz="1800" dirty="0">
-                <a:hlinkClick r:id="rId3"/>
-              </a:rPr>
-              <a:t>https://root-forum.cern.ch</a:t>
-            </a:r>
-            <a:r>
-              <a:rPr lang="en-US" sz="1800" dirty="0" smtClean="0">
-                <a:hlinkClick r:id="rId3"/>
-              </a:rPr>
-              <a:t>/</a:t>
-            </a:r>
-            <a:endParaRPr lang="en-US" sz="1800" dirty="0" smtClean="0"/>
-          </a:p>
-          <a:p>
-            <a:r>
-              <a:rPr lang="en-US" dirty="0"/>
-              <a:t>Source code: </a:t>
-            </a:r>
-            <a:r>
-              <a:rPr lang="en-US" sz="1800" dirty="0">
-                <a:hlinkClick r:id="rId4"/>
-              </a:rPr>
-              <a:t>https://</a:t>
-            </a:r>
-            <a:r>
-              <a:rPr lang="en-US" sz="1800" dirty="0" smtClean="0">
-                <a:hlinkClick r:id="rId4"/>
-              </a:rPr>
-              <a:t>github.com/root-project/root</a:t>
-            </a:r>
-            <a:endParaRPr lang="en-US" sz="1800" dirty="0" smtClean="0"/>
-          </a:p>
-          <a:p>
-            <a:endParaRPr lang="en-US" dirty="0" smtClean="0"/>
-          </a:p>
-          <a:p>
-            <a:endParaRPr lang="en-US" dirty="0" smtClean="0"/>
+            <a:pPr algn="ctr"/>
+            <a:r>
+              <a:rPr lang="da-DK" b="1" dirty="0" smtClean="0"/>
+              <a:t>Thanks!</a:t>
+            </a:r>
+            <a:endParaRPr lang="en-US" dirty="0"/>
           </a:p>
         </p:txBody>
       </p:sp>
@@ -13115,144 +13401,6 @@
                 <a:defRPr/>
               </a:pPr>
               <a:t>33</a:t>
-            </a:fld>
-            <a:endParaRPr lang="en-US" dirty="0"/>
-          </a:p>
-        </p:txBody>
-      </p:sp>
-      <p:pic>
-        <p:nvPicPr>
-          <p:cNvPr id="5122" name="Picture 2" descr="https://root.cern.ch/img/logos/ROOT_Logo/misc/logo_full-plus-text-hor.png"/>
-          <p:cNvPicPr>
-            <a:picLocks noChangeAspect="1" noChangeArrowheads="1"/>
-          </p:cNvPicPr>
-          <p:nvPr/>
-        </p:nvPicPr>
-        <p:blipFill>
-          <a:blip r:embed="rId5">
-            <a:extLst>
-              <a:ext uri="{28A0092B-C50C-407E-A947-70E740481C1C}">
-                <a14:useLocalDpi xmlns:a14="http://schemas.microsoft.com/office/drawing/2010/main" val="0"/>
-              </a:ext>
-            </a:extLst>
-          </a:blip>
-          <a:srcRect/>
-          <a:stretch>
-            <a:fillRect/>
-          </a:stretch>
-        </p:blipFill>
-        <p:spPr bwMode="auto">
-          <a:xfrm>
-            <a:off x="1143000" y="4343400"/>
-            <a:ext cx="6626225" cy="2264823"/>
-          </a:xfrm>
-          <a:prstGeom prst="rect">
-            <a:avLst/>
-          </a:prstGeom>
-          <a:noFill/>
-          <a:extLst>
-            <a:ext uri="{909E8E84-426E-40DD-AFC4-6F175D3DCCD1}">
-              <a14:hiddenFill xmlns:a14="http://schemas.microsoft.com/office/drawing/2010/main">
-                <a:solidFill>
-                  <a:srgbClr val="FFFFFF"/>
-                </a:solidFill>
-              </a14:hiddenFill>
-            </a:ext>
-          </a:extLst>
-        </p:spPr>
-      </p:pic>
-    </p:spTree>
-    <p:extLst>
-      <p:ext uri="{BB962C8B-B14F-4D97-AF65-F5344CB8AC3E}">
-        <p14:creationId xmlns:p14="http://schemas.microsoft.com/office/powerpoint/2010/main" val="2747857359"/>
-      </p:ext>
-    </p:extLst>
-  </p:cSld>
-  <p:clrMapOvr>
-    <a:masterClrMapping/>
-  </p:clrMapOvr>
-  <p:timing>
-    <p:tnLst>
-      <p:par>
-        <p:cTn id="1" dur="indefinite" restart="never" nodeType="tmRoot"/>
-      </p:par>
-    </p:tnLst>
-  </p:timing>
-</p:sld>
-</file>
-
-<file path=ppt/slides/slide34.xml><?xml version="1.0" encoding="utf-8"?>
-<p:sld xmlns:a="http://schemas.openxmlformats.org/drawingml/2006/main" xmlns:r="http://schemas.openxmlformats.org/officeDocument/2006/relationships" xmlns:p="http://schemas.openxmlformats.org/presentationml/2006/main">
-  <p:cSld>
-    <p:spTree>
-      <p:nvGrpSpPr>
-        <p:cNvPr id="1" name=""/>
-        <p:cNvGrpSpPr/>
-        <p:nvPr/>
-      </p:nvGrpSpPr>
-      <p:grpSpPr>
-        <a:xfrm>
-          <a:off x="0" y="0"/>
-          <a:ext cx="0" cy="0"/>
-          <a:chOff x="0" y="0"/>
-          <a:chExt cx="0" cy="0"/>
-        </a:xfrm>
-      </p:grpSpPr>
-      <p:sp>
-        <p:nvSpPr>
-          <p:cNvPr id="2" name="Title 1"/>
-          <p:cNvSpPr>
-            <a:spLocks noGrp="1"/>
-          </p:cNvSpPr>
-          <p:nvPr>
-            <p:ph type="title"/>
-          </p:nvPr>
-        </p:nvSpPr>
-        <p:spPr>
-          <a:xfrm>
-            <a:off x="152400" y="2895600"/>
-            <a:ext cx="8839200" cy="838200"/>
-          </a:xfrm>
-        </p:spPr>
-        <p:txBody>
-          <a:bodyPr>
-            <a:noAutofit/>
-          </a:bodyPr>
-          <a:lstStyle/>
-          <a:p>
-            <a:pPr algn="ctr"/>
-            <a:r>
-              <a:rPr lang="da-DK" b="1" dirty="0" smtClean="0"/>
-              <a:t>Thanks!</a:t>
-            </a:r>
-            <a:endParaRPr lang="en-US" dirty="0"/>
-          </a:p>
-        </p:txBody>
-      </p:sp>
-      <p:sp>
-        <p:nvSpPr>
-          <p:cNvPr id="4" name="Slide Number Placeholder 3"/>
-          <p:cNvSpPr>
-            <a:spLocks noGrp="1"/>
-          </p:cNvSpPr>
-          <p:nvPr>
-            <p:ph type="sldNum" sz="quarter" idx="12"/>
-          </p:nvPr>
-        </p:nvSpPr>
-        <p:spPr/>
-        <p:txBody>
-          <a:bodyPr/>
-          <a:lstStyle/>
-          <a:p>
-            <a:pPr>
-              <a:defRPr/>
-            </a:pPr>
-            <a:fld id="{B3B39CE4-1B0F-442B-AED0-7E4EF4FD7138}" type="slidenum">
-              <a:rPr lang="en-US" smtClean="0"/>
-              <a:pPr>
-                <a:defRPr/>
-              </a:pPr>
-              <a:t>34</a:t>
             </a:fld>
             <a:endParaRPr lang="en-US" dirty="0"/>
           </a:p>
@@ -13349,11 +13497,7 @@
           <a:p>
             <a:r>
               <a:rPr lang="en-US" dirty="0" smtClean="0"/>
-              <a:t>P</a:t>
-            </a:r>
-            <a:r>
-              <a:rPr lang="en-US" dirty="0" smtClean="0"/>
-              <a:t>andemic is over </a:t>
+              <a:t>Pandemic is over </a:t>
             </a:r>
             <a:r>
               <a:rPr lang="en-DE" dirty="0" smtClean="0"/>
@@ -13361,17 +13505,8 @@
             </a:r>
             <a:r>
               <a:rPr lang="en-US" dirty="0" smtClean="0"/>
-              <a:t> the </a:t>
-            </a:r>
-            <a:r>
-              <a:rPr lang="en-US" dirty="0" smtClean="0"/>
-              <a:t>presence in </a:t>
-            </a:r>
-            <a:r>
-              <a:rPr lang="en-US" dirty="0" smtClean="0"/>
-              <a:t>person is encouraged</a:t>
-            </a:r>
-            <a:endParaRPr lang="en-US" dirty="0" smtClean="0"/>
+              <a:t> the presence in person is encouraged</a:t>
+            </a:r>
           </a:p>
           <a:p>
             <a:r>
@@ -13456,25 +13591,8 @@
           <a:p>
             <a:r>
               <a:rPr lang="en-US" dirty="0" smtClean="0"/>
-              <a:t>The lectures </a:t>
-            </a:r>
-            <a:r>
-              <a:rPr lang="en-US" dirty="0" smtClean="0"/>
-              <a:t>are</a:t>
-            </a:r>
-            <a:r>
-              <a:rPr lang="en-US" dirty="0" smtClean="0"/>
-              <a:t> </a:t>
-            </a:r>
-            <a:r>
-              <a:rPr lang="en-US" dirty="0" smtClean="0"/>
-              <a:t>recorded, and recordings shared immediately </a:t>
-            </a:r>
-            <a:r>
-              <a:rPr lang="en-US" dirty="0" smtClean="0"/>
-              <a:t>afterward via email</a:t>
-            </a:r>
-            <a:endParaRPr lang="en-US" dirty="0" smtClean="0"/>
+              <a:t>The lectures are recorded, and recordings shared immediately afterward via email</a:t>
+            </a:r>
           </a:p>
           <a:p>
             <a:pPr marL="109728" indent="0">
@@ -13611,11 +13729,7 @@
             <a:pPr lvl="1"/>
             <a:r>
               <a:rPr lang="en-US" sz="1800" dirty="0" smtClean="0"/>
-              <a:t>Link</a:t>
-            </a:r>
-            <a:r>
-              <a:rPr lang="en-US" sz="1800" dirty="0"/>
-              <a:t>: </a:t>
+              <a:t>Link: </a:t>
             </a:r>
             <a:r>
               <a:rPr lang="en-US" sz="1800" dirty="0">
@@ -13675,22 +13789,28 @@
       </p:sp>
       <p:pic>
         <p:nvPicPr>
-          <p:cNvPr id="5" name="Picture 4"/>
+          <p:cNvPr id="6" name="Picture 5"/>
           <p:cNvPicPr>
             <a:picLocks noChangeAspect="1"/>
           </p:cNvPicPr>
           <p:nvPr/>
         </p:nvPicPr>
         <p:blipFill>
-          <a:blip r:embed="rId3"/>
+          <a:blip r:embed="rId3">
+            <a:extLst>
+              <a:ext uri="{28A0092B-C50C-407E-A947-70E740481C1C}">
+                <a14:useLocalDpi xmlns:a14="http://schemas.microsoft.com/office/drawing/2010/main" val="0"/>
+              </a:ext>
+            </a:extLst>
+          </a:blip>
           <a:stretch>
             <a:fillRect/>
           </a:stretch>
         </p:blipFill>
         <p:spPr>
           <a:xfrm>
-            <a:off x="609600" y="2248995"/>
-            <a:ext cx="8115300" cy="4151805"/>
+            <a:off x="730410" y="2209800"/>
+            <a:ext cx="7956390" cy="4632960"/>
           </a:xfrm>
           <a:prstGeom prst="rect">
             <a:avLst/>
@@ -14527,11 +14647,7 @@
           <a:p>
             <a:r>
               <a:rPr lang="da-DK" dirty="0" smtClean="0"/>
-              <a:t>Preliminary list of topics to be covered</a:t>
-            </a:r>
-            <a:r>
-              <a:rPr lang="da-DK" dirty="0" smtClean="0"/>
-              <a:t>:</a:t>
+              <a:t>Preliminary list of topics to be covered:</a:t>
             </a:r>
           </a:p>
           <a:p>
@@ -14556,11 +14672,7 @@
             </a:r>
             <a:r>
               <a:rPr lang="en-GB" dirty="0" smtClean="0"/>
-              <a:t>commands, etc</a:t>
-            </a:r>
-            <a:r>
-              <a:rPr lang="en-GB" dirty="0" smtClean="0"/>
-              <a:t>.</a:t>
+              <a:t>commands, etc.</a:t>
             </a:r>
           </a:p>
           <a:p>

--- a/Lecture_1/ABilandzic_PH8124_SS2023.pptx
+++ b/Lecture_1/ABilandzic_PH8124_SS2023.pptx
@@ -336,7 +336,7 @@
           <a:p>
             <a:fld id="{F929CBCE-E64B-4074-AF48-7FACC033E4C9}" type="datetimeFigureOut">
               <a:rPr lang="en-US" smtClean="0"/>
-              <a:t>4/14/2023</a:t>
+              <a:t>4/17/2023</a:t>
             </a:fld>
             <a:endParaRPr lang="en-US"/>
           </a:p>
@@ -7208,11 +7208,7 @@
           <a:p>
             <a:r>
               <a:rPr lang="en-GB" dirty="0" smtClean="0"/>
-              <a:t>If you have on your laptop only Windows, you could </a:t>
-            </a:r>
-            <a:r>
-              <a:rPr lang="en-GB" dirty="0" smtClean="0"/>
-              <a:t>either:</a:t>
+              <a:t>If you have on your laptop only Windows, you could either:</a:t>
             </a:r>
           </a:p>
           <a:p>
@@ -9667,11 +9663,7 @@
             </a:r>
             <a:r>
               <a:rPr lang="en-GB" dirty="0" smtClean="0"/>
-              <a:t>5.2.15 (December 13, </a:t>
-            </a:r>
-            <a:r>
-              <a:rPr lang="en-GB" dirty="0" smtClean="0"/>
-              <a:t>2022)</a:t>
+              <a:t>5.2.15 (December 13, 2022)</a:t>
             </a:r>
           </a:p>
           <a:p>
@@ -9790,7 +9782,7 @@
         </p:blipFill>
         <p:spPr bwMode="auto">
           <a:xfrm>
-            <a:off x="2590800" y="4429125"/>
+            <a:off x="2590800" y="4343400"/>
             <a:ext cx="3581400" cy="1514475"/>
           </a:xfrm>
           <a:prstGeom prst="rect">
@@ -10024,7 +10016,7 @@
         </p:blipFill>
         <p:spPr bwMode="auto">
           <a:xfrm>
-            <a:off x="2590800" y="4200525"/>
+            <a:off x="2590800" y="4352925"/>
             <a:ext cx="3581400" cy="1514475"/>
           </a:xfrm>
           <a:prstGeom prst="rect">
@@ -10573,7 +10565,7 @@
         </p:nvSpPr>
         <p:spPr>
           <a:xfrm>
-            <a:off x="304800" y="1295400"/>
+            <a:off x="304800" y="1447800"/>
             <a:ext cx="8686800" cy="3962400"/>
           </a:xfrm>
         </p:spPr>
@@ -10585,8 +10577,13 @@
           <a:p>
             <a:r>
               <a:rPr lang="da-DK" sz="2000" dirty="0" smtClean="0"/>
-              <a:t>As of recently, Python is the most popular programming language</a:t>
-            </a:r>
+              <a:t>As of recently, Python is the most popular programming </a:t>
+            </a:r>
+            <a:r>
+              <a:rPr lang="da-DK" sz="2000" dirty="0" smtClean="0"/>
+              <a:t>language...</a:t>
+            </a:r>
+            <a:endParaRPr lang="da-DK" sz="2000" dirty="0" smtClean="0"/>
           </a:p>
         </p:txBody>
       </p:sp>
@@ -10816,7 +10813,7 @@
         </p:nvSpPr>
         <p:spPr>
           <a:xfrm>
-            <a:off x="304800" y="1295400"/>
+            <a:off x="304800" y="1447800"/>
             <a:ext cx="8686800" cy="3962400"/>
           </a:xfrm>
         </p:spPr>
@@ -10826,10 +10823,14 @@
           </a:bodyPr>
           <a:lstStyle/>
           <a:p>
+            <a:pPr marL="109728" indent="0">
+              <a:buNone/>
+            </a:pPr>
             <a:r>
               <a:rPr lang="da-DK" sz="2000" dirty="0" smtClean="0"/>
-              <a:t>As of recently, Python is the most popular programming language</a:t>
-            </a:r>
+              <a:t>... but some very old languages, like Fortran, are still alive and in top 20!  </a:t>
+            </a:r>
+            <a:endParaRPr lang="da-DK" sz="2000" dirty="0" smtClean="0"/>
           </a:p>
         </p:txBody>
       </p:sp>
@@ -11503,98 +11504,9 @@
           <a:chExt cx="0" cy="0"/>
         </a:xfrm>
       </p:grpSpPr>
-      <p:sp>
-        <p:nvSpPr>
-          <p:cNvPr id="2" name="Title 1"/>
-          <p:cNvSpPr>
-            <a:spLocks noGrp="1"/>
-          </p:cNvSpPr>
-          <p:nvPr>
-            <p:ph type="title"/>
-          </p:nvPr>
-        </p:nvSpPr>
-        <p:spPr>
-          <a:xfrm>
-            <a:off x="228600" y="381000"/>
-            <a:ext cx="8686800" cy="1066800"/>
-          </a:xfrm>
-        </p:spPr>
-        <p:txBody>
-          <a:bodyPr>
-            <a:normAutofit/>
-          </a:bodyPr>
-          <a:lstStyle/>
-          <a:p>
-            <a:r>
-              <a:rPr lang="da-DK" sz="3200" b="1" dirty="0"/>
-              <a:t>Free advert (#3)</a:t>
-            </a:r>
-            <a:endParaRPr lang="en-US" sz="3200" dirty="0"/>
-          </a:p>
-        </p:txBody>
-      </p:sp>
-      <p:sp>
-        <p:nvSpPr>
-          <p:cNvPr id="3" name="Content Placeholder 2"/>
-          <p:cNvSpPr>
-            <a:spLocks noGrp="1"/>
-          </p:cNvSpPr>
-          <p:nvPr>
-            <p:ph idx="1"/>
-          </p:nvPr>
-        </p:nvSpPr>
-        <p:spPr>
-          <a:xfrm>
-            <a:off x="304800" y="1371600"/>
-            <a:ext cx="8686800" cy="1295399"/>
-          </a:xfrm>
-        </p:spPr>
-        <p:txBody>
-          <a:bodyPr>
-            <a:normAutofit/>
-          </a:bodyPr>
-          <a:lstStyle/>
-          <a:p>
-            <a:r>
-              <a:rPr lang="da-DK" dirty="0" smtClean="0"/>
-              <a:t>This is the typical heavy-ion event at Large Hadron Collider reconstructed by ALICE Collaboration</a:t>
-            </a:r>
-            <a:endParaRPr lang="en-US" dirty="0" smtClean="0"/>
-          </a:p>
-        </p:txBody>
-      </p:sp>
-      <p:sp>
-        <p:nvSpPr>
-          <p:cNvPr id="4" name="Slide Number Placeholder 3"/>
-          <p:cNvSpPr>
-            <a:spLocks noGrp="1"/>
-          </p:cNvSpPr>
-          <p:nvPr>
-            <p:ph type="sldNum" sz="quarter" idx="12"/>
-          </p:nvPr>
-        </p:nvSpPr>
-        <p:spPr/>
-        <p:txBody>
-          <a:bodyPr/>
-          <a:lstStyle/>
-          <a:p>
-            <a:pPr>
-              <a:defRPr/>
-            </a:pPr>
-            <a:fld id="{B3B39CE4-1B0F-442B-AED0-7E4EF4FD7138}" type="slidenum">
-              <a:rPr lang="en-US" smtClean="0"/>
-              <a:pPr>
-                <a:defRPr/>
-              </a:pPr>
-              <a:t>29</a:t>
-            </a:fld>
-            <a:endParaRPr lang="en-US" dirty="0"/>
-          </a:p>
-        </p:txBody>
-      </p:sp>
       <p:pic>
         <p:nvPicPr>
-          <p:cNvPr id="6" name="Picture 2" descr="realHI"/>
+          <p:cNvPr id="7" name="Picture 2" descr="https://cds.cern.ch/record/2202730/files/PbPb5TeV_redOnWhite.png?subformat=icon-1440"/>
           <p:cNvPicPr>
             <a:picLocks noChangeAspect="1" noChangeArrowheads="1"/>
           </p:cNvPicPr>
@@ -11615,16 +11527,13 @@
         </p:blipFill>
         <p:spPr bwMode="auto">
           <a:xfrm>
-            <a:off x="1600200" y="2286000"/>
-            <a:ext cx="5955100" cy="4383617"/>
+            <a:off x="1752600" y="2209800"/>
+            <a:ext cx="5292347" cy="4572000"/>
           </a:xfrm>
           <a:prstGeom prst="rect">
             <a:avLst/>
           </a:prstGeom>
           <a:noFill/>
-          <a:ln>
-            <a:noFill/>
-          </a:ln>
           <a:extLst>
             <a:ext uri="{909E8E84-426E-40DD-AFC4-6F175D3DCCD1}">
               <a14:hiddenFill xmlns:a14="http://schemas.microsoft.com/office/drawing/2010/main">
@@ -11633,19 +11542,98 @@
                 </a:solidFill>
               </a14:hiddenFill>
             </a:ext>
-            <a:ext uri="{91240B29-F687-4F45-9708-019B960494DF}">
-              <a14:hiddenLine xmlns:a14="http://schemas.microsoft.com/office/drawing/2010/main" w="9525">
-                <a:solidFill>
-                  <a:srgbClr val="000000"/>
-                </a:solidFill>
-                <a:miter lim="800000"/>
-                <a:headEnd/>
-                <a:tailEnd/>
-              </a14:hiddenLine>
-            </a:ext>
           </a:extLst>
         </p:spPr>
       </p:pic>
+      <p:sp>
+        <p:nvSpPr>
+          <p:cNvPr id="2" name="Title 1"/>
+          <p:cNvSpPr>
+            <a:spLocks noGrp="1"/>
+          </p:cNvSpPr>
+          <p:nvPr>
+            <p:ph type="title"/>
+          </p:nvPr>
+        </p:nvSpPr>
+        <p:spPr>
+          <a:xfrm>
+            <a:off x="228600" y="381000"/>
+            <a:ext cx="8686800" cy="1066800"/>
+          </a:xfrm>
+        </p:spPr>
+        <p:txBody>
+          <a:bodyPr>
+            <a:normAutofit/>
+          </a:bodyPr>
+          <a:lstStyle/>
+          <a:p>
+            <a:r>
+              <a:rPr lang="da-DK" sz="3200" b="1" dirty="0"/>
+              <a:t>Free advert (#3)</a:t>
+            </a:r>
+            <a:endParaRPr lang="en-US" sz="3200" dirty="0"/>
+          </a:p>
+        </p:txBody>
+      </p:sp>
+      <p:sp>
+        <p:nvSpPr>
+          <p:cNvPr id="3" name="Content Placeholder 2"/>
+          <p:cNvSpPr>
+            <a:spLocks noGrp="1"/>
+          </p:cNvSpPr>
+          <p:nvPr>
+            <p:ph idx="1"/>
+          </p:nvPr>
+        </p:nvSpPr>
+        <p:spPr>
+          <a:xfrm>
+            <a:off x="304800" y="1371600"/>
+            <a:ext cx="8686800" cy="1295399"/>
+          </a:xfrm>
+        </p:spPr>
+        <p:txBody>
+          <a:bodyPr>
+            <a:normAutofit/>
+          </a:bodyPr>
+          <a:lstStyle/>
+          <a:p>
+            <a:r>
+              <a:rPr lang="da-DK" dirty="0" smtClean="0"/>
+              <a:t>This is the typical heavy-ion event at Large Hadron Collider reconstructed by ALICE Collaboration</a:t>
+            </a:r>
+            <a:endParaRPr lang="en-US" dirty="0" smtClean="0"/>
+          </a:p>
+        </p:txBody>
+      </p:sp>
+      <p:sp>
+        <p:nvSpPr>
+          <p:cNvPr id="4" name="Slide Number Placeholder 3"/>
+          <p:cNvSpPr>
+            <a:spLocks noGrp="1"/>
+          </p:cNvSpPr>
+          <p:nvPr>
+            <p:ph type="sldNum" sz="quarter" idx="12"/>
+          </p:nvPr>
+        </p:nvSpPr>
+        <p:spPr/>
+        <p:txBody>
+          <a:bodyPr/>
+          <a:lstStyle/>
+          <a:p>
+            <a:pPr>
+              <a:defRPr/>
+            </a:pPr>
+            <a:fld id="{B3B39CE4-1B0F-442B-AED0-7E4EF4FD7138}" type="slidenum">
+              <a:rPr lang="en-US" smtClean="0"/>
+              <a:pPr>
+                <a:defRPr/>
+              </a:pPr>
+              <a:t>29</a:t>
+            </a:fld>
+            <a:endParaRPr lang="en-US" dirty="0"/>
+          </a:p>
+        </p:txBody>
+      </p:sp>
     </p:spTree>
     <p:extLst>
       <p:ext uri="{BB962C8B-B14F-4D97-AF65-F5344CB8AC3E}">
@@ -12772,15 +12760,7 @@
             <a:pPr lvl="1"/>
             <a:r>
               <a:rPr lang="en-GB" dirty="0" smtClean="0"/>
-              <a:t>Also the future ones (e.g. CBM at </a:t>
-            </a:r>
-            <a:r>
-              <a:rPr lang="en-GB" dirty="0" smtClean="0"/>
-              <a:t>GSI is </a:t>
-            </a:r>
-            <a:r>
-              <a:rPr lang="en-GB" dirty="0" smtClean="0"/>
-              <a:t>developing CbmRoot) </a:t>
+              <a:t>Also the future ones (e.g. CBM at GSI is developing CbmRoot) </a:t>
             </a:r>
             <a:endParaRPr lang="en-US" dirty="0" smtClean="0"/>
           </a:p>
@@ -13159,17 +13139,8 @@
             </a:r>
             <a:r>
               <a:rPr lang="en-GB" dirty="0" smtClean="0"/>
-              <a:t>6.28/00 (February </a:t>
-            </a:r>
-            <a:r>
-              <a:rPr lang="en-GB" dirty="0" smtClean="0"/>
-              <a:t>3, </a:t>
-            </a:r>
-            <a:r>
-              <a:rPr lang="en-GB" dirty="0" smtClean="0"/>
-              <a:t>2023)</a:t>
-            </a:r>
-            <a:endParaRPr lang="en-GB" dirty="0" smtClean="0"/>
+              <a:t>6.28/00 (February 3, 2023)</a:t>
+            </a:r>
           </a:p>
           <a:p>
             <a:r>
@@ -13789,28 +13760,22 @@
       </p:sp>
       <p:pic>
         <p:nvPicPr>
-          <p:cNvPr id="6" name="Picture 5"/>
+          <p:cNvPr id="5" name="Picture 4"/>
           <p:cNvPicPr>
             <a:picLocks noChangeAspect="1"/>
           </p:cNvPicPr>
           <p:nvPr/>
         </p:nvPicPr>
         <p:blipFill>
-          <a:blip r:embed="rId3">
-            <a:extLst>
-              <a:ext uri="{28A0092B-C50C-407E-A947-70E740481C1C}">
-                <a14:useLocalDpi xmlns:a14="http://schemas.microsoft.com/office/drawing/2010/main" val="0"/>
-              </a:ext>
-            </a:extLst>
-          </a:blip>
+          <a:blip r:embed="rId3"/>
           <a:stretch>
             <a:fillRect/>
           </a:stretch>
         </p:blipFill>
         <p:spPr>
           <a:xfrm>
-            <a:off x="730410" y="2209800"/>
-            <a:ext cx="7956390" cy="4632960"/>
+            <a:off x="990114" y="2246375"/>
+            <a:ext cx="7315686" cy="4459225"/>
           </a:xfrm>
           <a:prstGeom prst="rect">
             <a:avLst/>
